--- a/testEnv/NETCLI.pptx
+++ b/testEnv/NETCLI.pptx
@@ -200,7 +200,7 @@
           <a:p>
             <a:fld id="{242D1DAE-8D5D-1F4F-BE0C-363561884B68}" type="datetimeFigureOut">
               <a:rPr kumimoji="1" lang="zh-CN" altLang="en-US" smtClean="0"/>
-              <a:t>2019/9/5</a:t>
+              <a:t>2019/9/17</a:t>
             </a:fld>
             <a:endParaRPr kumimoji="1" lang="zh-CN" altLang="en-US"/>
           </a:p>
@@ -2969,7 +2969,7 @@
           <a:p>
             <a:fld id="{04EBE0E1-1C55-4334-85A3-E2728A37F884}" type="datetimeFigureOut">
               <a:rPr lang="zh-CN" altLang="en-US" smtClean="0"/>
-              <a:t>2019/9/5</a:t>
+              <a:t>2019/9/17</a:t>
             </a:fld>
             <a:endParaRPr lang="zh-CN" altLang="en-US"/>
           </a:p>
@@ -3132,7 +3132,7 @@
           <p:cNvPr id="4" name="图片 3">
             <a:extLst>
               <a:ext uri="{FF2B5EF4-FFF2-40B4-BE49-F238E27FC236}">
-                <a16:creationId xmlns:a16="http://schemas.microsoft.com/office/drawing/2014/main" xmlns="" id="{ECCFA5AD-83F8-4F94-A4AB-ED786BE814BE}"/>
+                <a16:creationId xmlns="" xmlns:a16="http://schemas.microsoft.com/office/drawing/2014/main" id="{ECCFA5AD-83F8-4F94-A4AB-ED786BE814BE}"/>
               </a:ext>
             </a:extLst>
           </p:cNvPr>
@@ -3167,7 +3167,7 @@
           <p:cNvPr id="5" name="矩形 4">
             <a:extLst>
               <a:ext uri="{FF2B5EF4-FFF2-40B4-BE49-F238E27FC236}">
-                <a16:creationId xmlns:a16="http://schemas.microsoft.com/office/drawing/2014/main" xmlns="" id="{2ECAEFC7-30CF-4B2F-922A-14691BCFBBB3}"/>
+                <a16:creationId xmlns="" xmlns:a16="http://schemas.microsoft.com/office/drawing/2014/main" id="{2ECAEFC7-30CF-4B2F-922A-14691BCFBBB3}"/>
               </a:ext>
             </a:extLst>
           </p:cNvPr>
@@ -3221,7 +3221,7 @@
           <p:cNvPr id="8" name="文本占位符 8">
             <a:extLst>
               <a:ext uri="{FF2B5EF4-FFF2-40B4-BE49-F238E27FC236}">
-                <a16:creationId xmlns:a16="http://schemas.microsoft.com/office/drawing/2014/main" xmlns="" id="{8C541A9E-F728-4944-BE21-C9BBAC4F78A3}"/>
+                <a16:creationId xmlns="" xmlns:a16="http://schemas.microsoft.com/office/drawing/2014/main" id="{8C541A9E-F728-4944-BE21-C9BBAC4F78A3}"/>
               </a:ext>
             </a:extLst>
           </p:cNvPr>
@@ -3274,7 +3274,7 @@
           <p:cNvPr id="7" name="文本占位符 3">
             <a:extLst>
               <a:ext uri="{FF2B5EF4-FFF2-40B4-BE49-F238E27FC236}">
-                <a16:creationId xmlns:a16="http://schemas.microsoft.com/office/drawing/2014/main" xmlns="" id="{05D8DE56-AE90-42C3-9800-708D84AB40AE}"/>
+                <a16:creationId xmlns="" xmlns:a16="http://schemas.microsoft.com/office/drawing/2014/main" id="{05D8DE56-AE90-42C3-9800-708D84AB40AE}"/>
               </a:ext>
             </a:extLst>
           </p:cNvPr>
@@ -3346,7 +3346,7 @@
           <p:cNvPr id="2" name="矩形 1">
             <a:extLst>
               <a:ext uri="{FF2B5EF4-FFF2-40B4-BE49-F238E27FC236}">
-                <a16:creationId xmlns:a16="http://schemas.microsoft.com/office/drawing/2014/main" xmlns="" id="{75E16A69-409A-4CE4-875B-43ADA63B7318}"/>
+                <a16:creationId xmlns="" xmlns:a16="http://schemas.microsoft.com/office/drawing/2014/main" id="{75E16A69-409A-4CE4-875B-43ADA63B7318}"/>
               </a:ext>
             </a:extLst>
           </p:cNvPr>
@@ -3454,7 +3454,7 @@
           <p:cNvPr id="9" name="文本占位符 3">
             <a:extLst>
               <a:ext uri="{FF2B5EF4-FFF2-40B4-BE49-F238E27FC236}">
-                <a16:creationId xmlns:a16="http://schemas.microsoft.com/office/drawing/2014/main" xmlns="" id="{2D5D9DF4-FD2F-4CEC-9A73-8CC03E6B7966}"/>
+                <a16:creationId xmlns="" xmlns:a16="http://schemas.microsoft.com/office/drawing/2014/main" id="{2D5D9DF4-FD2F-4CEC-9A73-8CC03E6B7966}"/>
               </a:ext>
             </a:extLst>
           </p:cNvPr>
@@ -3538,7 +3538,7 @@
           <p:cNvPr id="10" name="文本框 14">
             <a:extLst>
               <a:ext uri="{FF2B5EF4-FFF2-40B4-BE49-F238E27FC236}">
-                <a16:creationId xmlns:a16="http://schemas.microsoft.com/office/drawing/2014/main" xmlns="" id="{339BBBEC-E062-4610-B7D9-51F1F0E82DB1}"/>
+                <a16:creationId xmlns="" xmlns:a16="http://schemas.microsoft.com/office/drawing/2014/main" id="{339BBBEC-E062-4610-B7D9-51F1F0E82DB1}"/>
               </a:ext>
             </a:extLst>
           </p:cNvPr>
@@ -3712,7 +3712,7 @@
           <p:cNvPr id="11" name="矩形 10">
             <a:extLst>
               <a:ext uri="{FF2B5EF4-FFF2-40B4-BE49-F238E27FC236}">
-                <a16:creationId xmlns:a16="http://schemas.microsoft.com/office/drawing/2014/main" xmlns="" id="{47B731A4-0ABB-448E-BD4C-A1DF82744EB2}"/>
+                <a16:creationId xmlns="" xmlns:a16="http://schemas.microsoft.com/office/drawing/2014/main" id="{47B731A4-0ABB-448E-BD4C-A1DF82744EB2}"/>
               </a:ext>
             </a:extLst>
           </p:cNvPr>
@@ -5639,7 +5639,7 @@
           <p:cNvPr id="2" name="矩形 1">
             <a:extLst>
               <a:ext uri="{FF2B5EF4-FFF2-40B4-BE49-F238E27FC236}">
-                <a16:creationId xmlns:a16="http://schemas.microsoft.com/office/drawing/2014/main" xmlns="" id="{CF378971-9DEF-426A-AB05-85B248B97436}"/>
+                <a16:creationId xmlns="" xmlns:a16="http://schemas.microsoft.com/office/drawing/2014/main" id="{CF378971-9DEF-426A-AB05-85B248B97436}"/>
               </a:ext>
             </a:extLst>
           </p:cNvPr>
@@ -7258,7 +7258,7 @@
           <a:p>
             <a:fld id="{04EBE0E1-1C55-4334-85A3-E2728A37F884}" type="datetimeFigureOut">
               <a:rPr lang="zh-CN" altLang="en-US" smtClean="0"/>
-              <a:t>2019/9/5</a:t>
+              <a:t>2019/9/17</a:t>
             </a:fld>
             <a:endParaRPr lang="zh-CN" altLang="en-US"/>
           </a:p>
@@ -7840,7 +7840,7 @@
           <a:p>
             <a:fld id="{04EBE0E1-1C55-4334-85A3-E2728A37F884}" type="datetimeFigureOut">
               <a:rPr lang="zh-CN" altLang="en-US" smtClean="0"/>
-              <a:t>2019/9/5</a:t>
+              <a:t>2019/9/17</a:t>
             </a:fld>
             <a:endParaRPr lang="zh-CN" altLang="en-US"/>
           </a:p>
@@ -9118,7 +9118,7 @@
           <a:p>
             <a:fld id="{04EBE0E1-1C55-4334-85A3-E2728A37F884}" type="datetimeFigureOut">
               <a:rPr lang="zh-CN" altLang="en-US" smtClean="0"/>
-              <a:t>2019/9/5</a:t>
+              <a:t>2019/9/17</a:t>
             </a:fld>
             <a:endParaRPr lang="zh-CN" altLang="en-US"/>
           </a:p>
@@ -10528,7 +10528,7 @@
           <a:p>
             <a:fld id="{04EBE0E1-1C55-4334-85A3-E2728A37F884}" type="datetimeFigureOut">
               <a:rPr lang="zh-CN" altLang="en-US" smtClean="0"/>
-              <a:t>2019/9/5</a:t>
+              <a:t>2019/9/17</a:t>
             </a:fld>
             <a:endParaRPr lang="zh-CN" altLang="en-US"/>
           </a:p>
@@ -13253,8 +13253,8 @@
         </p:nvSpPr>
         <p:spPr bwMode="auto">
           <a:xfrm>
-            <a:off x="284927" y="3641663"/>
-            <a:ext cx="5454408" cy="2976856"/>
+            <a:off x="1640264" y="3734208"/>
+            <a:ext cx="8498588" cy="2327504"/>
           </a:xfrm>
           <a:prstGeom prst="roundRect">
             <a:avLst>
@@ -13391,7 +13391,7 @@
         </p:blipFill>
         <p:spPr bwMode="auto">
           <a:xfrm>
-            <a:off x="2862775" y="1158349"/>
+            <a:off x="5474000" y="1056457"/>
             <a:ext cx="432505" cy="457567"/>
           </a:xfrm>
           <a:prstGeom prst="rect">
@@ -13417,7 +13417,7 @@
         </p:blipFill>
         <p:spPr bwMode="auto">
           <a:xfrm>
-            <a:off x="2862775" y="2235215"/>
+            <a:off x="5474000" y="2538928"/>
             <a:ext cx="432505" cy="461083"/>
           </a:xfrm>
           <a:prstGeom prst="rect">
@@ -13440,8 +13440,8 @@
         </p:nvSpPr>
         <p:spPr>
           <a:xfrm>
-            <a:off x="2393845" y="1261267"/>
-            <a:ext cx="528260" cy="292336"/>
+            <a:off x="4404538" y="1066860"/>
+            <a:ext cx="1097400" cy="461657"/>
           </a:xfrm>
           <a:prstGeom prst="rect">
             <a:avLst/>
@@ -13454,16 +13454,32 @@
           </a:bodyPr>
           <a:lstStyle/>
           <a:p>
-            <a:pPr>
+            <a:pPr algn="ctr">
               <a:buNone/>
             </a:pPr>
             <a:r>
-              <a:rPr lang="zh-CN" altLang="en-US" sz="1100" dirty="0">
+              <a:rPr lang="en-US" altLang="zh-CN" sz="1100" dirty="0">
                 <a:latin typeface="微软雅黑" pitchFamily="34" charset="-122"/>
                 <a:ea typeface="微软雅黑" pitchFamily="34" charset="-122"/>
               </a:rPr>
-              <a:t>网关</a:t>
-            </a:r>
+              <a:t>CE6855</a:t>
+            </a:r>
+          </a:p>
+          <a:p>
+            <a:pPr algn="ctr">
+              <a:buNone/>
+            </a:pPr>
+            <a:r>
+              <a:rPr lang="en-US" altLang="zh-CN" sz="1100" dirty="0">
+                <a:latin typeface="微软雅黑" pitchFamily="34" charset="-122"/>
+                <a:ea typeface="微软雅黑" pitchFamily="34" charset="-122"/>
+              </a:rPr>
+              <a:t>172.20.13.30</a:t>
+            </a:r>
+            <a:endParaRPr lang="zh-CN" altLang="en-US" sz="1100" dirty="0">
+              <a:latin typeface="微软雅黑" pitchFamily="34" charset="-122"/>
+              <a:ea typeface="微软雅黑" pitchFamily="34" charset="-122"/>
+            </a:endParaRPr>
           </a:p>
         </p:txBody>
       </p:sp>
@@ -13475,8 +13491,8 @@
         </p:nvSpPr>
         <p:spPr>
           <a:xfrm>
-            <a:off x="2362810" y="2292302"/>
-            <a:ext cx="507428" cy="292336"/>
+            <a:off x="4365820" y="2556989"/>
+            <a:ext cx="1180756" cy="461657"/>
           </a:xfrm>
           <a:prstGeom prst="rect">
             <a:avLst/>
@@ -13489,15 +13505,27 @@
           </a:bodyPr>
           <a:lstStyle/>
           <a:p>
-            <a:pPr>
+            <a:pPr algn="ctr">
               <a:buNone/>
             </a:pPr>
             <a:r>
-              <a:rPr lang="en-US" altLang="zh-CN" sz="1100" dirty="0" err="1">
+              <a:rPr lang="en-US" altLang="zh-CN" sz="1100" dirty="0">
                 <a:latin typeface="微软雅黑" pitchFamily="34" charset="-122"/>
                 <a:ea typeface="微软雅黑" pitchFamily="34" charset="-122"/>
               </a:rPr>
-              <a:t>ToR</a:t>
+              <a:t>S6800</a:t>
+            </a:r>
+          </a:p>
+          <a:p>
+            <a:pPr algn="ctr">
+              <a:buNone/>
+            </a:pPr>
+            <a:r>
+              <a:rPr lang="en-US" altLang="zh-CN" sz="1100" dirty="0">
+                <a:latin typeface="微软雅黑" pitchFamily="34" charset="-122"/>
+                <a:ea typeface="微软雅黑" pitchFamily="34" charset="-122"/>
+              </a:rPr>
+              <a:t>172.20.13.149</a:t>
             </a:r>
             <a:endParaRPr lang="en-US" altLang="zh-CN" sz="1100" dirty="0">
               <a:latin typeface="微软雅黑" pitchFamily="34" charset="-122"/>
@@ -13514,7 +13542,7 @@
         </p:nvSpPr>
         <p:spPr>
           <a:xfrm>
-            <a:off x="1179003" y="5570003"/>
+            <a:off x="6630384" y="4718436"/>
             <a:ext cx="722187" cy="419013"/>
           </a:xfrm>
           <a:prstGeom prst="rect">
@@ -13546,10 +13574,10 @@
           <a:p>
             <a:pPr algn="ctr"/>
             <a:r>
-              <a:rPr kumimoji="1" lang="en-US" altLang="zh-CN" sz="1400" dirty="0"/>
+              <a:rPr kumimoji="1" lang="en-US" altLang="zh-CN" sz="1100" dirty="0"/>
               <a:t>WEB01</a:t>
             </a:r>
-            <a:endParaRPr kumimoji="1" lang="zh-CN" altLang="en-US" sz="1400" dirty="0"/>
+            <a:endParaRPr kumimoji="1" lang="zh-CN" altLang="en-US" sz="1100" dirty="0"/>
           </a:p>
         </p:txBody>
       </p:sp>
@@ -13557,14 +13585,15 @@
         <p:nvCxnSpPr>
           <p:cNvPr id="66" name="直线连接符 65"/>
           <p:cNvCxnSpPr>
+            <a:stCxn id="166" idx="2"/>
             <a:endCxn id="106" idx="2"/>
           </p:cNvCxnSpPr>
           <p:nvPr/>
         </p:nvCxnSpPr>
         <p:spPr>
-          <a:xfrm flipH="1">
-            <a:off x="1526215" y="2620846"/>
-            <a:ext cx="1395890" cy="1937899"/>
+          <a:xfrm>
+            <a:off x="5690253" y="3000011"/>
+            <a:ext cx="1383211" cy="1036468"/>
           </a:xfrm>
           <a:prstGeom prst="line">
             <a:avLst/>
@@ -13594,14 +13623,15 @@
         <p:nvCxnSpPr>
           <p:cNvPr id="70" name="直线连接符 69"/>
           <p:cNvCxnSpPr>
+            <a:stCxn id="166" idx="2"/>
             <a:endCxn id="83" idx="2"/>
           </p:cNvCxnSpPr>
           <p:nvPr/>
         </p:nvCxnSpPr>
         <p:spPr>
           <a:xfrm>
-            <a:off x="3239398" y="2620846"/>
-            <a:ext cx="1312469" cy="1937904"/>
+            <a:off x="5690253" y="3000011"/>
+            <a:ext cx="3440307" cy="1036470"/>
           </a:xfrm>
           <a:prstGeom prst="line">
             <a:avLst/>
@@ -13637,7 +13667,7 @@
         </p:nvCxnSpPr>
         <p:spPr>
           <a:xfrm>
-            <a:off x="738238" y="4903909"/>
+            <a:off x="5913614" y="4052342"/>
             <a:ext cx="7681" cy="666095"/>
           </a:xfrm>
           <a:prstGeom prst="line">
@@ -13672,7 +13702,7 @@
         </p:nvCxnSpPr>
         <p:spPr>
           <a:xfrm flipH="1">
-            <a:off x="1541010" y="4903909"/>
+            <a:off x="6992391" y="4381641"/>
             <a:ext cx="19394" cy="684722"/>
           </a:xfrm>
           <a:prstGeom prst="line">
@@ -13707,8 +13737,8 @@
         </p:nvSpPr>
         <p:spPr>
           <a:xfrm rot="5400000">
-            <a:off x="4388572" y="3733014"/>
-            <a:ext cx="326590" cy="1978062"/>
+            <a:off x="8967265" y="3722735"/>
+            <a:ext cx="326590" cy="954081"/>
           </a:xfrm>
           <a:prstGeom prst="can">
             <a:avLst/>
@@ -13744,18 +13774,18 @@
           <a:p>
             <a:pPr algn="ctr"/>
             <a:r>
-              <a:rPr kumimoji="1" lang="en-US" altLang="zh-CN" sz="1050" dirty="0"/>
+              <a:rPr kumimoji="1" lang="en-US" altLang="zh-CN" sz="1200" dirty="0"/>
               <a:t>app</a:t>
             </a:r>
             <a:r>
-              <a:rPr kumimoji="1" lang="zh-CN" altLang="en-US" sz="1050" dirty="0"/>
+              <a:rPr kumimoji="1" lang="zh-CN" altLang="en-US" sz="1200" dirty="0"/>
               <a:t> </a:t>
             </a:r>
             <a:r>
-              <a:rPr kumimoji="1" lang="en-US" altLang="zh-CN" sz="1050" dirty="0"/>
+              <a:rPr kumimoji="1" lang="en-US" altLang="zh-CN" sz="1200" dirty="0"/>
               <a:t>vsw</a:t>
             </a:r>
-            <a:endParaRPr kumimoji="1" lang="zh-CN" altLang="en-US" sz="1400" dirty="0"/>
+            <a:endParaRPr kumimoji="1" lang="zh-CN" altLang="en-US" dirty="0"/>
           </a:p>
         </p:txBody>
       </p:sp>
@@ -13767,7 +13797,7 @@
         </p:nvSpPr>
         <p:spPr>
           <a:xfrm>
-            <a:off x="453764" y="5570003"/>
+            <a:off x="5629140" y="4718436"/>
             <a:ext cx="584310" cy="419013"/>
           </a:xfrm>
           <a:prstGeom prst="rect">
@@ -13813,8 +13843,8 @@
         </p:nvSpPr>
         <p:spPr>
           <a:xfrm rot="5400000">
-            <a:off x="1362920" y="3649589"/>
-            <a:ext cx="326591" cy="2144903"/>
+            <a:off x="6910168" y="2755449"/>
+            <a:ext cx="326591" cy="2888650"/>
           </a:xfrm>
           <a:prstGeom prst="can">
             <a:avLst/>
@@ -13850,18 +13880,18 @@
           <a:p>
             <a:pPr algn="ctr"/>
             <a:r>
-              <a:rPr kumimoji="1" lang="en-US" altLang="zh-CN" sz="1050" dirty="0"/>
+              <a:rPr kumimoji="1" lang="en-US" altLang="zh-CN" sz="1200" dirty="0"/>
               <a:t>web</a:t>
             </a:r>
             <a:r>
-              <a:rPr kumimoji="1" lang="zh-CN" altLang="en-US" sz="1050" dirty="0"/>
+              <a:rPr kumimoji="1" lang="zh-CN" altLang="en-US" sz="1200" dirty="0"/>
               <a:t> </a:t>
             </a:r>
             <a:r>
-              <a:rPr kumimoji="1" lang="en-US" altLang="zh-CN" sz="1050" dirty="0"/>
+              <a:rPr kumimoji="1" lang="en-US" altLang="zh-CN" sz="1200" dirty="0"/>
               <a:t>vsw</a:t>
             </a:r>
-            <a:endParaRPr kumimoji="1" lang="zh-CN" altLang="en-US" sz="1050" dirty="0"/>
+            <a:endParaRPr kumimoji="1" lang="zh-CN" altLang="en-US" sz="1200" dirty="0"/>
           </a:p>
         </p:txBody>
       </p:sp>
@@ -13875,7 +13905,7 @@
         </p:nvCxnSpPr>
         <p:spPr>
           <a:xfrm>
-            <a:off x="4534151" y="4885337"/>
+            <a:off x="9142854" y="4033769"/>
             <a:ext cx="12007" cy="684667"/>
           </a:xfrm>
           <a:prstGeom prst="line">
@@ -13910,7 +13940,7 @@
         </p:nvSpPr>
         <p:spPr>
           <a:xfrm>
-            <a:off x="4254003" y="5570003"/>
+            <a:off x="8862706" y="4718435"/>
             <a:ext cx="584310" cy="419013"/>
           </a:xfrm>
           <a:prstGeom prst="rect">
@@ -13957,7 +13987,7 @@
         </p:nvSpPr>
         <p:spPr>
           <a:xfrm>
-            <a:off x="700886" y="5533795"/>
+            <a:off x="5876262" y="4682228"/>
             <a:ext cx="90066" cy="92780"/>
           </a:xfrm>
           <a:prstGeom prst="rect">
@@ -14007,7 +14037,7 @@
         </p:nvSpPr>
         <p:spPr>
           <a:xfrm>
-            <a:off x="1499330" y="5533795"/>
+            <a:off x="6950711" y="4682228"/>
             <a:ext cx="90066" cy="92780"/>
           </a:xfrm>
           <a:prstGeom prst="rect">
@@ -14053,7 +14083,7 @@
         </p:nvSpPr>
         <p:spPr>
           <a:xfrm>
-            <a:off x="4501125" y="5533795"/>
+            <a:off x="9109828" y="4682227"/>
             <a:ext cx="90066" cy="92780"/>
           </a:xfrm>
           <a:prstGeom prst="rect">
@@ -14102,8 +14132,8 @@
         </p:nvCxnSpPr>
         <p:spPr bwMode="auto">
           <a:xfrm flipV="1">
-            <a:off x="3079028" y="1615916"/>
-            <a:ext cx="0" cy="619299"/>
+            <a:off x="5690253" y="1514024"/>
+            <a:ext cx="0" cy="1024904"/>
           </a:xfrm>
           <a:prstGeom prst="line">
             <a:avLst/>
@@ -14121,472 +14151,23 @@
           <a:effectLst/>
         </p:spPr>
       </p:cxnSp>
-      <p:pic>
-        <p:nvPicPr>
-          <p:cNvPr id="82" name="Picture 95" descr="catalyst"/>
-          <p:cNvPicPr>
-            <a:picLocks noChangeAspect="1" noChangeArrowheads="1"/>
-          </p:cNvPicPr>
-          <p:nvPr/>
-        </p:nvPicPr>
-        <p:blipFill>
-          <a:blip r:embed="rId5" cstate="print">
-            <a:extLst>
-              <a:ext uri="{28A0092B-C50C-407E-A947-70E740481C1C}">
-                <a14:useLocalDpi xmlns:a14="http://schemas.microsoft.com/office/drawing/2010/main" val="0"/>
-              </a:ext>
-            </a:extLst>
-          </a:blip>
-          <a:srcRect/>
-          <a:stretch>
-            <a:fillRect/>
-          </a:stretch>
-        </p:blipFill>
-        <p:spPr bwMode="auto">
-          <a:xfrm>
-            <a:off x="8413774" y="1927882"/>
-            <a:ext cx="632912" cy="324148"/>
-          </a:xfrm>
-          <a:prstGeom prst="rect">
-            <a:avLst/>
-          </a:prstGeom>
-          <a:noFill/>
+      <p:sp>
+        <p:nvSpPr>
+          <p:cNvPr id="117" name="矩形 116"/>
+          <p:cNvSpPr/>
+          <p:nvPr/>
+        </p:nvSpPr>
+        <p:spPr>
+          <a:xfrm>
+            <a:off x="7655361" y="4718436"/>
+            <a:ext cx="722187" cy="419013"/>
+          </a:xfrm>
+          <a:prstGeom prst="rect">
+            <a:avLst/>
+          </a:prstGeom>
           <a:ln>
             <a:noFill/>
           </a:ln>
-          <a:extLst>
-            <a:ext uri="{909E8E84-426E-40DD-AFC4-6F175D3DCCD1}">
-              <a14:hiddenFill xmlns:a14="http://schemas.microsoft.com/office/drawing/2010/main">
-                <a:solidFill>
-                  <a:srgbClr val="FFFFFF"/>
-                </a:solidFill>
-              </a14:hiddenFill>
-            </a:ext>
-            <a:ext uri="{91240B29-F687-4F45-9708-019B960494DF}">
-              <a14:hiddenLine xmlns:a14="http://schemas.microsoft.com/office/drawing/2010/main" w="9525">
-                <a:solidFill>
-                  <a:srgbClr val="000000"/>
-                </a:solidFill>
-                <a:miter lim="800000"/>
-                <a:headEnd/>
-                <a:tailEnd/>
-              </a14:hiddenLine>
-            </a:ext>
-          </a:extLst>
-        </p:spPr>
-      </p:pic>
-      <p:pic>
-        <p:nvPicPr>
-          <p:cNvPr id="84" name="Picture 95" descr="catalyst"/>
-          <p:cNvPicPr>
-            <a:picLocks noChangeAspect="1" noChangeArrowheads="1"/>
-          </p:cNvPicPr>
-          <p:nvPr/>
-        </p:nvPicPr>
-        <p:blipFill>
-          <a:blip r:embed="rId5" cstate="print">
-            <a:extLst>
-              <a:ext uri="{28A0092B-C50C-407E-A947-70E740481C1C}">
-                <a14:useLocalDpi xmlns:a14="http://schemas.microsoft.com/office/drawing/2010/main" val="0"/>
-              </a:ext>
-            </a:extLst>
-          </a:blip>
-          <a:srcRect/>
-          <a:stretch>
-            <a:fillRect/>
-          </a:stretch>
-        </p:blipFill>
-        <p:spPr bwMode="auto">
-          <a:xfrm>
-            <a:off x="8413774" y="2722465"/>
-            <a:ext cx="632912" cy="324148"/>
-          </a:xfrm>
-          <a:prstGeom prst="rect">
-            <a:avLst/>
-          </a:prstGeom>
-          <a:noFill/>
-          <a:ln>
-            <a:noFill/>
-          </a:ln>
-          <a:extLst>
-            <a:ext uri="{909E8E84-426E-40DD-AFC4-6F175D3DCCD1}">
-              <a14:hiddenFill xmlns:a14="http://schemas.microsoft.com/office/drawing/2010/main">
-                <a:solidFill>
-                  <a:srgbClr val="FFFFFF"/>
-                </a:solidFill>
-              </a14:hiddenFill>
-            </a:ext>
-            <a:ext uri="{91240B29-F687-4F45-9708-019B960494DF}">
-              <a14:hiddenLine xmlns:a14="http://schemas.microsoft.com/office/drawing/2010/main" w="9525">
-                <a:solidFill>
-                  <a:srgbClr val="000000"/>
-                </a:solidFill>
-                <a:miter lim="800000"/>
-                <a:headEnd/>
-                <a:tailEnd/>
-              </a14:hiddenLine>
-            </a:ext>
-          </a:extLst>
-        </p:spPr>
-      </p:pic>
-      <p:pic>
-        <p:nvPicPr>
-          <p:cNvPr id="86" name="Picture 95" descr="catalyst"/>
-          <p:cNvPicPr>
-            <a:picLocks noChangeAspect="1" noChangeArrowheads="1"/>
-          </p:cNvPicPr>
-          <p:nvPr/>
-        </p:nvPicPr>
-        <p:blipFill>
-          <a:blip r:embed="rId5" cstate="print">
-            <a:extLst>
-              <a:ext uri="{28A0092B-C50C-407E-A947-70E740481C1C}">
-                <a14:useLocalDpi xmlns:a14="http://schemas.microsoft.com/office/drawing/2010/main" val="0"/>
-              </a:ext>
-            </a:extLst>
-          </a:blip>
-          <a:srcRect/>
-          <a:stretch>
-            <a:fillRect/>
-          </a:stretch>
-        </p:blipFill>
-        <p:spPr bwMode="auto">
-          <a:xfrm>
-            <a:off x="8963967" y="3206425"/>
-            <a:ext cx="632912" cy="324148"/>
-          </a:xfrm>
-          <a:prstGeom prst="rect">
-            <a:avLst/>
-          </a:prstGeom>
-          <a:noFill/>
-          <a:ln>
-            <a:noFill/>
-          </a:ln>
-          <a:extLst>
-            <a:ext uri="{909E8E84-426E-40DD-AFC4-6F175D3DCCD1}">
-              <a14:hiddenFill xmlns:a14="http://schemas.microsoft.com/office/drawing/2010/main">
-                <a:solidFill>
-                  <a:srgbClr val="FFFFFF"/>
-                </a:solidFill>
-              </a14:hiddenFill>
-            </a:ext>
-            <a:ext uri="{91240B29-F687-4F45-9708-019B960494DF}">
-              <a14:hiddenLine xmlns:a14="http://schemas.microsoft.com/office/drawing/2010/main" w="9525">
-                <a:solidFill>
-                  <a:srgbClr val="000000"/>
-                </a:solidFill>
-                <a:miter lim="800000"/>
-                <a:headEnd/>
-                <a:tailEnd/>
-              </a14:hiddenLine>
-            </a:ext>
-          </a:extLst>
-        </p:spPr>
-      </p:pic>
-      <p:pic>
-        <p:nvPicPr>
-          <p:cNvPr id="88" name="Picture 95" descr="catalyst"/>
-          <p:cNvPicPr>
-            <a:picLocks noChangeAspect="1" noChangeArrowheads="1"/>
-          </p:cNvPicPr>
-          <p:nvPr/>
-        </p:nvPicPr>
-        <p:blipFill>
-          <a:blip r:embed="rId5" cstate="print">
-            <a:extLst>
-              <a:ext uri="{28A0092B-C50C-407E-A947-70E740481C1C}">
-                <a14:useLocalDpi xmlns:a14="http://schemas.microsoft.com/office/drawing/2010/main" val="0"/>
-              </a:ext>
-            </a:extLst>
-          </a:blip>
-          <a:srcRect/>
-          <a:stretch>
-            <a:fillRect/>
-          </a:stretch>
-        </p:blipFill>
-        <p:spPr bwMode="auto">
-          <a:xfrm>
-            <a:off x="7602251" y="3281654"/>
-            <a:ext cx="632912" cy="324148"/>
-          </a:xfrm>
-          <a:prstGeom prst="rect">
-            <a:avLst/>
-          </a:prstGeom>
-          <a:noFill/>
-          <a:ln>
-            <a:noFill/>
-          </a:ln>
-          <a:extLst>
-            <a:ext uri="{909E8E84-426E-40DD-AFC4-6F175D3DCCD1}">
-              <a14:hiddenFill xmlns:a14="http://schemas.microsoft.com/office/drawing/2010/main">
-                <a:solidFill>
-                  <a:srgbClr val="FFFFFF"/>
-                </a:solidFill>
-              </a14:hiddenFill>
-            </a:ext>
-            <a:ext uri="{91240B29-F687-4F45-9708-019B960494DF}">
-              <a14:hiddenLine xmlns:a14="http://schemas.microsoft.com/office/drawing/2010/main" w="9525">
-                <a:solidFill>
-                  <a:srgbClr val="000000"/>
-                </a:solidFill>
-                <a:miter lim="800000"/>
-                <a:headEnd/>
-                <a:tailEnd/>
-              </a14:hiddenLine>
-            </a:ext>
-          </a:extLst>
-        </p:spPr>
-      </p:pic>
-      <p:cxnSp>
-        <p:nvCxnSpPr>
-          <p:cNvPr id="89" name="直接连接符 186"/>
-          <p:cNvCxnSpPr>
-            <a:stCxn id="84" idx="0"/>
-            <a:endCxn id="82" idx="2"/>
-          </p:cNvCxnSpPr>
-          <p:nvPr/>
-        </p:nvCxnSpPr>
-        <p:spPr bwMode="auto">
-          <a:xfrm flipV="1">
-            <a:off x="8730230" y="2252030"/>
-            <a:ext cx="0" cy="470435"/>
-          </a:xfrm>
-          <a:prstGeom prst="line">
-            <a:avLst/>
-          </a:prstGeom>
-          <a:noFill/>
-          <a:ln w="19050" cap="flat" cmpd="sng" algn="ctr">
-            <a:solidFill>
-              <a:srgbClr val="0070C0"/>
-            </a:solidFill>
-            <a:prstDash val="solid"/>
-            <a:round/>
-            <a:headEnd type="none" w="med" len="med"/>
-            <a:tailEnd type="none" w="med" len="med"/>
-          </a:ln>
-          <a:effectLst/>
-        </p:spPr>
-      </p:cxnSp>
-      <p:cxnSp>
-        <p:nvCxnSpPr>
-          <p:cNvPr id="90" name="直接连接符 186"/>
-          <p:cNvCxnSpPr>
-            <a:stCxn id="86" idx="0"/>
-            <a:endCxn id="84" idx="2"/>
-          </p:cNvCxnSpPr>
-          <p:nvPr/>
-        </p:nvCxnSpPr>
-        <p:spPr bwMode="auto">
-          <a:xfrm flipH="1" flipV="1">
-            <a:off x="8730230" y="3046613"/>
-            <a:ext cx="550193" cy="159812"/>
-          </a:xfrm>
-          <a:prstGeom prst="line">
-            <a:avLst/>
-          </a:prstGeom>
-          <a:noFill/>
-          <a:ln w="19050" cap="flat" cmpd="sng" algn="ctr">
-            <a:solidFill>
-              <a:srgbClr val="0070C0"/>
-            </a:solidFill>
-            <a:prstDash val="solid"/>
-            <a:round/>
-            <a:headEnd type="none" w="med" len="med"/>
-            <a:tailEnd type="none" w="med" len="med"/>
-          </a:ln>
-          <a:effectLst/>
-        </p:spPr>
-      </p:cxnSp>
-      <p:cxnSp>
-        <p:nvCxnSpPr>
-          <p:cNvPr id="92" name="直接连接符 186"/>
-          <p:cNvCxnSpPr>
-            <a:stCxn id="88" idx="0"/>
-            <a:endCxn id="84" idx="2"/>
-          </p:cNvCxnSpPr>
-          <p:nvPr/>
-        </p:nvCxnSpPr>
-        <p:spPr bwMode="auto">
-          <a:xfrm flipV="1">
-            <a:off x="7918707" y="3046613"/>
-            <a:ext cx="811523" cy="235041"/>
-          </a:xfrm>
-          <a:prstGeom prst="line">
-            <a:avLst/>
-          </a:prstGeom>
-          <a:noFill/>
-          <a:ln w="19050" cap="flat" cmpd="sng" algn="ctr">
-            <a:solidFill>
-              <a:srgbClr val="0070C0"/>
-            </a:solidFill>
-            <a:prstDash val="solid"/>
-            <a:round/>
-            <a:headEnd type="none" w="med" len="med"/>
-            <a:tailEnd type="none" w="med" len="med"/>
-          </a:ln>
-          <a:effectLst/>
-        </p:spPr>
-      </p:cxnSp>
-      <p:sp>
-        <p:nvSpPr>
-          <p:cNvPr id="18" name="文本框 17"/>
-          <p:cNvSpPr txBox="1"/>
-          <p:nvPr/>
-        </p:nvSpPr>
-        <p:spPr>
-          <a:xfrm>
-            <a:off x="10364827" y="2722465"/>
-            <a:ext cx="877163" cy="369332"/>
-          </a:xfrm>
-          <a:prstGeom prst="rect">
-            <a:avLst/>
-          </a:prstGeom>
-          <a:noFill/>
-        </p:spPr>
-        <p:txBody>
-          <a:bodyPr wrap="none" rtlCol="0">
-            <a:spAutoFit/>
-          </a:bodyPr>
-          <a:lstStyle/>
-          <a:p>
-            <a:r>
-              <a:rPr kumimoji="1" lang="zh-CN" altLang="en-US"/>
-              <a:t>办公网</a:t>
-            </a:r>
-          </a:p>
-        </p:txBody>
-      </p:sp>
-      <p:cxnSp>
-        <p:nvCxnSpPr>
-          <p:cNvPr id="108" name="直接连接符 186"/>
-          <p:cNvCxnSpPr>
-            <a:endCxn id="82" idx="3"/>
-          </p:cNvCxnSpPr>
-          <p:nvPr/>
-        </p:nvCxnSpPr>
-        <p:spPr bwMode="auto">
-          <a:xfrm flipH="1" flipV="1">
-            <a:off x="9046686" y="2089956"/>
-            <a:ext cx="1291382" cy="794583"/>
-          </a:xfrm>
-          <a:prstGeom prst="line">
-            <a:avLst/>
-          </a:prstGeom>
-          <a:noFill/>
-          <a:ln w="19050" cap="flat" cmpd="sng" algn="ctr">
-            <a:solidFill>
-              <a:srgbClr val="92D050"/>
-            </a:solidFill>
-            <a:prstDash val="solid"/>
-            <a:round/>
-            <a:headEnd type="none" w="med" len="med"/>
-            <a:tailEnd type="none" w="med" len="med"/>
-          </a:ln>
-          <a:effectLst/>
-        </p:spPr>
-      </p:cxnSp>
-      <p:cxnSp>
-        <p:nvCxnSpPr>
-          <p:cNvPr id="109" name="直接连接符 186"/>
-          <p:cNvCxnSpPr>
-            <a:endCxn id="84" idx="3"/>
-          </p:cNvCxnSpPr>
-          <p:nvPr/>
-        </p:nvCxnSpPr>
-        <p:spPr bwMode="auto">
-          <a:xfrm flipH="1">
-            <a:off x="9046686" y="2884539"/>
-            <a:ext cx="1291382" cy="0"/>
-          </a:xfrm>
-          <a:prstGeom prst="line">
-            <a:avLst/>
-          </a:prstGeom>
-          <a:noFill/>
-          <a:ln w="19050" cap="flat" cmpd="sng" algn="ctr">
-            <a:solidFill>
-              <a:srgbClr val="92D050"/>
-            </a:solidFill>
-            <a:prstDash val="solid"/>
-            <a:round/>
-            <a:headEnd type="none" w="med" len="med"/>
-            <a:tailEnd type="none" w="med" len="med"/>
-          </a:ln>
-          <a:effectLst/>
-        </p:spPr>
-      </p:cxnSp>
-      <p:cxnSp>
-        <p:nvCxnSpPr>
-          <p:cNvPr id="113" name="直接连接符 186"/>
-          <p:cNvCxnSpPr>
-            <a:endCxn id="88" idx="3"/>
-          </p:cNvCxnSpPr>
-          <p:nvPr/>
-        </p:nvCxnSpPr>
-        <p:spPr bwMode="auto">
-          <a:xfrm flipH="1">
-            <a:off x="8235163" y="2882277"/>
-            <a:ext cx="2102905" cy="561451"/>
-          </a:xfrm>
-          <a:prstGeom prst="line">
-            <a:avLst/>
-          </a:prstGeom>
-          <a:noFill/>
-          <a:ln w="19050" cap="flat" cmpd="sng" algn="ctr">
-            <a:solidFill>
-              <a:srgbClr val="92D050"/>
-            </a:solidFill>
-            <a:prstDash val="solid"/>
-            <a:round/>
-            <a:headEnd type="none" w="med" len="med"/>
-            <a:tailEnd type="none" w="med" len="med"/>
-          </a:ln>
-          <a:effectLst/>
-        </p:spPr>
-      </p:cxnSp>
-      <p:cxnSp>
-        <p:nvCxnSpPr>
-          <p:cNvPr id="116" name="直接连接符 186"/>
-          <p:cNvCxnSpPr>
-            <a:endCxn id="86" idx="3"/>
-          </p:cNvCxnSpPr>
-          <p:nvPr/>
-        </p:nvCxnSpPr>
-        <p:spPr bwMode="auto">
-          <a:xfrm flipH="1">
-            <a:off x="9596879" y="2884539"/>
-            <a:ext cx="741189" cy="483960"/>
-          </a:xfrm>
-          <a:prstGeom prst="line">
-            <a:avLst/>
-          </a:prstGeom>
-          <a:noFill/>
-          <a:ln w="19050" cap="flat" cmpd="sng" algn="ctr">
-            <a:solidFill>
-              <a:srgbClr val="92D050"/>
-            </a:solidFill>
-            <a:prstDash val="solid"/>
-            <a:round/>
-            <a:headEnd type="none" w="med" len="med"/>
-            <a:tailEnd type="none" w="med" len="med"/>
-          </a:ln>
-          <a:effectLst/>
-        </p:spPr>
-      </p:cxnSp>
-      <p:sp>
-        <p:nvSpPr>
-          <p:cNvPr id="133" name="圆角矩形 132"/>
-          <p:cNvSpPr/>
-          <p:nvPr/>
-        </p:nvSpPr>
-        <p:spPr>
-          <a:xfrm>
-            <a:off x="7386000" y="1622318"/>
-            <a:ext cx="2511760" cy="2998265"/>
-          </a:xfrm>
-          <a:prstGeom prst="roundRect">
-            <a:avLst/>
-          </a:prstGeom>
-          <a:noFill/>
         </p:spPr>
         <p:style>
           <a:lnRef idx="2">
@@ -14609,53 +14190,66 @@
           <a:lstStyle/>
           <a:p>
             <a:pPr algn="ctr"/>
-            <a:endParaRPr lang="zh-CN" altLang="en-US"/>
-          </a:p>
-        </p:txBody>
-      </p:sp>
-      <p:sp>
-        <p:nvSpPr>
-          <p:cNvPr id="38" name="文本框 37"/>
-          <p:cNvSpPr txBox="1"/>
-          <p:nvPr/>
-        </p:nvSpPr>
-        <p:spPr>
-          <a:xfrm>
-            <a:off x="7491647" y="3615416"/>
-            <a:ext cx="1107996" cy="369332"/>
-          </a:xfrm>
-          <a:prstGeom prst="rect">
-            <a:avLst/>
-          </a:prstGeom>
-          <a:noFill/>
-        </p:spPr>
-        <p:txBody>
-          <a:bodyPr wrap="none" rtlCol="0">
-            <a:spAutoFit/>
-          </a:bodyPr>
-          <a:lstStyle/>
-          <a:p>
-            <a:r>
-              <a:rPr kumimoji="1" lang="zh-CN" altLang="en-US"/>
-              <a:t>测试环境</a:t>
-            </a:r>
-          </a:p>
-        </p:txBody>
-      </p:sp>
-      <p:sp>
-        <p:nvSpPr>
-          <p:cNvPr id="117" name="矩形 116"/>
+            <a:r>
+              <a:rPr kumimoji="1" lang="en-US" altLang="zh-CN" sz="1100" dirty="0"/>
+              <a:t>WEB01</a:t>
+            </a:r>
+            <a:endParaRPr kumimoji="1" lang="zh-CN" altLang="en-US" sz="1100" dirty="0"/>
+          </a:p>
+        </p:txBody>
+      </p:sp>
+      <p:cxnSp>
+        <p:nvCxnSpPr>
+          <p:cNvPr id="118" name="直线连接符 117"/>
+          <p:cNvCxnSpPr/>
+          <p:nvPr/>
+        </p:nvCxnSpPr>
+        <p:spPr>
+          <a:xfrm flipH="1">
+            <a:off x="8017368" y="4381641"/>
+            <a:ext cx="19394" cy="684722"/>
+          </a:xfrm>
+          <a:prstGeom prst="line">
+            <a:avLst/>
+          </a:prstGeom>
+          <a:ln>
+            <a:solidFill>
+              <a:srgbClr val="00B050"/>
+            </a:solidFill>
+          </a:ln>
+        </p:spPr>
+        <p:style>
+          <a:lnRef idx="1">
+            <a:schemeClr val="accent1"/>
+          </a:lnRef>
+          <a:fillRef idx="0">
+            <a:schemeClr val="accent1"/>
+          </a:fillRef>
+          <a:effectRef idx="0">
+            <a:schemeClr val="accent1"/>
+          </a:effectRef>
+          <a:fontRef idx="minor">
+            <a:schemeClr val="tx1"/>
+          </a:fontRef>
+        </p:style>
+      </p:cxnSp>
+      <p:sp>
+        <p:nvSpPr>
+          <p:cNvPr id="119" name="矩形 118"/>
           <p:cNvSpPr/>
           <p:nvPr/>
         </p:nvSpPr>
         <p:spPr>
           <a:xfrm>
-            <a:off x="2023837" y="5570003"/>
-            <a:ext cx="722187" cy="419013"/>
-          </a:xfrm>
-          <a:prstGeom prst="rect">
-            <a:avLst/>
-          </a:prstGeom>
+            <a:off x="7975688" y="4682228"/>
+            <a:ext cx="90066" cy="92780"/>
+          </a:xfrm>
+          <a:prstGeom prst="rect">
+            <a:avLst/>
+          </a:prstGeom>
+          <a:solidFill>
+            <a:srgbClr val="FFFF00"/>
+          </a:solidFill>
           <a:ln>
             <a:noFill/>
           </a:ln>
@@ -14681,24 +14275,460 @@
           <a:lstStyle/>
           <a:p>
             <a:pPr algn="ctr"/>
-            <a:r>
-              <a:rPr kumimoji="1" lang="en-US" altLang="zh-CN" sz="1400" dirty="0"/>
-              <a:t>WEB01</a:t>
-            </a:r>
-            <a:endParaRPr kumimoji="1" lang="zh-CN" altLang="en-US" sz="1400" dirty="0"/>
+            <a:endParaRPr kumimoji="1" lang="zh-CN" altLang="en-US" sz="1799"/>
+          </a:p>
+        </p:txBody>
+      </p:sp>
+      <p:sp>
+        <p:nvSpPr>
+          <p:cNvPr id="8" name="文本框 7"/>
+          <p:cNvSpPr txBox="1"/>
+          <p:nvPr/>
+        </p:nvSpPr>
+        <p:spPr>
+          <a:xfrm>
+            <a:off x="6042531" y="913425"/>
+            <a:ext cx="2735749" cy="646331"/>
+          </a:xfrm>
+          <a:prstGeom prst="rect">
+            <a:avLst/>
+          </a:prstGeom>
+          <a:noFill/>
+        </p:spPr>
+        <p:txBody>
+          <a:bodyPr wrap="none" rtlCol="0">
+            <a:spAutoFit/>
+          </a:bodyPr>
+          <a:lstStyle/>
+          <a:p>
+            <a:r>
+              <a:rPr kumimoji="1" lang="en-US" altLang="zh-CN" sz="1200"/>
+              <a:t>VLAN10</a:t>
+            </a:r>
+            <a:r>
+              <a:rPr kumimoji="1" lang="zh-CN" altLang="en-US" sz="1200"/>
+              <a:t> </a:t>
+            </a:r>
+            <a:r>
+              <a:rPr kumimoji="1" lang="en-US" altLang="zh-CN" sz="1200"/>
+              <a:t>Gateway:192.168.0.254</a:t>
+            </a:r>
+          </a:p>
+          <a:p>
+            <a:r>
+              <a:rPr kumimoji="1" lang="en-US" altLang="zh-CN" sz="1200"/>
+              <a:t>VLAN11</a:t>
+            </a:r>
+            <a:r>
+              <a:rPr kumimoji="1" lang="zh-CN" altLang="en-US" sz="1200"/>
+              <a:t> </a:t>
+            </a:r>
+            <a:r>
+              <a:rPr kumimoji="1" lang="en-US" altLang="zh-CN" sz="1200"/>
+              <a:t>Gateway:192.168.1.254</a:t>
+            </a:r>
+          </a:p>
+          <a:p>
+            <a:r>
+              <a:rPr kumimoji="1" lang="en-US" altLang="zh-CN" sz="1200"/>
+              <a:t>VLAN12</a:t>
+            </a:r>
+            <a:r>
+              <a:rPr kumimoji="1" lang="zh-CN" altLang="en-US" sz="1200"/>
+              <a:t> </a:t>
+            </a:r>
+            <a:r>
+              <a:rPr kumimoji="1" lang="en-US" altLang="zh-CN" sz="1200"/>
+              <a:t>Gateway:192.168.2.254</a:t>
+            </a:r>
+            <a:endParaRPr kumimoji="1" lang="zh-CN" altLang="en-US" sz="1200"/>
+          </a:p>
+        </p:txBody>
+      </p:sp>
+      <p:sp>
+        <p:nvSpPr>
+          <p:cNvPr id="9" name="文本框 8"/>
+          <p:cNvSpPr txBox="1"/>
+          <p:nvPr/>
+        </p:nvSpPr>
+        <p:spPr>
+          <a:xfrm>
+            <a:off x="4831704" y="1503451"/>
+            <a:ext cx="870751" cy="261610"/>
+          </a:xfrm>
+          <a:prstGeom prst="rect">
+            <a:avLst/>
+          </a:prstGeom>
+          <a:noFill/>
+        </p:spPr>
+        <p:txBody>
+          <a:bodyPr wrap="none" rtlCol="0">
+            <a:spAutoFit/>
+          </a:bodyPr>
+          <a:lstStyle/>
+          <a:p>
+            <a:r>
+              <a:rPr kumimoji="1" lang="en-US" altLang="zh-CN" sz="1100"/>
+              <a:t>40G1/0/1</a:t>
+            </a:r>
+            <a:endParaRPr kumimoji="1" lang="zh-CN" altLang="en-US" sz="1100"/>
+          </a:p>
+        </p:txBody>
+      </p:sp>
+      <p:sp>
+        <p:nvSpPr>
+          <p:cNvPr id="10" name="文本框 9"/>
+          <p:cNvSpPr txBox="1"/>
+          <p:nvPr/>
+        </p:nvSpPr>
+        <p:spPr>
+          <a:xfrm>
+            <a:off x="4822506" y="2322507"/>
+            <a:ext cx="960519" cy="261610"/>
+          </a:xfrm>
+          <a:prstGeom prst="rect">
+            <a:avLst/>
+          </a:prstGeom>
+          <a:noFill/>
+        </p:spPr>
+        <p:txBody>
+          <a:bodyPr wrap="none" rtlCol="0">
+            <a:spAutoFit/>
+          </a:bodyPr>
+          <a:lstStyle/>
+          <a:p>
+            <a:r>
+              <a:rPr kumimoji="1" lang="en-US" altLang="zh-CN" sz="1100"/>
+              <a:t>40G1/0/51</a:t>
+            </a:r>
+            <a:endParaRPr kumimoji="1" lang="zh-CN" altLang="en-US" sz="1100"/>
+          </a:p>
+        </p:txBody>
+      </p:sp>
+      <p:sp>
+        <p:nvSpPr>
+          <p:cNvPr id="14" name="文本框 13"/>
+          <p:cNvSpPr txBox="1"/>
+          <p:nvPr/>
+        </p:nvSpPr>
+        <p:spPr>
+          <a:xfrm>
+            <a:off x="5671340" y="1882987"/>
+            <a:ext cx="830740" cy="369332"/>
+          </a:xfrm>
+          <a:prstGeom prst="rect">
+            <a:avLst/>
+          </a:prstGeom>
+          <a:noFill/>
+        </p:spPr>
+        <p:txBody>
+          <a:bodyPr wrap="none" rtlCol="0">
+            <a:spAutoFit/>
+          </a:bodyPr>
+          <a:lstStyle/>
+          <a:p>
+            <a:r>
+              <a:rPr kumimoji="1" lang="en-US" altLang="zh-CN"/>
+              <a:t>Trunk</a:t>
+            </a:r>
+            <a:endParaRPr kumimoji="1" lang="zh-CN" altLang="en-US"/>
+          </a:p>
+        </p:txBody>
+      </p:sp>
+      <p:sp>
+        <p:nvSpPr>
+          <p:cNvPr id="52" name="文本框 51"/>
+          <p:cNvSpPr txBox="1"/>
+          <p:nvPr/>
+        </p:nvSpPr>
+        <p:spPr>
+          <a:xfrm>
+            <a:off x="5587057" y="3151082"/>
+            <a:ext cx="758541" cy="261610"/>
+          </a:xfrm>
+          <a:prstGeom prst="rect">
+            <a:avLst/>
+          </a:prstGeom>
+          <a:noFill/>
+        </p:spPr>
+        <p:txBody>
+          <a:bodyPr wrap="none" rtlCol="0">
+            <a:spAutoFit/>
+          </a:bodyPr>
+          <a:lstStyle/>
+          <a:p>
+            <a:r>
+              <a:rPr kumimoji="1" lang="en-US" altLang="zh-CN" sz="1100"/>
+              <a:t>T1/0/47</a:t>
+            </a:r>
+            <a:endParaRPr kumimoji="1" lang="zh-CN" altLang="en-US" sz="1100"/>
+          </a:p>
+        </p:txBody>
+      </p:sp>
+      <p:sp>
+        <p:nvSpPr>
+          <p:cNvPr id="53" name="文本框 52"/>
+          <p:cNvSpPr txBox="1"/>
+          <p:nvPr/>
+        </p:nvSpPr>
+        <p:spPr>
+          <a:xfrm>
+            <a:off x="6397786" y="3151082"/>
+            <a:ext cx="758541" cy="261610"/>
+          </a:xfrm>
+          <a:prstGeom prst="rect">
+            <a:avLst/>
+          </a:prstGeom>
+          <a:noFill/>
+        </p:spPr>
+        <p:txBody>
+          <a:bodyPr wrap="none" rtlCol="0">
+            <a:spAutoFit/>
+          </a:bodyPr>
+          <a:lstStyle/>
+          <a:p>
+            <a:r>
+              <a:rPr kumimoji="1" lang="en-US" altLang="zh-CN" sz="1100"/>
+              <a:t>T1/0/48</a:t>
+            </a:r>
+            <a:endParaRPr kumimoji="1" lang="zh-CN" altLang="en-US" sz="1100"/>
+          </a:p>
+        </p:txBody>
+      </p:sp>
+      <p:sp>
+        <p:nvSpPr>
+          <p:cNvPr id="55" name="文本框 54"/>
+          <p:cNvSpPr txBox="1"/>
+          <p:nvPr/>
+        </p:nvSpPr>
+        <p:spPr>
+          <a:xfrm>
+            <a:off x="6494509" y="5123455"/>
+            <a:ext cx="973343" cy="230832"/>
+          </a:xfrm>
+          <a:prstGeom prst="rect">
+            <a:avLst/>
+          </a:prstGeom>
+          <a:noFill/>
+        </p:spPr>
+        <p:txBody>
+          <a:bodyPr wrap="none" rtlCol="0">
+            <a:spAutoFit/>
+          </a:bodyPr>
+          <a:lstStyle/>
+          <a:p>
+            <a:pPr algn="ctr"/>
+            <a:r>
+              <a:rPr kumimoji="1" lang="en-US" altLang="zh-CN" sz="900"/>
+              <a:t>192.168.1.11</a:t>
+            </a:r>
+            <a:endParaRPr kumimoji="1" lang="zh-CN" altLang="en-US" sz="900"/>
+          </a:p>
+        </p:txBody>
+      </p:sp>
+      <p:sp>
+        <p:nvSpPr>
+          <p:cNvPr id="56" name="文本框 55"/>
+          <p:cNvSpPr txBox="1"/>
+          <p:nvPr/>
+        </p:nvSpPr>
+        <p:spPr>
+          <a:xfrm>
+            <a:off x="7506944" y="5123455"/>
+            <a:ext cx="973343" cy="230832"/>
+          </a:xfrm>
+          <a:prstGeom prst="rect">
+            <a:avLst/>
+          </a:prstGeom>
+          <a:noFill/>
+        </p:spPr>
+        <p:txBody>
+          <a:bodyPr wrap="none" rtlCol="0">
+            <a:spAutoFit/>
+          </a:bodyPr>
+          <a:lstStyle/>
+          <a:p>
+            <a:pPr algn="ctr"/>
+            <a:r>
+              <a:rPr kumimoji="1" lang="en-US" altLang="zh-CN" sz="900"/>
+              <a:t>192.168.1.12</a:t>
+            </a:r>
+            <a:endParaRPr kumimoji="1" lang="zh-CN" altLang="en-US" sz="900"/>
+          </a:p>
+        </p:txBody>
+      </p:sp>
+      <p:sp>
+        <p:nvSpPr>
+          <p:cNvPr id="57" name="文本框 56"/>
+          <p:cNvSpPr txBox="1"/>
+          <p:nvPr/>
+        </p:nvSpPr>
+        <p:spPr>
+          <a:xfrm>
+            <a:off x="5539032" y="5167634"/>
+            <a:ext cx="1173719" cy="784830"/>
+          </a:xfrm>
+          <a:prstGeom prst="rect">
+            <a:avLst/>
+          </a:prstGeom>
+          <a:noFill/>
+        </p:spPr>
+        <p:txBody>
+          <a:bodyPr wrap="none" rtlCol="0">
+            <a:spAutoFit/>
+          </a:bodyPr>
+          <a:lstStyle/>
+          <a:p>
+            <a:r>
+              <a:rPr kumimoji="1" lang="en-US" altLang="zh-CN" sz="900"/>
+              <a:t>VS</a:t>
+            </a:r>
+            <a:r>
+              <a:rPr kumimoji="1" lang="zh-CN" altLang="en-US" sz="900"/>
+              <a:t>：</a:t>
+            </a:r>
+            <a:endParaRPr kumimoji="1" lang="en-US" altLang="zh-CN" sz="900"/>
+          </a:p>
+          <a:p>
+            <a:r>
+              <a:rPr kumimoji="1" lang="en-US" altLang="zh-CN" sz="900"/>
+              <a:t>192.168.1.10:80</a:t>
+            </a:r>
+          </a:p>
+          <a:p>
+            <a:r>
+              <a:rPr kumimoji="1" lang="en-US" altLang="zh-CN" sz="900"/>
+              <a:t>pool</a:t>
+            </a:r>
+            <a:r>
+              <a:rPr kumimoji="1" lang="zh-CN" altLang="en-US" sz="900"/>
+              <a:t> </a:t>
+            </a:r>
+            <a:r>
+              <a:rPr kumimoji="1" lang="en-US" altLang="zh-CN" sz="900"/>
+              <a:t>member:</a:t>
+            </a:r>
+          </a:p>
+          <a:p>
+            <a:r>
+              <a:rPr kumimoji="1" lang="en-US" altLang="zh-CN" sz="900"/>
+              <a:t>192.168.1.11:80</a:t>
+            </a:r>
+          </a:p>
+          <a:p>
+            <a:r>
+              <a:rPr kumimoji="1" lang="en-US" altLang="zh-CN" sz="900"/>
+              <a:t>192.168.1.12:80</a:t>
+            </a:r>
+            <a:endParaRPr kumimoji="1" lang="zh-CN" altLang="en-US" sz="900"/>
+          </a:p>
+        </p:txBody>
+      </p:sp>
+      <p:sp>
+        <p:nvSpPr>
+          <p:cNvPr id="58" name="文本框 57"/>
+          <p:cNvSpPr txBox="1"/>
+          <p:nvPr/>
+        </p:nvSpPr>
+        <p:spPr>
+          <a:xfrm>
+            <a:off x="8651866" y="5123454"/>
+            <a:ext cx="973343" cy="230832"/>
+          </a:xfrm>
+          <a:prstGeom prst="rect">
+            <a:avLst/>
+          </a:prstGeom>
+          <a:noFill/>
+        </p:spPr>
+        <p:txBody>
+          <a:bodyPr wrap="none" rtlCol="0">
+            <a:spAutoFit/>
+          </a:bodyPr>
+          <a:lstStyle/>
+          <a:p>
+            <a:pPr algn="ctr"/>
+            <a:r>
+              <a:rPr kumimoji="1" lang="en-US" altLang="zh-CN" sz="900"/>
+              <a:t>192.168.2.11</a:t>
+            </a:r>
+            <a:endParaRPr kumimoji="1" lang="zh-CN" altLang="en-US" sz="900"/>
+          </a:p>
+        </p:txBody>
+      </p:sp>
+      <p:sp>
+        <p:nvSpPr>
+          <p:cNvPr id="62" name="TextBox 243"/>
+          <p:cNvSpPr txBox="1"/>
+          <p:nvPr/>
+        </p:nvSpPr>
+        <p:spPr>
+          <a:xfrm>
+            <a:off x="8958097" y="5600055"/>
+            <a:ext cx="1180756" cy="461657"/>
+          </a:xfrm>
+          <a:prstGeom prst="rect">
+            <a:avLst/>
+          </a:prstGeom>
+          <a:noFill/>
+        </p:spPr>
+        <p:txBody>
+          <a:bodyPr wrap="none" lIns="121912" tIns="60956" rIns="121912" bIns="60956" rtlCol="0">
+            <a:spAutoFit/>
+          </a:bodyPr>
+          <a:lstStyle/>
+          <a:p>
+            <a:pPr algn="ctr">
+              <a:buNone/>
+            </a:pPr>
+            <a:r>
+              <a:rPr lang="en-US" altLang="zh-CN" sz="1100" dirty="0">
+                <a:latin typeface="微软雅黑" pitchFamily="34" charset="-122"/>
+                <a:ea typeface="微软雅黑" pitchFamily="34" charset="-122"/>
+              </a:rPr>
+              <a:t>Server</a:t>
+            </a:r>
+            <a:r>
+              <a:rPr lang="zh-CN" altLang="en-US" sz="1100" dirty="0">
+                <a:latin typeface="微软雅黑" pitchFamily="34" charset="-122"/>
+                <a:ea typeface="微软雅黑" pitchFamily="34" charset="-122"/>
+              </a:rPr>
+              <a:t>：</a:t>
+            </a:r>
+            <a:endParaRPr lang="en-US" altLang="zh-CN" sz="1100" dirty="0">
+              <a:latin typeface="微软雅黑" pitchFamily="34" charset="-122"/>
+              <a:ea typeface="微软雅黑" pitchFamily="34" charset="-122"/>
+            </a:endParaRPr>
+          </a:p>
+          <a:p>
+            <a:pPr algn="ctr">
+              <a:buNone/>
+            </a:pPr>
+            <a:r>
+              <a:rPr lang="en-US" altLang="zh-CN" sz="1100" dirty="0">
+                <a:latin typeface="微软雅黑" pitchFamily="34" charset="-122"/>
+                <a:ea typeface="微软雅黑" pitchFamily="34" charset="-122"/>
+              </a:rPr>
+              <a:t>172.20.13.170</a:t>
+            </a:r>
+            <a:endParaRPr lang="en-US" altLang="zh-CN" sz="1100" dirty="0">
+              <a:latin typeface="微软雅黑" pitchFamily="34" charset="-122"/>
+              <a:ea typeface="微软雅黑" pitchFamily="34" charset="-122"/>
+            </a:endParaRPr>
           </a:p>
         </p:txBody>
       </p:sp>
       <p:cxnSp>
         <p:nvCxnSpPr>
-          <p:cNvPr id="118" name="直线连接符 117"/>
-          <p:cNvCxnSpPr/>
+          <p:cNvPr id="69" name="直线连接符 68"/>
+          <p:cNvCxnSpPr>
+            <a:endCxn id="71" idx="0"/>
+          </p:cNvCxnSpPr>
           <p:nvPr/>
         </p:nvCxnSpPr>
         <p:spPr>
-          <a:xfrm flipH="1">
-            <a:off x="2385844" y="4903909"/>
-            <a:ext cx="19394" cy="684722"/>
+          <a:xfrm>
+            <a:off x="2671483" y="4033770"/>
+            <a:ext cx="12007" cy="684667"/>
           </a:xfrm>
           <a:prstGeom prst="line">
             <a:avLst/>
@@ -14726,21 +14756,18 @@
       </p:cxnSp>
       <p:sp>
         <p:nvSpPr>
-          <p:cNvPr id="119" name="矩形 118"/>
+          <p:cNvPr id="71" name="矩形 70"/>
           <p:cNvSpPr/>
           <p:nvPr/>
         </p:nvSpPr>
         <p:spPr>
           <a:xfrm>
-            <a:off x="2344164" y="5533795"/>
-            <a:ext cx="90066" cy="92780"/>
-          </a:xfrm>
-          <a:prstGeom prst="rect">
-            <a:avLst/>
-          </a:prstGeom>
-          <a:solidFill>
-            <a:srgbClr val="FFFF00"/>
-          </a:solidFill>
+            <a:off x="2391335" y="4718436"/>
+            <a:ext cx="584310" cy="419013"/>
+          </a:xfrm>
+          <a:prstGeom prst="rect">
+            <a:avLst/>
+          </a:prstGeom>
           <a:ln>
             <a:noFill/>
           </a:ln>
@@ -14766,7 +14793,565 @@
           <a:lstStyle/>
           <a:p>
             <a:pPr algn="ctr"/>
+            <a:r>
+              <a:rPr kumimoji="1" lang="en-US" altLang="zh-CN" sz="1400" dirty="0"/>
+              <a:t>SLB</a:t>
+            </a:r>
+            <a:endParaRPr kumimoji="1" lang="zh-CN" altLang="en-US" sz="1400" dirty="0"/>
+          </a:p>
+        </p:txBody>
+      </p:sp>
+      <p:sp>
+        <p:nvSpPr>
+          <p:cNvPr id="72" name="矩形 71"/>
+          <p:cNvSpPr/>
+          <p:nvPr/>
+        </p:nvSpPr>
+        <p:spPr>
+          <a:xfrm>
+            <a:off x="2654125" y="4682228"/>
+            <a:ext cx="90066" cy="92780"/>
+          </a:xfrm>
+          <a:prstGeom prst="rect">
+            <a:avLst/>
+          </a:prstGeom>
+          <a:solidFill>
+            <a:srgbClr val="FFFF00"/>
+          </a:solidFill>
+          <a:ln>
+            <a:noFill/>
+          </a:ln>
+        </p:spPr>
+        <p:style>
+          <a:lnRef idx="2">
+            <a:schemeClr val="accent1">
+              <a:shade val="50000"/>
+            </a:schemeClr>
+          </a:lnRef>
+          <a:fillRef idx="1">
+            <a:schemeClr val="accent1"/>
+          </a:fillRef>
+          <a:effectRef idx="0">
+            <a:schemeClr val="accent1"/>
+          </a:effectRef>
+          <a:fontRef idx="minor">
+            <a:schemeClr val="lt1"/>
+          </a:fontRef>
+        </p:style>
+        <p:txBody>
+          <a:bodyPr rtlCol="0" anchor="ctr"/>
+          <a:lstStyle/>
+          <a:p>
+            <a:pPr algn="ctr"/>
             <a:endParaRPr kumimoji="1" lang="zh-CN" altLang="en-US" sz="1799"/>
+          </a:p>
+        </p:txBody>
+      </p:sp>
+      <p:sp>
+        <p:nvSpPr>
+          <p:cNvPr id="74" name="文本框 73"/>
+          <p:cNvSpPr txBox="1"/>
+          <p:nvPr/>
+        </p:nvSpPr>
+        <p:spPr>
+          <a:xfrm>
+            <a:off x="2200233" y="5123455"/>
+            <a:ext cx="1247456" cy="784830"/>
+          </a:xfrm>
+          <a:prstGeom prst="rect">
+            <a:avLst/>
+          </a:prstGeom>
+          <a:noFill/>
+        </p:spPr>
+        <p:txBody>
+          <a:bodyPr wrap="none" rtlCol="0">
+            <a:spAutoFit/>
+          </a:bodyPr>
+          <a:lstStyle/>
+          <a:p>
+            <a:r>
+              <a:rPr kumimoji="1" lang="en-US" altLang="zh-CN" sz="900"/>
+              <a:t>vs:</a:t>
+            </a:r>
+          </a:p>
+          <a:p>
+            <a:r>
+              <a:rPr kumimoji="1" lang="en-US" altLang="zh-CN" sz="900"/>
+              <a:t>192.168.0.10:443</a:t>
+            </a:r>
+          </a:p>
+          <a:p>
+            <a:r>
+              <a:rPr kumimoji="1" lang="en-US" altLang="zh-CN" sz="900"/>
+              <a:t>pool</a:t>
+            </a:r>
+            <a:r>
+              <a:rPr kumimoji="1" lang="zh-CN" altLang="en-US" sz="900"/>
+              <a:t> </a:t>
+            </a:r>
+            <a:r>
+              <a:rPr kumimoji="1" lang="en-US" altLang="zh-CN" sz="900"/>
+              <a:t>member:</a:t>
+            </a:r>
+          </a:p>
+          <a:p>
+            <a:r>
+              <a:rPr kumimoji="1" lang="en-US" altLang="zh-CN" sz="900"/>
+              <a:t>192.168.0.11:443</a:t>
+            </a:r>
+          </a:p>
+          <a:p>
+            <a:r>
+              <a:rPr kumimoji="1" lang="en-US" altLang="zh-CN" sz="900"/>
+              <a:t>192.168.0.12:443</a:t>
+            </a:r>
+            <a:endParaRPr kumimoji="1" lang="zh-CN" altLang="en-US" sz="900"/>
+          </a:p>
+        </p:txBody>
+      </p:sp>
+      <p:sp>
+        <p:nvSpPr>
+          <p:cNvPr id="77" name="文本框 76"/>
+          <p:cNvSpPr txBox="1"/>
+          <p:nvPr/>
+        </p:nvSpPr>
+        <p:spPr>
+          <a:xfrm>
+            <a:off x="4232910" y="5123455"/>
+            <a:ext cx="973343" cy="230832"/>
+          </a:xfrm>
+          <a:prstGeom prst="rect">
+            <a:avLst/>
+          </a:prstGeom>
+          <a:noFill/>
+        </p:spPr>
+        <p:txBody>
+          <a:bodyPr wrap="none" rtlCol="0">
+            <a:spAutoFit/>
+          </a:bodyPr>
+          <a:lstStyle/>
+          <a:p>
+            <a:pPr algn="ctr"/>
+            <a:r>
+              <a:rPr kumimoji="1" lang="en-US" altLang="zh-CN" sz="900"/>
+              <a:t>192.168.0.12</a:t>
+            </a:r>
+            <a:endParaRPr kumimoji="1" lang="zh-CN" altLang="en-US" sz="900"/>
+          </a:p>
+        </p:txBody>
+      </p:sp>
+      <p:cxnSp>
+        <p:nvCxnSpPr>
+          <p:cNvPr id="78" name="直线连接符 77"/>
+          <p:cNvCxnSpPr/>
+          <p:nvPr/>
+        </p:nvCxnSpPr>
+        <p:spPr>
+          <a:xfrm>
+            <a:off x="4751008" y="4162213"/>
+            <a:ext cx="9754" cy="556224"/>
+          </a:xfrm>
+          <a:prstGeom prst="line">
+            <a:avLst/>
+          </a:prstGeom>
+          <a:ln>
+            <a:solidFill>
+              <a:srgbClr val="00B050"/>
+            </a:solidFill>
+          </a:ln>
+        </p:spPr>
+        <p:style>
+          <a:lnRef idx="1">
+            <a:schemeClr val="accent1"/>
+          </a:lnRef>
+          <a:fillRef idx="0">
+            <a:schemeClr val="accent1"/>
+          </a:fillRef>
+          <a:effectRef idx="0">
+            <a:schemeClr val="accent1"/>
+          </a:effectRef>
+          <a:fontRef idx="minor">
+            <a:schemeClr val="tx1"/>
+          </a:fontRef>
+        </p:style>
+      </p:cxnSp>
+      <p:sp>
+        <p:nvSpPr>
+          <p:cNvPr id="79" name="罐形 78"/>
+          <p:cNvSpPr/>
+          <p:nvPr/>
+        </p:nvSpPr>
+        <p:spPr>
+          <a:xfrm rot="5400000">
+            <a:off x="3651173" y="2755450"/>
+            <a:ext cx="326591" cy="2888650"/>
+          </a:xfrm>
+          <a:prstGeom prst="can">
+            <a:avLst/>
+          </a:prstGeom>
+          <a:solidFill>
+            <a:srgbClr val="00B0F0"/>
+          </a:solidFill>
+          <a:ln>
+            <a:solidFill>
+              <a:srgbClr val="00B0F0"/>
+            </a:solidFill>
+          </a:ln>
+        </p:spPr>
+        <p:style>
+          <a:lnRef idx="2">
+            <a:schemeClr val="accent1">
+              <a:shade val="50000"/>
+            </a:schemeClr>
+          </a:lnRef>
+          <a:fillRef idx="1">
+            <a:schemeClr val="accent1"/>
+          </a:fillRef>
+          <a:effectRef idx="0">
+            <a:schemeClr val="accent1"/>
+          </a:effectRef>
+          <a:fontRef idx="minor">
+            <a:schemeClr val="lt1"/>
+          </a:fontRef>
+        </p:style>
+        <p:txBody>
+          <a:bodyPr vert="vert270" rtlCol="0" anchor="ctr"/>
+          <a:lstStyle/>
+          <a:p>
+            <a:pPr algn="ctr"/>
+            <a:r>
+              <a:rPr kumimoji="1" lang="en-US" altLang="zh-CN" sz="1200" dirty="0"/>
+              <a:t>SSL</a:t>
+            </a:r>
+            <a:r>
+              <a:rPr kumimoji="1" lang="zh-CN" altLang="en-US" sz="1200" dirty="0"/>
+              <a:t> </a:t>
+            </a:r>
+            <a:r>
+              <a:rPr kumimoji="1" lang="en-US" altLang="zh-CN" sz="1200" dirty="0"/>
+              <a:t>vsw</a:t>
+            </a:r>
+            <a:endParaRPr kumimoji="1" lang="zh-CN" altLang="en-US" sz="1200" dirty="0"/>
+          </a:p>
+        </p:txBody>
+      </p:sp>
+      <p:sp>
+        <p:nvSpPr>
+          <p:cNvPr id="80" name="矩形 79"/>
+          <p:cNvSpPr/>
+          <p:nvPr/>
+        </p:nvSpPr>
+        <p:spPr>
+          <a:xfrm>
+            <a:off x="4384412" y="4718436"/>
+            <a:ext cx="722187" cy="419013"/>
+          </a:xfrm>
+          <a:prstGeom prst="rect">
+            <a:avLst/>
+          </a:prstGeom>
+          <a:ln>
+            <a:noFill/>
+          </a:ln>
+        </p:spPr>
+        <p:style>
+          <a:lnRef idx="2">
+            <a:schemeClr val="accent1">
+              <a:shade val="50000"/>
+            </a:schemeClr>
+          </a:lnRef>
+          <a:fillRef idx="1">
+            <a:schemeClr val="accent1"/>
+          </a:fillRef>
+          <a:effectRef idx="0">
+            <a:schemeClr val="accent1"/>
+          </a:effectRef>
+          <a:fontRef idx="minor">
+            <a:schemeClr val="lt1"/>
+          </a:fontRef>
+        </p:style>
+        <p:txBody>
+          <a:bodyPr rtlCol="0" anchor="ctr"/>
+          <a:lstStyle/>
+          <a:p>
+            <a:pPr algn="ctr"/>
+            <a:r>
+              <a:rPr kumimoji="1" lang="en-US" altLang="zh-CN" sz="1100" dirty="0"/>
+              <a:t>SSL02</a:t>
+            </a:r>
+            <a:endParaRPr kumimoji="1" lang="zh-CN" altLang="en-US" sz="1100" dirty="0"/>
+          </a:p>
+        </p:txBody>
+      </p:sp>
+      <p:sp>
+        <p:nvSpPr>
+          <p:cNvPr id="76" name="矩形 75"/>
+          <p:cNvSpPr/>
+          <p:nvPr/>
+        </p:nvSpPr>
+        <p:spPr>
+          <a:xfrm>
+            <a:off x="4725394" y="4682228"/>
+            <a:ext cx="90066" cy="92780"/>
+          </a:xfrm>
+          <a:prstGeom prst="rect">
+            <a:avLst/>
+          </a:prstGeom>
+          <a:solidFill>
+            <a:srgbClr val="FFFF00"/>
+          </a:solidFill>
+          <a:ln>
+            <a:noFill/>
+          </a:ln>
+        </p:spPr>
+        <p:style>
+          <a:lnRef idx="2">
+            <a:schemeClr val="accent1">
+              <a:shade val="50000"/>
+            </a:schemeClr>
+          </a:lnRef>
+          <a:fillRef idx="1">
+            <a:schemeClr val="accent1"/>
+          </a:fillRef>
+          <a:effectRef idx="0">
+            <a:schemeClr val="accent1"/>
+          </a:effectRef>
+          <a:fontRef idx="minor">
+            <a:schemeClr val="lt1"/>
+          </a:fontRef>
+        </p:style>
+        <p:txBody>
+          <a:bodyPr rtlCol="0" anchor="ctr"/>
+          <a:lstStyle/>
+          <a:p>
+            <a:pPr algn="ctr"/>
+            <a:endParaRPr kumimoji="1" lang="zh-CN" altLang="en-US" sz="1799"/>
+          </a:p>
+        </p:txBody>
+      </p:sp>
+      <p:sp>
+        <p:nvSpPr>
+          <p:cNvPr id="81" name="文本框 80"/>
+          <p:cNvSpPr txBox="1"/>
+          <p:nvPr/>
+        </p:nvSpPr>
+        <p:spPr>
+          <a:xfrm>
+            <a:off x="3356501" y="5123455"/>
+            <a:ext cx="973343" cy="230832"/>
+          </a:xfrm>
+          <a:prstGeom prst="rect">
+            <a:avLst/>
+          </a:prstGeom>
+          <a:noFill/>
+        </p:spPr>
+        <p:txBody>
+          <a:bodyPr wrap="none" rtlCol="0">
+            <a:spAutoFit/>
+          </a:bodyPr>
+          <a:lstStyle/>
+          <a:p>
+            <a:pPr algn="ctr"/>
+            <a:r>
+              <a:rPr kumimoji="1" lang="en-US" altLang="zh-CN" sz="900"/>
+              <a:t>192.168.0.11</a:t>
+            </a:r>
+            <a:endParaRPr kumimoji="1" lang="zh-CN" altLang="en-US" sz="900"/>
+          </a:p>
+        </p:txBody>
+      </p:sp>
+      <p:cxnSp>
+        <p:nvCxnSpPr>
+          <p:cNvPr id="91" name="直线连接符 90"/>
+          <p:cNvCxnSpPr/>
+          <p:nvPr/>
+        </p:nvCxnSpPr>
+        <p:spPr>
+          <a:xfrm>
+            <a:off x="3874599" y="4162213"/>
+            <a:ext cx="9754" cy="556224"/>
+          </a:xfrm>
+          <a:prstGeom prst="line">
+            <a:avLst/>
+          </a:prstGeom>
+          <a:ln>
+            <a:solidFill>
+              <a:srgbClr val="00B050"/>
+            </a:solidFill>
+          </a:ln>
+        </p:spPr>
+        <p:style>
+          <a:lnRef idx="1">
+            <a:schemeClr val="accent1"/>
+          </a:lnRef>
+          <a:fillRef idx="0">
+            <a:schemeClr val="accent1"/>
+          </a:fillRef>
+          <a:effectRef idx="0">
+            <a:schemeClr val="accent1"/>
+          </a:effectRef>
+          <a:fontRef idx="minor">
+            <a:schemeClr val="tx1"/>
+          </a:fontRef>
+        </p:style>
+      </p:cxnSp>
+      <p:sp>
+        <p:nvSpPr>
+          <p:cNvPr id="93" name="矩形 92"/>
+          <p:cNvSpPr/>
+          <p:nvPr/>
+        </p:nvSpPr>
+        <p:spPr>
+          <a:xfrm>
+            <a:off x="3508003" y="4718436"/>
+            <a:ext cx="722187" cy="419013"/>
+          </a:xfrm>
+          <a:prstGeom prst="rect">
+            <a:avLst/>
+          </a:prstGeom>
+          <a:ln>
+            <a:noFill/>
+          </a:ln>
+        </p:spPr>
+        <p:style>
+          <a:lnRef idx="2">
+            <a:schemeClr val="accent1">
+              <a:shade val="50000"/>
+            </a:schemeClr>
+          </a:lnRef>
+          <a:fillRef idx="1">
+            <a:schemeClr val="accent1"/>
+          </a:fillRef>
+          <a:effectRef idx="0">
+            <a:schemeClr val="accent1"/>
+          </a:effectRef>
+          <a:fontRef idx="minor">
+            <a:schemeClr val="lt1"/>
+          </a:fontRef>
+        </p:style>
+        <p:txBody>
+          <a:bodyPr rtlCol="0" anchor="ctr"/>
+          <a:lstStyle/>
+          <a:p>
+            <a:pPr algn="ctr"/>
+            <a:r>
+              <a:rPr kumimoji="1" lang="en-US" altLang="zh-CN" sz="1100" dirty="0"/>
+              <a:t>SSL01</a:t>
+            </a:r>
+            <a:endParaRPr kumimoji="1" lang="zh-CN" altLang="en-US" sz="1100" dirty="0"/>
+          </a:p>
+        </p:txBody>
+      </p:sp>
+      <p:sp>
+        <p:nvSpPr>
+          <p:cNvPr id="94" name="矩形 93"/>
+          <p:cNvSpPr/>
+          <p:nvPr/>
+        </p:nvSpPr>
+        <p:spPr>
+          <a:xfrm>
+            <a:off x="3848985" y="4682228"/>
+            <a:ext cx="90066" cy="92780"/>
+          </a:xfrm>
+          <a:prstGeom prst="rect">
+            <a:avLst/>
+          </a:prstGeom>
+          <a:solidFill>
+            <a:srgbClr val="FFFF00"/>
+          </a:solidFill>
+          <a:ln>
+            <a:noFill/>
+          </a:ln>
+        </p:spPr>
+        <p:style>
+          <a:lnRef idx="2">
+            <a:schemeClr val="accent1">
+              <a:shade val="50000"/>
+            </a:schemeClr>
+          </a:lnRef>
+          <a:fillRef idx="1">
+            <a:schemeClr val="accent1"/>
+          </a:fillRef>
+          <a:effectRef idx="0">
+            <a:schemeClr val="accent1"/>
+          </a:effectRef>
+          <a:fontRef idx="minor">
+            <a:schemeClr val="lt1"/>
+          </a:fontRef>
+        </p:style>
+        <p:txBody>
+          <a:bodyPr rtlCol="0" anchor="ctr"/>
+          <a:lstStyle/>
+          <a:p>
+            <a:pPr algn="ctr"/>
+            <a:endParaRPr kumimoji="1" lang="zh-CN" altLang="en-US" sz="1799"/>
+          </a:p>
+        </p:txBody>
+      </p:sp>
+      <p:cxnSp>
+        <p:nvCxnSpPr>
+          <p:cNvPr id="95" name="直线连接符 94"/>
+          <p:cNvCxnSpPr>
+            <a:stCxn id="166" idx="2"/>
+            <a:endCxn id="79" idx="2"/>
+          </p:cNvCxnSpPr>
+          <p:nvPr/>
+        </p:nvCxnSpPr>
+        <p:spPr>
+          <a:xfrm flipH="1">
+            <a:off x="3814469" y="3000011"/>
+            <a:ext cx="1875784" cy="1036469"/>
+          </a:xfrm>
+          <a:prstGeom prst="line">
+            <a:avLst/>
+          </a:prstGeom>
+          <a:ln>
+            <a:solidFill>
+              <a:srgbClr val="00B050"/>
+            </a:solidFill>
+          </a:ln>
+        </p:spPr>
+        <p:style>
+          <a:lnRef idx="1">
+            <a:schemeClr val="accent1"/>
+          </a:lnRef>
+          <a:fillRef idx="0">
+            <a:schemeClr val="accent1"/>
+          </a:fillRef>
+          <a:effectRef idx="0">
+            <a:schemeClr val="accent1"/>
+          </a:effectRef>
+          <a:fontRef idx="minor">
+            <a:schemeClr val="tx1"/>
+          </a:fontRef>
+        </p:style>
+      </p:cxnSp>
+      <p:sp>
+        <p:nvSpPr>
+          <p:cNvPr id="96" name="文本框 95"/>
+          <p:cNvSpPr txBox="1"/>
+          <p:nvPr/>
+        </p:nvSpPr>
+        <p:spPr>
+          <a:xfrm>
+            <a:off x="4797958" y="3141563"/>
+            <a:ext cx="758541" cy="261610"/>
+          </a:xfrm>
+          <a:prstGeom prst="rect">
+            <a:avLst/>
+          </a:prstGeom>
+          <a:noFill/>
+        </p:spPr>
+        <p:txBody>
+          <a:bodyPr wrap="none" rtlCol="0">
+            <a:spAutoFit/>
+          </a:bodyPr>
+          <a:lstStyle/>
+          <a:p>
+            <a:r>
+              <a:rPr kumimoji="1" lang="en-US" altLang="zh-CN" sz="1100"/>
+              <a:t>T1/0/46</a:t>
+            </a:r>
+            <a:endParaRPr kumimoji="1" lang="zh-CN" altLang="en-US" sz="1100"/>
           </a:p>
         </p:txBody>
       </p:sp>

--- a/testEnv/NETCLI.pptx
+++ b/testEnv/NETCLI.pptx
@@ -3132,7 +3132,7 @@
           <p:cNvPr id="4" name="图片 3">
             <a:extLst>
               <a:ext uri="{FF2B5EF4-FFF2-40B4-BE49-F238E27FC236}">
-                <a16:creationId xmlns="" xmlns:a16="http://schemas.microsoft.com/office/drawing/2014/main" id="{ECCFA5AD-83F8-4F94-A4AB-ED786BE814BE}"/>
+                <a16:creationId xmlns:a16="http://schemas.microsoft.com/office/drawing/2014/main" xmlns="" id="{ECCFA5AD-83F8-4F94-A4AB-ED786BE814BE}"/>
               </a:ext>
             </a:extLst>
           </p:cNvPr>
@@ -3167,7 +3167,7 @@
           <p:cNvPr id="5" name="矩形 4">
             <a:extLst>
               <a:ext uri="{FF2B5EF4-FFF2-40B4-BE49-F238E27FC236}">
-                <a16:creationId xmlns="" xmlns:a16="http://schemas.microsoft.com/office/drawing/2014/main" id="{2ECAEFC7-30CF-4B2F-922A-14691BCFBBB3}"/>
+                <a16:creationId xmlns:a16="http://schemas.microsoft.com/office/drawing/2014/main" xmlns="" id="{2ECAEFC7-30CF-4B2F-922A-14691BCFBBB3}"/>
               </a:ext>
             </a:extLst>
           </p:cNvPr>
@@ -3221,7 +3221,7 @@
           <p:cNvPr id="8" name="文本占位符 8">
             <a:extLst>
               <a:ext uri="{FF2B5EF4-FFF2-40B4-BE49-F238E27FC236}">
-                <a16:creationId xmlns="" xmlns:a16="http://schemas.microsoft.com/office/drawing/2014/main" id="{8C541A9E-F728-4944-BE21-C9BBAC4F78A3}"/>
+                <a16:creationId xmlns:a16="http://schemas.microsoft.com/office/drawing/2014/main" xmlns="" id="{8C541A9E-F728-4944-BE21-C9BBAC4F78A3}"/>
               </a:ext>
             </a:extLst>
           </p:cNvPr>
@@ -3274,7 +3274,7 @@
           <p:cNvPr id="7" name="文本占位符 3">
             <a:extLst>
               <a:ext uri="{FF2B5EF4-FFF2-40B4-BE49-F238E27FC236}">
-                <a16:creationId xmlns="" xmlns:a16="http://schemas.microsoft.com/office/drawing/2014/main" id="{05D8DE56-AE90-42C3-9800-708D84AB40AE}"/>
+                <a16:creationId xmlns:a16="http://schemas.microsoft.com/office/drawing/2014/main" xmlns="" id="{05D8DE56-AE90-42C3-9800-708D84AB40AE}"/>
               </a:ext>
             </a:extLst>
           </p:cNvPr>
@@ -3346,7 +3346,7 @@
           <p:cNvPr id="2" name="矩形 1">
             <a:extLst>
               <a:ext uri="{FF2B5EF4-FFF2-40B4-BE49-F238E27FC236}">
-                <a16:creationId xmlns="" xmlns:a16="http://schemas.microsoft.com/office/drawing/2014/main" id="{75E16A69-409A-4CE4-875B-43ADA63B7318}"/>
+                <a16:creationId xmlns:a16="http://schemas.microsoft.com/office/drawing/2014/main" xmlns="" id="{75E16A69-409A-4CE4-875B-43ADA63B7318}"/>
               </a:ext>
             </a:extLst>
           </p:cNvPr>
@@ -3454,7 +3454,7 @@
           <p:cNvPr id="9" name="文本占位符 3">
             <a:extLst>
               <a:ext uri="{FF2B5EF4-FFF2-40B4-BE49-F238E27FC236}">
-                <a16:creationId xmlns="" xmlns:a16="http://schemas.microsoft.com/office/drawing/2014/main" id="{2D5D9DF4-FD2F-4CEC-9A73-8CC03E6B7966}"/>
+                <a16:creationId xmlns:a16="http://schemas.microsoft.com/office/drawing/2014/main" xmlns="" id="{2D5D9DF4-FD2F-4CEC-9A73-8CC03E6B7966}"/>
               </a:ext>
             </a:extLst>
           </p:cNvPr>
@@ -3538,7 +3538,7 @@
           <p:cNvPr id="10" name="文本框 14">
             <a:extLst>
               <a:ext uri="{FF2B5EF4-FFF2-40B4-BE49-F238E27FC236}">
-                <a16:creationId xmlns="" xmlns:a16="http://schemas.microsoft.com/office/drawing/2014/main" id="{339BBBEC-E062-4610-B7D9-51F1F0E82DB1}"/>
+                <a16:creationId xmlns:a16="http://schemas.microsoft.com/office/drawing/2014/main" xmlns="" id="{339BBBEC-E062-4610-B7D9-51F1F0E82DB1}"/>
               </a:ext>
             </a:extLst>
           </p:cNvPr>
@@ -3712,7 +3712,7 @@
           <p:cNvPr id="11" name="矩形 10">
             <a:extLst>
               <a:ext uri="{FF2B5EF4-FFF2-40B4-BE49-F238E27FC236}">
-                <a16:creationId xmlns="" xmlns:a16="http://schemas.microsoft.com/office/drawing/2014/main" id="{47B731A4-0ABB-448E-BD4C-A1DF82744EB2}"/>
+                <a16:creationId xmlns:a16="http://schemas.microsoft.com/office/drawing/2014/main" xmlns="" id="{47B731A4-0ABB-448E-BD4C-A1DF82744EB2}"/>
               </a:ext>
             </a:extLst>
           </p:cNvPr>
@@ -5639,7 +5639,7 @@
           <p:cNvPr id="2" name="矩形 1">
             <a:extLst>
               <a:ext uri="{FF2B5EF4-FFF2-40B4-BE49-F238E27FC236}">
-                <a16:creationId xmlns="" xmlns:a16="http://schemas.microsoft.com/office/drawing/2014/main" id="{CF378971-9DEF-426A-AB05-85B248B97436}"/>
+                <a16:creationId xmlns:a16="http://schemas.microsoft.com/office/drawing/2014/main" xmlns="" id="{CF378971-9DEF-426A-AB05-85B248B97436}"/>
               </a:ext>
             </a:extLst>
           </p:cNvPr>
@@ -13527,10 +13527,6 @@
               </a:rPr>
               <a:t>172.20.13.149</a:t>
             </a:r>
-            <a:endParaRPr lang="en-US" altLang="zh-CN" sz="1100" dirty="0">
-              <a:latin typeface="微软雅黑" pitchFamily="34" charset="-122"/>
-              <a:ea typeface="微软雅黑" pitchFamily="34" charset="-122"/>
-            </a:endParaRPr>
           </a:p>
         </p:txBody>
       </p:sp>
@@ -14710,10 +14706,6 @@
               </a:rPr>
               <a:t>172.20.13.170</a:t>
             </a:r>
-            <a:endParaRPr lang="en-US" altLang="zh-CN" sz="1100" dirty="0">
-              <a:latin typeface="微软雅黑" pitchFamily="34" charset="-122"/>
-              <a:ea typeface="微软雅黑" pitchFamily="34" charset="-122"/>
-            </a:endParaRPr>
           </a:p>
         </p:txBody>
       </p:sp>

--- a/testEnv/NETCLI.pptx
+++ b/testEnv/NETCLI.pptx
@@ -3132,7 +3132,7 @@
           <p:cNvPr id="4" name="图片 3">
             <a:extLst>
               <a:ext uri="{FF2B5EF4-FFF2-40B4-BE49-F238E27FC236}">
-                <a16:creationId xmlns:a16="http://schemas.microsoft.com/office/drawing/2014/main" xmlns="" id="{ECCFA5AD-83F8-4F94-A4AB-ED786BE814BE}"/>
+                <a16:creationId xmlns="" xmlns:a16="http://schemas.microsoft.com/office/drawing/2014/main" id="{ECCFA5AD-83F8-4F94-A4AB-ED786BE814BE}"/>
               </a:ext>
             </a:extLst>
           </p:cNvPr>
@@ -3167,7 +3167,7 @@
           <p:cNvPr id="5" name="矩形 4">
             <a:extLst>
               <a:ext uri="{FF2B5EF4-FFF2-40B4-BE49-F238E27FC236}">
-                <a16:creationId xmlns:a16="http://schemas.microsoft.com/office/drawing/2014/main" xmlns="" id="{2ECAEFC7-30CF-4B2F-922A-14691BCFBBB3}"/>
+                <a16:creationId xmlns="" xmlns:a16="http://schemas.microsoft.com/office/drawing/2014/main" id="{2ECAEFC7-30CF-4B2F-922A-14691BCFBBB3}"/>
               </a:ext>
             </a:extLst>
           </p:cNvPr>
@@ -3221,7 +3221,7 @@
           <p:cNvPr id="8" name="文本占位符 8">
             <a:extLst>
               <a:ext uri="{FF2B5EF4-FFF2-40B4-BE49-F238E27FC236}">
-                <a16:creationId xmlns:a16="http://schemas.microsoft.com/office/drawing/2014/main" xmlns="" id="{8C541A9E-F728-4944-BE21-C9BBAC4F78A3}"/>
+                <a16:creationId xmlns="" xmlns:a16="http://schemas.microsoft.com/office/drawing/2014/main" id="{8C541A9E-F728-4944-BE21-C9BBAC4F78A3}"/>
               </a:ext>
             </a:extLst>
           </p:cNvPr>
@@ -3274,7 +3274,7 @@
           <p:cNvPr id="7" name="文本占位符 3">
             <a:extLst>
               <a:ext uri="{FF2B5EF4-FFF2-40B4-BE49-F238E27FC236}">
-                <a16:creationId xmlns:a16="http://schemas.microsoft.com/office/drawing/2014/main" xmlns="" id="{05D8DE56-AE90-42C3-9800-708D84AB40AE}"/>
+                <a16:creationId xmlns="" xmlns:a16="http://schemas.microsoft.com/office/drawing/2014/main" id="{05D8DE56-AE90-42C3-9800-708D84AB40AE}"/>
               </a:ext>
             </a:extLst>
           </p:cNvPr>
@@ -3346,7 +3346,7 @@
           <p:cNvPr id="2" name="矩形 1">
             <a:extLst>
               <a:ext uri="{FF2B5EF4-FFF2-40B4-BE49-F238E27FC236}">
-                <a16:creationId xmlns:a16="http://schemas.microsoft.com/office/drawing/2014/main" xmlns="" id="{75E16A69-409A-4CE4-875B-43ADA63B7318}"/>
+                <a16:creationId xmlns="" xmlns:a16="http://schemas.microsoft.com/office/drawing/2014/main" id="{75E16A69-409A-4CE4-875B-43ADA63B7318}"/>
               </a:ext>
             </a:extLst>
           </p:cNvPr>
@@ -3454,7 +3454,7 @@
           <p:cNvPr id="9" name="文本占位符 3">
             <a:extLst>
               <a:ext uri="{FF2B5EF4-FFF2-40B4-BE49-F238E27FC236}">
-                <a16:creationId xmlns:a16="http://schemas.microsoft.com/office/drawing/2014/main" xmlns="" id="{2D5D9DF4-FD2F-4CEC-9A73-8CC03E6B7966}"/>
+                <a16:creationId xmlns="" xmlns:a16="http://schemas.microsoft.com/office/drawing/2014/main" id="{2D5D9DF4-FD2F-4CEC-9A73-8CC03E6B7966}"/>
               </a:ext>
             </a:extLst>
           </p:cNvPr>
@@ -3538,7 +3538,7 @@
           <p:cNvPr id="10" name="文本框 14">
             <a:extLst>
               <a:ext uri="{FF2B5EF4-FFF2-40B4-BE49-F238E27FC236}">
-                <a16:creationId xmlns:a16="http://schemas.microsoft.com/office/drawing/2014/main" xmlns="" id="{339BBBEC-E062-4610-B7D9-51F1F0E82DB1}"/>
+                <a16:creationId xmlns="" xmlns:a16="http://schemas.microsoft.com/office/drawing/2014/main" id="{339BBBEC-E062-4610-B7D9-51F1F0E82DB1}"/>
               </a:ext>
             </a:extLst>
           </p:cNvPr>
@@ -3712,7 +3712,7 @@
           <p:cNvPr id="11" name="矩形 10">
             <a:extLst>
               <a:ext uri="{FF2B5EF4-FFF2-40B4-BE49-F238E27FC236}">
-                <a16:creationId xmlns:a16="http://schemas.microsoft.com/office/drawing/2014/main" xmlns="" id="{47B731A4-0ABB-448E-BD4C-A1DF82744EB2}"/>
+                <a16:creationId xmlns="" xmlns:a16="http://schemas.microsoft.com/office/drawing/2014/main" id="{47B731A4-0ABB-448E-BD4C-A1DF82744EB2}"/>
               </a:ext>
             </a:extLst>
           </p:cNvPr>
@@ -5639,7 +5639,7 @@
           <p:cNvPr id="2" name="矩形 1">
             <a:extLst>
               <a:ext uri="{FF2B5EF4-FFF2-40B4-BE49-F238E27FC236}">
-                <a16:creationId xmlns:a16="http://schemas.microsoft.com/office/drawing/2014/main" xmlns="" id="{CF378971-9DEF-426A-AB05-85B248B97436}"/>
+                <a16:creationId xmlns="" xmlns:a16="http://schemas.microsoft.com/office/drawing/2014/main" id="{CF378971-9DEF-426A-AB05-85B248B97436}"/>
               </a:ext>
             </a:extLst>
           </p:cNvPr>
@@ -13440,7 +13440,7 @@
         </p:nvSpPr>
         <p:spPr>
           <a:xfrm>
-            <a:off x="4404538" y="1066860"/>
+            <a:off x="4404539" y="1066860"/>
             <a:ext cx="1097400" cy="461657"/>
           </a:xfrm>
           <a:prstGeom prst="rect">
@@ -13462,7 +13462,7 @@
                 <a:latin typeface="微软雅黑" pitchFamily="34" charset="-122"/>
                 <a:ea typeface="微软雅黑" pitchFamily="34" charset="-122"/>
               </a:rPr>
-              <a:t>CE6855</a:t>
+              <a:t>Gateway</a:t>
             </a:r>
           </a:p>
           <a:p>
@@ -13513,8 +13513,12 @@
                 <a:latin typeface="微软雅黑" pitchFamily="34" charset="-122"/>
                 <a:ea typeface="微软雅黑" pitchFamily="34" charset="-122"/>
               </a:rPr>
-              <a:t>S6800</a:t>
-            </a:r>
+              <a:t>ToR</a:t>
+            </a:r>
+            <a:endParaRPr lang="en-US" altLang="zh-CN" sz="1100" dirty="0">
+              <a:latin typeface="微软雅黑" pitchFamily="34" charset="-122"/>
+              <a:ea typeface="微软雅黑" pitchFamily="34" charset="-122"/>
+            </a:endParaRPr>
           </a:p>
           <a:p>
             <a:pPr algn="ctr">

--- a/testEnv/NETCLI.pptx
+++ b/testEnv/NETCLI.pptx
@@ -13253,7 +13253,7 @@
         </p:nvSpPr>
         <p:spPr bwMode="auto">
           <a:xfrm>
-            <a:off x="1640264" y="3734208"/>
+            <a:off x="1715680" y="3734208"/>
             <a:ext cx="8498588" cy="2327504"/>
           </a:xfrm>
           <a:prstGeom prst="roundRect">
@@ -13542,7 +13542,7 @@
         </p:nvSpPr>
         <p:spPr>
           <a:xfrm>
-            <a:off x="6630384" y="4718436"/>
+            <a:off x="7092299" y="4718436"/>
             <a:ext cx="722187" cy="419013"/>
           </a:xfrm>
           <a:prstGeom prst="rect">
@@ -13593,7 +13593,7 @@
         <p:spPr>
           <a:xfrm>
             <a:off x="5690253" y="3000011"/>
-            <a:ext cx="1383211" cy="1036468"/>
+            <a:ext cx="1845126" cy="1036468"/>
           </a:xfrm>
           <a:prstGeom prst="line">
             <a:avLst/>
@@ -13631,7 +13631,7 @@
         <p:spPr>
           <a:xfrm>
             <a:off x="5690253" y="3000011"/>
-            <a:ext cx="3440307" cy="1036470"/>
+            <a:ext cx="3902222" cy="1036470"/>
           </a:xfrm>
           <a:prstGeom prst="line">
             <a:avLst/>
@@ -13667,7 +13667,7 @@
         </p:nvCxnSpPr>
         <p:spPr>
           <a:xfrm>
-            <a:off x="5913614" y="4052342"/>
+            <a:off x="6375529" y="4052342"/>
             <a:ext cx="7681" cy="666095"/>
           </a:xfrm>
           <a:prstGeom prst="line">
@@ -13702,7 +13702,7 @@
         </p:nvCxnSpPr>
         <p:spPr>
           <a:xfrm flipH="1">
-            <a:off x="6992391" y="4381641"/>
+            <a:off x="7454306" y="4381641"/>
             <a:ext cx="19394" cy="684722"/>
           </a:xfrm>
           <a:prstGeom prst="line">
@@ -13737,7 +13737,7 @@
         </p:nvSpPr>
         <p:spPr>
           <a:xfrm rot="5400000">
-            <a:off x="8967265" y="3722735"/>
+            <a:off x="9429180" y="3722735"/>
             <a:ext cx="326590" cy="954081"/>
           </a:xfrm>
           <a:prstGeom prst="can">
@@ -13797,7 +13797,7 @@
         </p:nvSpPr>
         <p:spPr>
           <a:xfrm>
-            <a:off x="5629140" y="4718436"/>
+            <a:off x="6091055" y="4718436"/>
             <a:ext cx="584310" cy="419013"/>
           </a:xfrm>
           <a:prstGeom prst="rect">
@@ -13843,7 +13843,7 @@
         </p:nvSpPr>
         <p:spPr>
           <a:xfrm rot="5400000">
-            <a:off x="6910168" y="2755449"/>
+            <a:off x="7372083" y="2755449"/>
             <a:ext cx="326591" cy="2888650"/>
           </a:xfrm>
           <a:prstGeom prst="can">
@@ -13905,7 +13905,7 @@
         </p:nvCxnSpPr>
         <p:spPr>
           <a:xfrm>
-            <a:off x="9142854" y="4033769"/>
+            <a:off x="9604769" y="4033769"/>
             <a:ext cx="12007" cy="684667"/>
           </a:xfrm>
           <a:prstGeom prst="line">
@@ -13940,7 +13940,7 @@
         </p:nvSpPr>
         <p:spPr>
           <a:xfrm>
-            <a:off x="8862706" y="4718435"/>
+            <a:off x="9324621" y="4718435"/>
             <a:ext cx="584310" cy="419013"/>
           </a:xfrm>
           <a:prstGeom prst="rect">
@@ -13987,7 +13987,7 @@
         </p:nvSpPr>
         <p:spPr>
           <a:xfrm>
-            <a:off x="5876262" y="4682228"/>
+            <a:off x="6338177" y="4682228"/>
             <a:ext cx="90066" cy="92780"/>
           </a:xfrm>
           <a:prstGeom prst="rect">
@@ -14037,7 +14037,7 @@
         </p:nvSpPr>
         <p:spPr>
           <a:xfrm>
-            <a:off x="6950711" y="4682228"/>
+            <a:off x="7412626" y="4682228"/>
             <a:ext cx="90066" cy="92780"/>
           </a:xfrm>
           <a:prstGeom prst="rect">
@@ -14083,7 +14083,7 @@
         </p:nvSpPr>
         <p:spPr>
           <a:xfrm>
-            <a:off x="9109828" y="4682227"/>
+            <a:off x="9571743" y="4682227"/>
             <a:ext cx="90066" cy="92780"/>
           </a:xfrm>
           <a:prstGeom prst="rect">
@@ -14159,7 +14159,7 @@
         </p:nvSpPr>
         <p:spPr>
           <a:xfrm>
-            <a:off x="7655361" y="4718436"/>
+            <a:off x="8117276" y="4718436"/>
             <a:ext cx="722187" cy="419013"/>
           </a:xfrm>
           <a:prstGeom prst="rect">
@@ -14206,7 +14206,7 @@
         </p:nvCxnSpPr>
         <p:spPr>
           <a:xfrm flipH="1">
-            <a:off x="8017368" y="4381641"/>
+            <a:off x="8479283" y="4381641"/>
             <a:ext cx="19394" cy="684722"/>
           </a:xfrm>
           <a:prstGeom prst="line">
@@ -14241,7 +14241,7 @@
         </p:nvSpPr>
         <p:spPr>
           <a:xfrm>
-            <a:off x="7975688" y="4682228"/>
+            <a:off x="8437603" y="4682228"/>
             <a:ext cx="90066" cy="92780"/>
           </a:xfrm>
           <a:prstGeom prst="rect">
@@ -14353,7 +14353,7 @@
         </p:nvSpPr>
         <p:spPr>
           <a:xfrm>
-            <a:off x="4831704" y="1503451"/>
+            <a:off x="4862486" y="1494104"/>
             <a:ext cx="870751" cy="261610"/>
           </a:xfrm>
           <a:prstGeom prst="rect">
@@ -14503,7 +14503,7 @@
         </p:nvSpPr>
         <p:spPr>
           <a:xfrm>
-            <a:off x="6494509" y="5123455"/>
+            <a:off x="6956424" y="5123455"/>
             <a:ext cx="973343" cy="230832"/>
           </a:xfrm>
           <a:prstGeom prst="rect">
@@ -14534,7 +14534,7 @@
         </p:nvSpPr>
         <p:spPr>
           <a:xfrm>
-            <a:off x="7506944" y="5123455"/>
+            <a:off x="7968859" y="5123455"/>
             <a:ext cx="973343" cy="230832"/>
           </a:xfrm>
           <a:prstGeom prst="rect">
@@ -14565,7 +14565,7 @@
         </p:nvSpPr>
         <p:spPr>
           <a:xfrm>
-            <a:off x="5539032" y="5167634"/>
+            <a:off x="6000947" y="5167634"/>
             <a:ext cx="1173719" cy="784830"/>
           </a:xfrm>
           <a:prstGeom prst="rect">
@@ -14632,7 +14632,7 @@
         </p:nvSpPr>
         <p:spPr>
           <a:xfrm>
-            <a:off x="8651866" y="5123454"/>
+            <a:off x="9113781" y="5123454"/>
             <a:ext cx="973343" cy="230832"/>
           </a:xfrm>
           <a:prstGeom prst="rect">
@@ -14663,7 +14663,7 @@
         </p:nvSpPr>
         <p:spPr>
           <a:xfrm>
-            <a:off x="8958097" y="5600055"/>
+            <a:off x="9054539" y="5600055"/>
             <a:ext cx="1180756" cy="461657"/>
           </a:xfrm>
           <a:prstGeom prst="rect">
@@ -14723,7 +14723,7 @@
         </p:nvCxnSpPr>
         <p:spPr>
           <a:xfrm>
-            <a:off x="2671483" y="4033770"/>
+            <a:off x="3387924" y="4033770"/>
             <a:ext cx="12007" cy="684667"/>
           </a:xfrm>
           <a:prstGeom prst="line">
@@ -14758,7 +14758,7 @@
         </p:nvSpPr>
         <p:spPr>
           <a:xfrm>
-            <a:off x="2391335" y="4718436"/>
+            <a:off x="3107776" y="4718436"/>
             <a:ext cx="584310" cy="419013"/>
           </a:xfrm>
           <a:prstGeom prst="rect">
@@ -14805,7 +14805,7 @@
         </p:nvSpPr>
         <p:spPr>
           <a:xfrm>
-            <a:off x="2654125" y="4682228"/>
+            <a:off x="3370566" y="4682228"/>
             <a:ext cx="90066" cy="92780"/>
           </a:xfrm>
           <a:prstGeom prst="rect">
@@ -14851,7 +14851,7 @@
         </p:nvSpPr>
         <p:spPr>
           <a:xfrm>
-            <a:off x="2200233" y="5123455"/>
+            <a:off x="2916674" y="5123455"/>
             <a:ext cx="1247456" cy="784830"/>
           </a:xfrm>
           <a:prstGeom prst="rect">
@@ -14913,7 +14913,7 @@
         </p:nvSpPr>
         <p:spPr>
           <a:xfrm>
-            <a:off x="4232910" y="5123455"/>
+            <a:off x="4949351" y="5123455"/>
             <a:ext cx="973343" cy="230832"/>
           </a:xfrm>
           <a:prstGeom prst="rect">
@@ -14944,7 +14944,7 @@
         </p:nvCxnSpPr>
         <p:spPr>
           <a:xfrm>
-            <a:off x="4751008" y="4162213"/>
+            <a:off x="5467449" y="4162213"/>
             <a:ext cx="9754" cy="556224"/>
           </a:xfrm>
           <a:prstGeom prst="line">
@@ -14973,14 +14973,546 @@
       </p:cxnSp>
       <p:sp>
         <p:nvSpPr>
+          <p:cNvPr id="80" name="矩形 79"/>
+          <p:cNvSpPr/>
+          <p:nvPr/>
+        </p:nvSpPr>
+        <p:spPr>
+          <a:xfrm>
+            <a:off x="5100853" y="4718436"/>
+            <a:ext cx="722187" cy="419013"/>
+          </a:xfrm>
+          <a:prstGeom prst="rect">
+            <a:avLst/>
+          </a:prstGeom>
+          <a:ln>
+            <a:noFill/>
+          </a:ln>
+        </p:spPr>
+        <p:style>
+          <a:lnRef idx="2">
+            <a:schemeClr val="accent1">
+              <a:shade val="50000"/>
+            </a:schemeClr>
+          </a:lnRef>
+          <a:fillRef idx="1">
+            <a:schemeClr val="accent1"/>
+          </a:fillRef>
+          <a:effectRef idx="0">
+            <a:schemeClr val="accent1"/>
+          </a:effectRef>
+          <a:fontRef idx="minor">
+            <a:schemeClr val="lt1"/>
+          </a:fontRef>
+        </p:style>
+        <p:txBody>
+          <a:bodyPr rtlCol="0" anchor="ctr"/>
+          <a:lstStyle/>
+          <a:p>
+            <a:pPr algn="ctr"/>
+            <a:r>
+              <a:rPr kumimoji="1" lang="en-US" altLang="zh-CN" sz="1100" dirty="0"/>
+              <a:t>SSL02</a:t>
+            </a:r>
+            <a:endParaRPr kumimoji="1" lang="zh-CN" altLang="en-US" sz="1100" dirty="0"/>
+          </a:p>
+        </p:txBody>
+      </p:sp>
+      <p:sp>
+        <p:nvSpPr>
+          <p:cNvPr id="76" name="矩形 75"/>
+          <p:cNvSpPr/>
+          <p:nvPr/>
+        </p:nvSpPr>
+        <p:spPr>
+          <a:xfrm>
+            <a:off x="5441835" y="4682228"/>
+            <a:ext cx="90066" cy="92780"/>
+          </a:xfrm>
+          <a:prstGeom prst="rect">
+            <a:avLst/>
+          </a:prstGeom>
+          <a:solidFill>
+            <a:srgbClr val="FFFF00"/>
+          </a:solidFill>
+          <a:ln>
+            <a:noFill/>
+          </a:ln>
+        </p:spPr>
+        <p:style>
+          <a:lnRef idx="2">
+            <a:schemeClr val="accent1">
+              <a:shade val="50000"/>
+            </a:schemeClr>
+          </a:lnRef>
+          <a:fillRef idx="1">
+            <a:schemeClr val="accent1"/>
+          </a:fillRef>
+          <a:effectRef idx="0">
+            <a:schemeClr val="accent1"/>
+          </a:effectRef>
+          <a:fontRef idx="minor">
+            <a:schemeClr val="lt1"/>
+          </a:fontRef>
+        </p:style>
+        <p:txBody>
+          <a:bodyPr rtlCol="0" anchor="ctr"/>
+          <a:lstStyle/>
+          <a:p>
+            <a:pPr algn="ctr"/>
+            <a:endParaRPr kumimoji="1" lang="zh-CN" altLang="en-US" sz="1799"/>
+          </a:p>
+        </p:txBody>
+      </p:sp>
+      <p:sp>
+        <p:nvSpPr>
+          <p:cNvPr id="81" name="文本框 80"/>
+          <p:cNvSpPr txBox="1"/>
+          <p:nvPr/>
+        </p:nvSpPr>
+        <p:spPr>
+          <a:xfrm>
+            <a:off x="4072942" y="5123455"/>
+            <a:ext cx="973343" cy="230832"/>
+          </a:xfrm>
+          <a:prstGeom prst="rect">
+            <a:avLst/>
+          </a:prstGeom>
+          <a:noFill/>
+        </p:spPr>
+        <p:txBody>
+          <a:bodyPr wrap="none" rtlCol="0">
+            <a:spAutoFit/>
+          </a:bodyPr>
+          <a:lstStyle/>
+          <a:p>
+            <a:pPr algn="ctr"/>
+            <a:r>
+              <a:rPr kumimoji="1" lang="en-US" altLang="zh-CN" sz="900"/>
+              <a:t>192.168.0.11</a:t>
+            </a:r>
+            <a:endParaRPr kumimoji="1" lang="zh-CN" altLang="en-US" sz="900"/>
+          </a:p>
+        </p:txBody>
+      </p:sp>
+      <p:cxnSp>
+        <p:nvCxnSpPr>
+          <p:cNvPr id="91" name="直线连接符 90"/>
+          <p:cNvCxnSpPr/>
+          <p:nvPr/>
+        </p:nvCxnSpPr>
+        <p:spPr>
+          <a:xfrm>
+            <a:off x="4591040" y="4162213"/>
+            <a:ext cx="9754" cy="556224"/>
+          </a:xfrm>
+          <a:prstGeom prst="line">
+            <a:avLst/>
+          </a:prstGeom>
+          <a:ln>
+            <a:solidFill>
+              <a:srgbClr val="00B050"/>
+            </a:solidFill>
+          </a:ln>
+        </p:spPr>
+        <p:style>
+          <a:lnRef idx="1">
+            <a:schemeClr val="accent1"/>
+          </a:lnRef>
+          <a:fillRef idx="0">
+            <a:schemeClr val="accent1"/>
+          </a:fillRef>
+          <a:effectRef idx="0">
+            <a:schemeClr val="accent1"/>
+          </a:effectRef>
+          <a:fontRef idx="minor">
+            <a:schemeClr val="tx1"/>
+          </a:fontRef>
+        </p:style>
+      </p:cxnSp>
+      <p:sp>
+        <p:nvSpPr>
+          <p:cNvPr id="93" name="矩形 92"/>
+          <p:cNvSpPr/>
+          <p:nvPr/>
+        </p:nvSpPr>
+        <p:spPr>
+          <a:xfrm>
+            <a:off x="4224444" y="4718436"/>
+            <a:ext cx="722187" cy="419013"/>
+          </a:xfrm>
+          <a:prstGeom prst="rect">
+            <a:avLst/>
+          </a:prstGeom>
+          <a:ln>
+            <a:noFill/>
+          </a:ln>
+        </p:spPr>
+        <p:style>
+          <a:lnRef idx="2">
+            <a:schemeClr val="accent1">
+              <a:shade val="50000"/>
+            </a:schemeClr>
+          </a:lnRef>
+          <a:fillRef idx="1">
+            <a:schemeClr val="accent1"/>
+          </a:fillRef>
+          <a:effectRef idx="0">
+            <a:schemeClr val="accent1"/>
+          </a:effectRef>
+          <a:fontRef idx="minor">
+            <a:schemeClr val="lt1"/>
+          </a:fontRef>
+        </p:style>
+        <p:txBody>
+          <a:bodyPr rtlCol="0" anchor="ctr"/>
+          <a:lstStyle/>
+          <a:p>
+            <a:pPr algn="ctr"/>
+            <a:r>
+              <a:rPr kumimoji="1" lang="en-US" altLang="zh-CN" sz="1100" dirty="0"/>
+              <a:t>SSL01</a:t>
+            </a:r>
+            <a:endParaRPr kumimoji="1" lang="zh-CN" altLang="en-US" sz="1100" dirty="0"/>
+          </a:p>
+        </p:txBody>
+      </p:sp>
+      <p:sp>
+        <p:nvSpPr>
+          <p:cNvPr id="94" name="矩形 93"/>
+          <p:cNvSpPr/>
+          <p:nvPr/>
+        </p:nvSpPr>
+        <p:spPr>
+          <a:xfrm>
+            <a:off x="4565426" y="4682228"/>
+            <a:ext cx="90066" cy="92780"/>
+          </a:xfrm>
+          <a:prstGeom prst="rect">
+            <a:avLst/>
+          </a:prstGeom>
+          <a:solidFill>
+            <a:srgbClr val="FFFF00"/>
+          </a:solidFill>
+          <a:ln>
+            <a:noFill/>
+          </a:ln>
+        </p:spPr>
+        <p:style>
+          <a:lnRef idx="2">
+            <a:schemeClr val="accent1">
+              <a:shade val="50000"/>
+            </a:schemeClr>
+          </a:lnRef>
+          <a:fillRef idx="1">
+            <a:schemeClr val="accent1"/>
+          </a:fillRef>
+          <a:effectRef idx="0">
+            <a:schemeClr val="accent1"/>
+          </a:effectRef>
+          <a:fontRef idx="minor">
+            <a:schemeClr val="lt1"/>
+          </a:fontRef>
+        </p:style>
+        <p:txBody>
+          <a:bodyPr rtlCol="0" anchor="ctr"/>
+          <a:lstStyle/>
+          <a:p>
+            <a:pPr algn="ctr"/>
+            <a:endParaRPr kumimoji="1" lang="zh-CN" altLang="en-US" sz="1799"/>
+          </a:p>
+        </p:txBody>
+      </p:sp>
+      <p:cxnSp>
+        <p:nvCxnSpPr>
+          <p:cNvPr id="95" name="直线连接符 94"/>
+          <p:cNvCxnSpPr>
+            <a:stCxn id="166" idx="2"/>
+            <a:endCxn id="79" idx="2"/>
+          </p:cNvCxnSpPr>
+          <p:nvPr/>
+        </p:nvCxnSpPr>
+        <p:spPr>
+          <a:xfrm flipH="1">
+            <a:off x="3919617" y="3000011"/>
+            <a:ext cx="1770636" cy="1036469"/>
+          </a:xfrm>
+          <a:prstGeom prst="line">
+            <a:avLst/>
+          </a:prstGeom>
+          <a:ln>
+            <a:solidFill>
+              <a:srgbClr val="00B050"/>
+            </a:solidFill>
+          </a:ln>
+        </p:spPr>
+        <p:style>
+          <a:lnRef idx="1">
+            <a:schemeClr val="accent1"/>
+          </a:lnRef>
+          <a:fillRef idx="0">
+            <a:schemeClr val="accent1"/>
+          </a:fillRef>
+          <a:effectRef idx="0">
+            <a:schemeClr val="accent1"/>
+          </a:effectRef>
+          <a:fontRef idx="minor">
+            <a:schemeClr val="tx1"/>
+          </a:fontRef>
+        </p:style>
+      </p:cxnSp>
+      <p:sp>
+        <p:nvSpPr>
+          <p:cNvPr id="96" name="文本框 95"/>
+          <p:cNvSpPr txBox="1"/>
+          <p:nvPr/>
+        </p:nvSpPr>
+        <p:spPr>
+          <a:xfrm>
+            <a:off x="4797958" y="3141563"/>
+            <a:ext cx="758541" cy="261610"/>
+          </a:xfrm>
+          <a:prstGeom prst="rect">
+            <a:avLst/>
+          </a:prstGeom>
+          <a:noFill/>
+        </p:spPr>
+        <p:txBody>
+          <a:bodyPr wrap="none" rtlCol="0">
+            <a:spAutoFit/>
+          </a:bodyPr>
+          <a:lstStyle/>
+          <a:p>
+            <a:r>
+              <a:rPr kumimoji="1" lang="en-US" altLang="zh-CN" sz="1100"/>
+              <a:t>T1/0/46</a:t>
+            </a:r>
+            <a:endParaRPr kumimoji="1" lang="zh-CN" altLang="en-US" sz="1100"/>
+          </a:p>
+        </p:txBody>
+      </p:sp>
+      <p:sp>
+        <p:nvSpPr>
+          <p:cNvPr id="2" name="文本框 1"/>
+          <p:cNvSpPr txBox="1"/>
+          <p:nvPr/>
+        </p:nvSpPr>
+        <p:spPr>
+          <a:xfrm>
+            <a:off x="2006938" y="5281828"/>
+            <a:ext cx="702436" cy="769441"/>
+          </a:xfrm>
+          <a:prstGeom prst="rect">
+            <a:avLst/>
+          </a:prstGeom>
+          <a:noFill/>
+        </p:spPr>
+        <p:txBody>
+          <a:bodyPr wrap="none" rtlCol="0">
+            <a:spAutoFit/>
+          </a:bodyPr>
+          <a:lstStyle/>
+          <a:p>
+            <a:pPr algn="ctr"/>
+            <a:r>
+              <a:rPr kumimoji="1" lang="en-US" altLang="zh-CN" sz="1100"/>
+              <a:t>ntp</a:t>
+            </a:r>
+          </a:p>
+          <a:p>
+            <a:pPr algn="ctr"/>
+            <a:r>
+              <a:rPr kumimoji="1" lang="en-US" altLang="zh-CN" sz="1100"/>
+              <a:t>snmp</a:t>
+            </a:r>
+          </a:p>
+          <a:p>
+            <a:pPr algn="ctr"/>
+            <a:r>
+              <a:rPr kumimoji="1" lang="en-US" altLang="zh-CN" sz="1100"/>
+              <a:t>syslog</a:t>
+            </a:r>
+          </a:p>
+          <a:p>
+            <a:pPr algn="ctr"/>
+            <a:r>
+              <a:rPr kumimoji="1" lang="en-US" altLang="zh-CN" sz="1100"/>
+              <a:t>netflow</a:t>
+            </a:r>
+          </a:p>
+        </p:txBody>
+      </p:sp>
+      <p:cxnSp>
+        <p:nvCxnSpPr>
+          <p:cNvPr id="59" name="直线连接符 58"/>
+          <p:cNvCxnSpPr>
+            <a:endCxn id="60" idx="0"/>
+          </p:cNvCxnSpPr>
+          <p:nvPr/>
+        </p:nvCxnSpPr>
+        <p:spPr>
+          <a:xfrm>
+            <a:off x="2354988" y="4033770"/>
+            <a:ext cx="12007" cy="684667"/>
+          </a:xfrm>
+          <a:prstGeom prst="line">
+            <a:avLst/>
+          </a:prstGeom>
+          <a:ln>
+            <a:solidFill>
+              <a:srgbClr val="00B050"/>
+            </a:solidFill>
+          </a:ln>
+        </p:spPr>
+        <p:style>
+          <a:lnRef idx="1">
+            <a:schemeClr val="accent1"/>
+          </a:lnRef>
+          <a:fillRef idx="0">
+            <a:schemeClr val="accent1"/>
+          </a:fillRef>
+          <a:effectRef idx="0">
+            <a:schemeClr val="accent1"/>
+          </a:effectRef>
+          <a:fontRef idx="minor">
+            <a:schemeClr val="tx1"/>
+          </a:fontRef>
+        </p:style>
+      </p:cxnSp>
+      <p:sp>
+        <p:nvSpPr>
+          <p:cNvPr id="60" name="矩形 59"/>
+          <p:cNvSpPr/>
+          <p:nvPr/>
+        </p:nvSpPr>
+        <p:spPr>
+          <a:xfrm>
+            <a:off x="2074840" y="4718436"/>
+            <a:ext cx="584310" cy="419013"/>
+          </a:xfrm>
+          <a:prstGeom prst="rect">
+            <a:avLst/>
+          </a:prstGeom>
+          <a:ln>
+            <a:noFill/>
+          </a:ln>
+        </p:spPr>
+        <p:style>
+          <a:lnRef idx="2">
+            <a:schemeClr val="accent1">
+              <a:shade val="50000"/>
+            </a:schemeClr>
+          </a:lnRef>
+          <a:fillRef idx="1">
+            <a:schemeClr val="accent1"/>
+          </a:fillRef>
+          <a:effectRef idx="0">
+            <a:schemeClr val="accent1"/>
+          </a:effectRef>
+          <a:fontRef idx="minor">
+            <a:schemeClr val="lt1"/>
+          </a:fontRef>
+        </p:style>
+        <p:txBody>
+          <a:bodyPr rtlCol="0" anchor="ctr"/>
+          <a:lstStyle/>
+          <a:p>
+            <a:pPr algn="ctr"/>
+            <a:r>
+              <a:rPr kumimoji="1" lang="en-US" altLang="zh-CN" sz="1400" dirty="0"/>
+              <a:t>MG</a:t>
+            </a:r>
+            <a:endParaRPr kumimoji="1" lang="zh-CN" altLang="en-US" sz="1400" dirty="0"/>
+          </a:p>
+        </p:txBody>
+      </p:sp>
+      <p:sp>
+        <p:nvSpPr>
+          <p:cNvPr id="61" name="矩形 60"/>
+          <p:cNvSpPr/>
+          <p:nvPr/>
+        </p:nvSpPr>
+        <p:spPr>
+          <a:xfrm>
+            <a:off x="2321962" y="4682228"/>
+            <a:ext cx="90066" cy="92780"/>
+          </a:xfrm>
+          <a:prstGeom prst="rect">
+            <a:avLst/>
+          </a:prstGeom>
+          <a:solidFill>
+            <a:srgbClr val="FFFF00"/>
+          </a:solidFill>
+          <a:ln>
+            <a:noFill/>
+          </a:ln>
+        </p:spPr>
+        <p:style>
+          <a:lnRef idx="2">
+            <a:schemeClr val="accent1">
+              <a:shade val="50000"/>
+            </a:schemeClr>
+          </a:lnRef>
+          <a:fillRef idx="1">
+            <a:schemeClr val="accent1"/>
+          </a:fillRef>
+          <a:effectRef idx="0">
+            <a:schemeClr val="accent1"/>
+          </a:effectRef>
+          <a:fontRef idx="minor">
+            <a:schemeClr val="lt1"/>
+          </a:fontRef>
+        </p:style>
+        <p:txBody>
+          <a:bodyPr rtlCol="0" anchor="ctr"/>
+          <a:lstStyle/>
+          <a:p>
+            <a:pPr algn="ctr"/>
+            <a:endParaRPr kumimoji="1" lang="zh-CN" altLang="en-US" sz="1799"/>
+          </a:p>
+        </p:txBody>
+      </p:sp>
+      <p:sp>
+        <p:nvSpPr>
+          <p:cNvPr id="63" name="文本框 62"/>
+          <p:cNvSpPr txBox="1"/>
+          <p:nvPr/>
+        </p:nvSpPr>
+        <p:spPr>
+          <a:xfrm>
+            <a:off x="1864000" y="5123455"/>
+            <a:ext cx="973343" cy="230832"/>
+          </a:xfrm>
+          <a:prstGeom prst="rect">
+            <a:avLst/>
+          </a:prstGeom>
+          <a:noFill/>
+        </p:spPr>
+        <p:txBody>
+          <a:bodyPr wrap="none" rtlCol="0">
+            <a:spAutoFit/>
+          </a:bodyPr>
+          <a:lstStyle/>
+          <a:p>
+            <a:pPr algn="ctr"/>
+            <a:r>
+              <a:rPr kumimoji="1" lang="en-US" altLang="zh-CN" sz="900"/>
+              <a:t>192.168.0.99</a:t>
+            </a:r>
+            <a:endParaRPr kumimoji="1" lang="zh-CN" altLang="en-US" sz="900"/>
+          </a:p>
+        </p:txBody>
+      </p:sp>
+      <p:sp>
+        <p:nvSpPr>
           <p:cNvPr id="79" name="罐形 78"/>
           <p:cNvSpPr/>
           <p:nvPr/>
         </p:nvSpPr>
         <p:spPr>
           <a:xfrm rot="5400000">
-            <a:off x="3651173" y="2755450"/>
-            <a:ext cx="326591" cy="2888650"/>
+            <a:off x="3756322" y="2144158"/>
+            <a:ext cx="326591" cy="4111235"/>
           </a:xfrm>
           <a:prstGeom prst="can">
             <a:avLst/>
@@ -15028,326 +15560,6 @@
               <a:t>vsw</a:t>
             </a:r>
             <a:endParaRPr kumimoji="1" lang="zh-CN" altLang="en-US" sz="1200" dirty="0"/>
-          </a:p>
-        </p:txBody>
-      </p:sp>
-      <p:sp>
-        <p:nvSpPr>
-          <p:cNvPr id="80" name="矩形 79"/>
-          <p:cNvSpPr/>
-          <p:nvPr/>
-        </p:nvSpPr>
-        <p:spPr>
-          <a:xfrm>
-            <a:off x="4384412" y="4718436"/>
-            <a:ext cx="722187" cy="419013"/>
-          </a:xfrm>
-          <a:prstGeom prst="rect">
-            <a:avLst/>
-          </a:prstGeom>
-          <a:ln>
-            <a:noFill/>
-          </a:ln>
-        </p:spPr>
-        <p:style>
-          <a:lnRef idx="2">
-            <a:schemeClr val="accent1">
-              <a:shade val="50000"/>
-            </a:schemeClr>
-          </a:lnRef>
-          <a:fillRef idx="1">
-            <a:schemeClr val="accent1"/>
-          </a:fillRef>
-          <a:effectRef idx="0">
-            <a:schemeClr val="accent1"/>
-          </a:effectRef>
-          <a:fontRef idx="minor">
-            <a:schemeClr val="lt1"/>
-          </a:fontRef>
-        </p:style>
-        <p:txBody>
-          <a:bodyPr rtlCol="0" anchor="ctr"/>
-          <a:lstStyle/>
-          <a:p>
-            <a:pPr algn="ctr"/>
-            <a:r>
-              <a:rPr kumimoji="1" lang="en-US" altLang="zh-CN" sz="1100" dirty="0"/>
-              <a:t>SSL02</a:t>
-            </a:r>
-            <a:endParaRPr kumimoji="1" lang="zh-CN" altLang="en-US" sz="1100" dirty="0"/>
-          </a:p>
-        </p:txBody>
-      </p:sp>
-      <p:sp>
-        <p:nvSpPr>
-          <p:cNvPr id="76" name="矩形 75"/>
-          <p:cNvSpPr/>
-          <p:nvPr/>
-        </p:nvSpPr>
-        <p:spPr>
-          <a:xfrm>
-            <a:off x="4725394" y="4682228"/>
-            <a:ext cx="90066" cy="92780"/>
-          </a:xfrm>
-          <a:prstGeom prst="rect">
-            <a:avLst/>
-          </a:prstGeom>
-          <a:solidFill>
-            <a:srgbClr val="FFFF00"/>
-          </a:solidFill>
-          <a:ln>
-            <a:noFill/>
-          </a:ln>
-        </p:spPr>
-        <p:style>
-          <a:lnRef idx="2">
-            <a:schemeClr val="accent1">
-              <a:shade val="50000"/>
-            </a:schemeClr>
-          </a:lnRef>
-          <a:fillRef idx="1">
-            <a:schemeClr val="accent1"/>
-          </a:fillRef>
-          <a:effectRef idx="0">
-            <a:schemeClr val="accent1"/>
-          </a:effectRef>
-          <a:fontRef idx="minor">
-            <a:schemeClr val="lt1"/>
-          </a:fontRef>
-        </p:style>
-        <p:txBody>
-          <a:bodyPr rtlCol="0" anchor="ctr"/>
-          <a:lstStyle/>
-          <a:p>
-            <a:pPr algn="ctr"/>
-            <a:endParaRPr kumimoji="1" lang="zh-CN" altLang="en-US" sz="1799"/>
-          </a:p>
-        </p:txBody>
-      </p:sp>
-      <p:sp>
-        <p:nvSpPr>
-          <p:cNvPr id="81" name="文本框 80"/>
-          <p:cNvSpPr txBox="1"/>
-          <p:nvPr/>
-        </p:nvSpPr>
-        <p:spPr>
-          <a:xfrm>
-            <a:off x="3356501" y="5123455"/>
-            <a:ext cx="973343" cy="230832"/>
-          </a:xfrm>
-          <a:prstGeom prst="rect">
-            <a:avLst/>
-          </a:prstGeom>
-          <a:noFill/>
-        </p:spPr>
-        <p:txBody>
-          <a:bodyPr wrap="none" rtlCol="0">
-            <a:spAutoFit/>
-          </a:bodyPr>
-          <a:lstStyle/>
-          <a:p>
-            <a:pPr algn="ctr"/>
-            <a:r>
-              <a:rPr kumimoji="1" lang="en-US" altLang="zh-CN" sz="900"/>
-              <a:t>192.168.0.11</a:t>
-            </a:r>
-            <a:endParaRPr kumimoji="1" lang="zh-CN" altLang="en-US" sz="900"/>
-          </a:p>
-        </p:txBody>
-      </p:sp>
-      <p:cxnSp>
-        <p:nvCxnSpPr>
-          <p:cNvPr id="91" name="直线连接符 90"/>
-          <p:cNvCxnSpPr/>
-          <p:nvPr/>
-        </p:nvCxnSpPr>
-        <p:spPr>
-          <a:xfrm>
-            <a:off x="3874599" y="4162213"/>
-            <a:ext cx="9754" cy="556224"/>
-          </a:xfrm>
-          <a:prstGeom prst="line">
-            <a:avLst/>
-          </a:prstGeom>
-          <a:ln>
-            <a:solidFill>
-              <a:srgbClr val="00B050"/>
-            </a:solidFill>
-          </a:ln>
-        </p:spPr>
-        <p:style>
-          <a:lnRef idx="1">
-            <a:schemeClr val="accent1"/>
-          </a:lnRef>
-          <a:fillRef idx="0">
-            <a:schemeClr val="accent1"/>
-          </a:fillRef>
-          <a:effectRef idx="0">
-            <a:schemeClr val="accent1"/>
-          </a:effectRef>
-          <a:fontRef idx="minor">
-            <a:schemeClr val="tx1"/>
-          </a:fontRef>
-        </p:style>
-      </p:cxnSp>
-      <p:sp>
-        <p:nvSpPr>
-          <p:cNvPr id="93" name="矩形 92"/>
-          <p:cNvSpPr/>
-          <p:nvPr/>
-        </p:nvSpPr>
-        <p:spPr>
-          <a:xfrm>
-            <a:off x="3508003" y="4718436"/>
-            <a:ext cx="722187" cy="419013"/>
-          </a:xfrm>
-          <a:prstGeom prst="rect">
-            <a:avLst/>
-          </a:prstGeom>
-          <a:ln>
-            <a:noFill/>
-          </a:ln>
-        </p:spPr>
-        <p:style>
-          <a:lnRef idx="2">
-            <a:schemeClr val="accent1">
-              <a:shade val="50000"/>
-            </a:schemeClr>
-          </a:lnRef>
-          <a:fillRef idx="1">
-            <a:schemeClr val="accent1"/>
-          </a:fillRef>
-          <a:effectRef idx="0">
-            <a:schemeClr val="accent1"/>
-          </a:effectRef>
-          <a:fontRef idx="minor">
-            <a:schemeClr val="lt1"/>
-          </a:fontRef>
-        </p:style>
-        <p:txBody>
-          <a:bodyPr rtlCol="0" anchor="ctr"/>
-          <a:lstStyle/>
-          <a:p>
-            <a:pPr algn="ctr"/>
-            <a:r>
-              <a:rPr kumimoji="1" lang="en-US" altLang="zh-CN" sz="1100" dirty="0"/>
-              <a:t>SSL01</a:t>
-            </a:r>
-            <a:endParaRPr kumimoji="1" lang="zh-CN" altLang="en-US" sz="1100" dirty="0"/>
-          </a:p>
-        </p:txBody>
-      </p:sp>
-      <p:sp>
-        <p:nvSpPr>
-          <p:cNvPr id="94" name="矩形 93"/>
-          <p:cNvSpPr/>
-          <p:nvPr/>
-        </p:nvSpPr>
-        <p:spPr>
-          <a:xfrm>
-            <a:off x="3848985" y="4682228"/>
-            <a:ext cx="90066" cy="92780"/>
-          </a:xfrm>
-          <a:prstGeom prst="rect">
-            <a:avLst/>
-          </a:prstGeom>
-          <a:solidFill>
-            <a:srgbClr val="FFFF00"/>
-          </a:solidFill>
-          <a:ln>
-            <a:noFill/>
-          </a:ln>
-        </p:spPr>
-        <p:style>
-          <a:lnRef idx="2">
-            <a:schemeClr val="accent1">
-              <a:shade val="50000"/>
-            </a:schemeClr>
-          </a:lnRef>
-          <a:fillRef idx="1">
-            <a:schemeClr val="accent1"/>
-          </a:fillRef>
-          <a:effectRef idx="0">
-            <a:schemeClr val="accent1"/>
-          </a:effectRef>
-          <a:fontRef idx="minor">
-            <a:schemeClr val="lt1"/>
-          </a:fontRef>
-        </p:style>
-        <p:txBody>
-          <a:bodyPr rtlCol="0" anchor="ctr"/>
-          <a:lstStyle/>
-          <a:p>
-            <a:pPr algn="ctr"/>
-            <a:endParaRPr kumimoji="1" lang="zh-CN" altLang="en-US" sz="1799"/>
-          </a:p>
-        </p:txBody>
-      </p:sp>
-      <p:cxnSp>
-        <p:nvCxnSpPr>
-          <p:cNvPr id="95" name="直线连接符 94"/>
-          <p:cNvCxnSpPr>
-            <a:stCxn id="166" idx="2"/>
-            <a:endCxn id="79" idx="2"/>
-          </p:cNvCxnSpPr>
-          <p:nvPr/>
-        </p:nvCxnSpPr>
-        <p:spPr>
-          <a:xfrm flipH="1">
-            <a:off x="3814469" y="3000011"/>
-            <a:ext cx="1875784" cy="1036469"/>
-          </a:xfrm>
-          <a:prstGeom prst="line">
-            <a:avLst/>
-          </a:prstGeom>
-          <a:ln>
-            <a:solidFill>
-              <a:srgbClr val="00B050"/>
-            </a:solidFill>
-          </a:ln>
-        </p:spPr>
-        <p:style>
-          <a:lnRef idx="1">
-            <a:schemeClr val="accent1"/>
-          </a:lnRef>
-          <a:fillRef idx="0">
-            <a:schemeClr val="accent1"/>
-          </a:fillRef>
-          <a:effectRef idx="0">
-            <a:schemeClr val="accent1"/>
-          </a:effectRef>
-          <a:fontRef idx="minor">
-            <a:schemeClr val="tx1"/>
-          </a:fontRef>
-        </p:style>
-      </p:cxnSp>
-      <p:sp>
-        <p:nvSpPr>
-          <p:cNvPr id="96" name="文本框 95"/>
-          <p:cNvSpPr txBox="1"/>
-          <p:nvPr/>
-        </p:nvSpPr>
-        <p:spPr>
-          <a:xfrm>
-            <a:off x="4797958" y="3141563"/>
-            <a:ext cx="758541" cy="261610"/>
-          </a:xfrm>
-          <a:prstGeom prst="rect">
-            <a:avLst/>
-          </a:prstGeom>
-          <a:noFill/>
-        </p:spPr>
-        <p:txBody>
-          <a:bodyPr wrap="none" rtlCol="0">
-            <a:spAutoFit/>
-          </a:bodyPr>
-          <a:lstStyle/>
-          <a:p>
-            <a:r>
-              <a:rPr kumimoji="1" lang="en-US" altLang="zh-CN" sz="1100"/>
-              <a:t>T1/0/46</a:t>
-            </a:r>
-            <a:endParaRPr kumimoji="1" lang="zh-CN" altLang="en-US" sz="1100"/>
           </a:p>
         </p:txBody>
       </p:sp>

--- a/testEnv/NETCLI.pptx
+++ b/testEnv/NETCLI.pptx
@@ -13253,7 +13253,7 @@
         </p:nvSpPr>
         <p:spPr bwMode="auto">
           <a:xfrm>
-            <a:off x="1715680" y="3734208"/>
+            <a:off x="735293" y="3734208"/>
             <a:ext cx="8498588" cy="2327504"/>
           </a:xfrm>
           <a:prstGeom prst="roundRect">
@@ -13391,7 +13391,7 @@
         </p:blipFill>
         <p:spPr bwMode="auto">
           <a:xfrm>
-            <a:off x="5474000" y="1056457"/>
+            <a:off x="4493613" y="1056457"/>
             <a:ext cx="432505" cy="457567"/>
           </a:xfrm>
           <a:prstGeom prst="rect">
@@ -13417,7 +13417,7 @@
         </p:blipFill>
         <p:spPr bwMode="auto">
           <a:xfrm>
-            <a:off x="5474000" y="2538928"/>
+            <a:off x="4493613" y="2538928"/>
             <a:ext cx="432505" cy="461083"/>
           </a:xfrm>
           <a:prstGeom prst="rect">
@@ -13440,7 +13440,7 @@
         </p:nvSpPr>
         <p:spPr>
           <a:xfrm>
-            <a:off x="4404539" y="1066860"/>
+            <a:off x="3424152" y="1066860"/>
             <a:ext cx="1097400" cy="461657"/>
           </a:xfrm>
           <a:prstGeom prst="rect">
@@ -13491,7 +13491,7 @@
         </p:nvSpPr>
         <p:spPr>
           <a:xfrm>
-            <a:off x="4365820" y="2556989"/>
+            <a:off x="3385433" y="2556989"/>
             <a:ext cx="1180756" cy="461657"/>
           </a:xfrm>
           <a:prstGeom prst="rect">
@@ -13542,7 +13542,7 @@
         </p:nvSpPr>
         <p:spPr>
           <a:xfrm>
-            <a:off x="7092299" y="4718436"/>
+            <a:off x="6111912" y="4718436"/>
             <a:ext cx="722187" cy="419013"/>
           </a:xfrm>
           <a:prstGeom prst="rect">
@@ -13592,7 +13592,7 @@
         </p:nvCxnSpPr>
         <p:spPr>
           <a:xfrm>
-            <a:off x="5690253" y="3000011"/>
+            <a:off x="4709866" y="3000011"/>
             <a:ext cx="1845126" cy="1036468"/>
           </a:xfrm>
           <a:prstGeom prst="line">
@@ -13630,7 +13630,7 @@
         </p:nvCxnSpPr>
         <p:spPr>
           <a:xfrm>
-            <a:off x="5690253" y="3000011"/>
+            <a:off x="4709866" y="3000011"/>
             <a:ext cx="3902222" cy="1036470"/>
           </a:xfrm>
           <a:prstGeom prst="line">
@@ -13667,7 +13667,7 @@
         </p:nvCxnSpPr>
         <p:spPr>
           <a:xfrm>
-            <a:off x="6375529" y="4052342"/>
+            <a:off x="5395142" y="4052342"/>
             <a:ext cx="7681" cy="666095"/>
           </a:xfrm>
           <a:prstGeom prst="line">
@@ -13702,7 +13702,7 @@
         </p:nvCxnSpPr>
         <p:spPr>
           <a:xfrm flipH="1">
-            <a:off x="7454306" y="4381641"/>
+            <a:off x="6473919" y="4381641"/>
             <a:ext cx="19394" cy="684722"/>
           </a:xfrm>
           <a:prstGeom prst="line">
@@ -13737,7 +13737,7 @@
         </p:nvSpPr>
         <p:spPr>
           <a:xfrm rot="5400000">
-            <a:off x="9429180" y="3722735"/>
+            <a:off x="8448793" y="3722735"/>
             <a:ext cx="326590" cy="954081"/>
           </a:xfrm>
           <a:prstGeom prst="can">
@@ -13797,7 +13797,7 @@
         </p:nvSpPr>
         <p:spPr>
           <a:xfrm>
-            <a:off x="6091055" y="4718436"/>
+            <a:off x="5110668" y="4718436"/>
             <a:ext cx="584310" cy="419013"/>
           </a:xfrm>
           <a:prstGeom prst="rect">
@@ -13843,7 +13843,7 @@
         </p:nvSpPr>
         <p:spPr>
           <a:xfrm rot="5400000">
-            <a:off x="7372083" y="2755449"/>
+            <a:off x="6391696" y="2755449"/>
             <a:ext cx="326591" cy="2888650"/>
           </a:xfrm>
           <a:prstGeom prst="can">
@@ -13905,7 +13905,7 @@
         </p:nvCxnSpPr>
         <p:spPr>
           <a:xfrm>
-            <a:off x="9604769" y="4033769"/>
+            <a:off x="8624382" y="4033769"/>
             <a:ext cx="12007" cy="684667"/>
           </a:xfrm>
           <a:prstGeom prst="line">
@@ -13940,7 +13940,7 @@
         </p:nvSpPr>
         <p:spPr>
           <a:xfrm>
-            <a:off x="9324621" y="4718435"/>
+            <a:off x="8344234" y="4718435"/>
             <a:ext cx="584310" cy="419013"/>
           </a:xfrm>
           <a:prstGeom prst="rect">
@@ -13987,7 +13987,7 @@
         </p:nvSpPr>
         <p:spPr>
           <a:xfrm>
-            <a:off x="6338177" y="4682228"/>
+            <a:off x="5357790" y="4682228"/>
             <a:ext cx="90066" cy="92780"/>
           </a:xfrm>
           <a:prstGeom prst="rect">
@@ -14037,7 +14037,7 @@
         </p:nvSpPr>
         <p:spPr>
           <a:xfrm>
-            <a:off x="7412626" y="4682228"/>
+            <a:off x="6432239" y="4682228"/>
             <a:ext cx="90066" cy="92780"/>
           </a:xfrm>
           <a:prstGeom prst="rect">
@@ -14083,7 +14083,7 @@
         </p:nvSpPr>
         <p:spPr>
           <a:xfrm>
-            <a:off x="9571743" y="4682227"/>
+            <a:off x="8591356" y="4682227"/>
             <a:ext cx="90066" cy="92780"/>
           </a:xfrm>
           <a:prstGeom prst="rect">
@@ -14132,7 +14132,7 @@
         </p:nvCxnSpPr>
         <p:spPr bwMode="auto">
           <a:xfrm flipV="1">
-            <a:off x="5690253" y="1514024"/>
+            <a:off x="4709866" y="1514024"/>
             <a:ext cx="0" cy="1024904"/>
           </a:xfrm>
           <a:prstGeom prst="line">
@@ -14159,7 +14159,7 @@
         </p:nvSpPr>
         <p:spPr>
           <a:xfrm>
-            <a:off x="8117276" y="4718436"/>
+            <a:off x="7136889" y="4718436"/>
             <a:ext cx="722187" cy="419013"/>
           </a:xfrm>
           <a:prstGeom prst="rect">
@@ -14206,7 +14206,7 @@
         </p:nvCxnSpPr>
         <p:spPr>
           <a:xfrm flipH="1">
-            <a:off x="8479283" y="4381641"/>
+            <a:off x="7498896" y="4381641"/>
             <a:ext cx="19394" cy="684722"/>
           </a:xfrm>
           <a:prstGeom prst="line">
@@ -14241,7 +14241,7 @@
         </p:nvSpPr>
         <p:spPr>
           <a:xfrm>
-            <a:off x="8437603" y="4682228"/>
+            <a:off x="7457216" y="4682228"/>
             <a:ext cx="90066" cy="92780"/>
           </a:xfrm>
           <a:prstGeom prst="rect">
@@ -14287,7 +14287,7 @@
         </p:nvSpPr>
         <p:spPr>
           <a:xfrm>
-            <a:off x="6042531" y="913425"/>
+            <a:off x="5062144" y="913425"/>
             <a:ext cx="2735749" cy="646331"/>
           </a:xfrm>
           <a:prstGeom prst="rect">
@@ -14353,7 +14353,7 @@
         </p:nvSpPr>
         <p:spPr>
           <a:xfrm>
-            <a:off x="4862486" y="1494104"/>
+            <a:off x="3882099" y="1494104"/>
             <a:ext cx="870751" cy="261610"/>
           </a:xfrm>
           <a:prstGeom prst="rect">
@@ -14383,7 +14383,7 @@
         </p:nvSpPr>
         <p:spPr>
           <a:xfrm>
-            <a:off x="4822506" y="2322507"/>
+            <a:off x="3842119" y="2322507"/>
             <a:ext cx="960519" cy="261610"/>
           </a:xfrm>
           <a:prstGeom prst="rect">
@@ -14413,7 +14413,7 @@
         </p:nvSpPr>
         <p:spPr>
           <a:xfrm>
-            <a:off x="5671340" y="1882987"/>
+            <a:off x="4690953" y="1882987"/>
             <a:ext cx="830740" cy="369332"/>
           </a:xfrm>
           <a:prstGeom prst="rect">
@@ -14443,7 +14443,7 @@
         </p:nvSpPr>
         <p:spPr>
           <a:xfrm>
-            <a:off x="5587057" y="3151082"/>
+            <a:off x="4606670" y="3151082"/>
             <a:ext cx="758541" cy="261610"/>
           </a:xfrm>
           <a:prstGeom prst="rect">
@@ -14473,7 +14473,7 @@
         </p:nvSpPr>
         <p:spPr>
           <a:xfrm>
-            <a:off x="6397786" y="3151082"/>
+            <a:off x="5417399" y="3151082"/>
             <a:ext cx="758541" cy="261610"/>
           </a:xfrm>
           <a:prstGeom prst="rect">
@@ -14503,7 +14503,7 @@
         </p:nvSpPr>
         <p:spPr>
           <a:xfrm>
-            <a:off x="6956424" y="5123455"/>
+            <a:off x="5976037" y="5123455"/>
             <a:ext cx="973343" cy="230832"/>
           </a:xfrm>
           <a:prstGeom prst="rect">
@@ -14534,7 +14534,7 @@
         </p:nvSpPr>
         <p:spPr>
           <a:xfrm>
-            <a:off x="7968859" y="5123455"/>
+            <a:off x="6988472" y="5123455"/>
             <a:ext cx="973343" cy="230832"/>
           </a:xfrm>
           <a:prstGeom prst="rect">
@@ -14565,7 +14565,7 @@
         </p:nvSpPr>
         <p:spPr>
           <a:xfrm>
-            <a:off x="6000947" y="5167634"/>
+            <a:off x="5020560" y="5167634"/>
             <a:ext cx="1173719" cy="784830"/>
           </a:xfrm>
           <a:prstGeom prst="rect">
@@ -14632,7 +14632,7 @@
         </p:nvSpPr>
         <p:spPr>
           <a:xfrm>
-            <a:off x="9113781" y="5123454"/>
+            <a:off x="8133394" y="5123454"/>
             <a:ext cx="973343" cy="230832"/>
           </a:xfrm>
           <a:prstGeom prst="rect">
@@ -14663,7 +14663,7 @@
         </p:nvSpPr>
         <p:spPr>
           <a:xfrm>
-            <a:off x="9054539" y="5600055"/>
+            <a:off x="8074152" y="5600055"/>
             <a:ext cx="1180756" cy="461657"/>
           </a:xfrm>
           <a:prstGeom prst="rect">
@@ -14723,7 +14723,7 @@
         </p:nvCxnSpPr>
         <p:spPr>
           <a:xfrm>
-            <a:off x="3387924" y="4033770"/>
+            <a:off x="2407537" y="4033770"/>
             <a:ext cx="12007" cy="684667"/>
           </a:xfrm>
           <a:prstGeom prst="line">
@@ -14758,7 +14758,7 @@
         </p:nvSpPr>
         <p:spPr>
           <a:xfrm>
-            <a:off x="3107776" y="4718436"/>
+            <a:off x="2127389" y="4718436"/>
             <a:ext cx="584310" cy="419013"/>
           </a:xfrm>
           <a:prstGeom prst="rect">
@@ -14805,7 +14805,7 @@
         </p:nvSpPr>
         <p:spPr>
           <a:xfrm>
-            <a:off x="3370566" y="4682228"/>
+            <a:off x="2390179" y="4682228"/>
             <a:ext cx="90066" cy="92780"/>
           </a:xfrm>
           <a:prstGeom prst="rect">
@@ -14851,7 +14851,7 @@
         </p:nvSpPr>
         <p:spPr>
           <a:xfrm>
-            <a:off x="2916674" y="5123455"/>
+            <a:off x="1936287" y="5123455"/>
             <a:ext cx="1247456" cy="784830"/>
           </a:xfrm>
           <a:prstGeom prst="rect">
@@ -14913,7 +14913,7 @@
         </p:nvSpPr>
         <p:spPr>
           <a:xfrm>
-            <a:off x="4949351" y="5123455"/>
+            <a:off x="3968964" y="5123455"/>
             <a:ext cx="973343" cy="230832"/>
           </a:xfrm>
           <a:prstGeom prst="rect">
@@ -14944,7 +14944,7 @@
         </p:nvCxnSpPr>
         <p:spPr>
           <a:xfrm>
-            <a:off x="5467449" y="4162213"/>
+            <a:off x="4487062" y="4162213"/>
             <a:ext cx="9754" cy="556224"/>
           </a:xfrm>
           <a:prstGeom prst="line">
@@ -14979,7 +14979,7 @@
         </p:nvSpPr>
         <p:spPr>
           <a:xfrm>
-            <a:off x="5100853" y="4718436"/>
+            <a:off x="4120466" y="4718436"/>
             <a:ext cx="722187" cy="419013"/>
           </a:xfrm>
           <a:prstGeom prst="rect">
@@ -15026,7 +15026,7 @@
         </p:nvSpPr>
         <p:spPr>
           <a:xfrm>
-            <a:off x="5441835" y="4682228"/>
+            <a:off x="4461448" y="4682228"/>
             <a:ext cx="90066" cy="92780"/>
           </a:xfrm>
           <a:prstGeom prst="rect">
@@ -15072,7 +15072,7 @@
         </p:nvSpPr>
         <p:spPr>
           <a:xfrm>
-            <a:off x="4072942" y="5123455"/>
+            <a:off x="3092555" y="5123455"/>
             <a:ext cx="973343" cy="230832"/>
           </a:xfrm>
           <a:prstGeom prst="rect">
@@ -15103,7 +15103,7 @@
         </p:nvCxnSpPr>
         <p:spPr>
           <a:xfrm>
-            <a:off x="4591040" y="4162213"/>
+            <a:off x="3610653" y="4162213"/>
             <a:ext cx="9754" cy="556224"/>
           </a:xfrm>
           <a:prstGeom prst="line">
@@ -15138,7 +15138,7 @@
         </p:nvSpPr>
         <p:spPr>
           <a:xfrm>
-            <a:off x="4224444" y="4718436"/>
+            <a:off x="3244057" y="4718436"/>
             <a:ext cx="722187" cy="419013"/>
           </a:xfrm>
           <a:prstGeom prst="rect">
@@ -15185,7 +15185,7 @@
         </p:nvSpPr>
         <p:spPr>
           <a:xfrm>
-            <a:off x="4565426" y="4682228"/>
+            <a:off x="3585039" y="4682228"/>
             <a:ext cx="90066" cy="92780"/>
           </a:xfrm>
           <a:prstGeom prst="rect">
@@ -15234,7 +15234,7 @@
         </p:nvCxnSpPr>
         <p:spPr>
           <a:xfrm flipH="1">
-            <a:off x="3919617" y="3000011"/>
+            <a:off x="2939230" y="3000011"/>
             <a:ext cx="1770636" cy="1036469"/>
           </a:xfrm>
           <a:prstGeom prst="line">
@@ -15269,7 +15269,7 @@
         </p:nvSpPr>
         <p:spPr>
           <a:xfrm>
-            <a:off x="4797958" y="3141563"/>
+            <a:off x="3817571" y="3141563"/>
             <a:ext cx="758541" cy="261610"/>
           </a:xfrm>
           <a:prstGeom prst="rect">
@@ -15299,7 +15299,7 @@
         </p:nvSpPr>
         <p:spPr>
           <a:xfrm>
-            <a:off x="2006938" y="5281828"/>
+            <a:off x="1026551" y="5281828"/>
             <a:ext cx="702436" cy="769441"/>
           </a:xfrm>
           <a:prstGeom prst="rect">
@@ -15352,7 +15352,7 @@
         </p:nvCxnSpPr>
         <p:spPr>
           <a:xfrm>
-            <a:off x="2354988" y="4033770"/>
+            <a:off x="1374601" y="4033770"/>
             <a:ext cx="12007" cy="684667"/>
           </a:xfrm>
           <a:prstGeom prst="line">
@@ -15387,7 +15387,7 @@
         </p:nvSpPr>
         <p:spPr>
           <a:xfrm>
-            <a:off x="2074840" y="4718436"/>
+            <a:off x="1094453" y="4718436"/>
             <a:ext cx="584310" cy="419013"/>
           </a:xfrm>
           <a:prstGeom prst="rect">
@@ -15434,7 +15434,7 @@
         </p:nvSpPr>
         <p:spPr>
           <a:xfrm>
-            <a:off x="2321962" y="4682228"/>
+            <a:off x="1341575" y="4682228"/>
             <a:ext cx="90066" cy="92780"/>
           </a:xfrm>
           <a:prstGeom prst="rect">
@@ -15480,7 +15480,7 @@
         </p:nvSpPr>
         <p:spPr>
           <a:xfrm>
-            <a:off x="1864000" y="5123455"/>
+            <a:off x="883613" y="5123455"/>
             <a:ext cx="973343" cy="230832"/>
           </a:xfrm>
           <a:prstGeom prst="rect">
@@ -15511,7 +15511,7 @@
         </p:nvSpPr>
         <p:spPr>
           <a:xfrm rot="5400000">
-            <a:off x="3756322" y="2144158"/>
+            <a:off x="2775935" y="2144158"/>
             <a:ext cx="326591" cy="4111235"/>
           </a:xfrm>
           <a:prstGeom prst="can">
@@ -15560,6 +15560,132 @@
               <a:t>vsw</a:t>
             </a:r>
             <a:endParaRPr kumimoji="1" lang="zh-CN" altLang="en-US" sz="1200" dirty="0"/>
+          </a:p>
+        </p:txBody>
+      </p:sp>
+      <p:sp>
+        <p:nvSpPr>
+          <p:cNvPr id="6" name="圆角矩形 5"/>
+          <p:cNvSpPr/>
+          <p:nvPr/>
+        </p:nvSpPr>
+        <p:spPr>
+          <a:xfrm>
+            <a:off x="395926" y="877216"/>
+            <a:ext cx="9191134" cy="5598997"/>
+          </a:xfrm>
+          <a:prstGeom prst="roundRect">
+            <a:avLst/>
+          </a:prstGeom>
+          <a:noFill/>
+        </p:spPr>
+        <p:style>
+          <a:lnRef idx="2">
+            <a:schemeClr val="accent1">
+              <a:shade val="50000"/>
+            </a:schemeClr>
+          </a:lnRef>
+          <a:fillRef idx="1">
+            <a:schemeClr val="accent1"/>
+          </a:fillRef>
+          <a:effectRef idx="0">
+            <a:schemeClr val="accent1"/>
+          </a:effectRef>
+          <a:fontRef idx="minor">
+            <a:schemeClr val="lt1"/>
+          </a:fontRef>
+        </p:style>
+        <p:txBody>
+          <a:bodyPr rtlCol="0" anchor="ctr"/>
+          <a:lstStyle/>
+          <a:p>
+            <a:pPr algn="ctr"/>
+            <a:endParaRPr kumimoji="1" lang="zh-CN" altLang="en-US"/>
+          </a:p>
+        </p:txBody>
+      </p:sp>
+      <p:cxnSp>
+        <p:nvCxnSpPr>
+          <p:cNvPr id="11" name="直线连接符 10"/>
+          <p:cNvCxnSpPr/>
+          <p:nvPr/>
+        </p:nvCxnSpPr>
+        <p:spPr>
+          <a:xfrm>
+            <a:off x="9587060" y="5684363"/>
+            <a:ext cx="838985" cy="0"/>
+          </a:xfrm>
+          <a:prstGeom prst="line">
+            <a:avLst/>
+          </a:prstGeom>
+        </p:spPr>
+        <p:style>
+          <a:lnRef idx="1">
+            <a:schemeClr val="accent1"/>
+          </a:lnRef>
+          <a:fillRef idx="0">
+            <a:schemeClr val="accent1"/>
+          </a:fillRef>
+          <a:effectRef idx="0">
+            <a:schemeClr val="accent1"/>
+          </a:effectRef>
+          <a:fontRef idx="minor">
+            <a:schemeClr val="tx1"/>
+          </a:fontRef>
+        </p:style>
+      </p:cxnSp>
+      <p:sp>
+        <p:nvSpPr>
+          <p:cNvPr id="64" name="矩形 63"/>
+          <p:cNvSpPr/>
+          <p:nvPr/>
+        </p:nvSpPr>
+        <p:spPr>
+          <a:xfrm>
+            <a:off x="10067827" y="5444320"/>
+            <a:ext cx="1476513" cy="419013"/>
+          </a:xfrm>
+          <a:prstGeom prst="rect">
+            <a:avLst/>
+          </a:prstGeom>
+          <a:ln>
+            <a:noFill/>
+          </a:ln>
+        </p:spPr>
+        <p:style>
+          <a:lnRef idx="2">
+            <a:schemeClr val="accent1">
+              <a:shade val="50000"/>
+            </a:schemeClr>
+          </a:lnRef>
+          <a:fillRef idx="1">
+            <a:schemeClr val="accent1"/>
+          </a:fillRef>
+          <a:effectRef idx="0">
+            <a:schemeClr val="accent1"/>
+          </a:effectRef>
+          <a:fontRef idx="minor">
+            <a:schemeClr val="lt1"/>
+          </a:fontRef>
+        </p:style>
+        <p:txBody>
+          <a:bodyPr rtlCol="0" anchor="ctr"/>
+          <a:lstStyle/>
+          <a:p>
+            <a:pPr algn="ctr"/>
+            <a:r>
+              <a:rPr kumimoji="1" lang="en-US" altLang="zh-CN" sz="1400" dirty="0"/>
+              <a:t>NETCLI</a:t>
+            </a:r>
+            <a:r>
+              <a:rPr kumimoji="1" lang="zh-CN" altLang="en-US" sz="1400" dirty="0"/>
+              <a:t> </a:t>
+            </a:r>
+            <a:r>
+              <a:rPr kumimoji="1" lang="en-US" altLang="zh-CN" sz="1400" dirty="0"/>
+              <a:t>server</a:t>
+            </a:r>
+            <a:endParaRPr kumimoji="1" lang="zh-CN" altLang="en-US" sz="1400" dirty="0"/>
           </a:p>
         </p:txBody>
       </p:sp>

--- a/testEnv/NETCLI.pptx
+++ b/testEnv/NETCLI.pptx
@@ -200,7 +200,7 @@
           <a:p>
             <a:fld id="{242D1DAE-8D5D-1F4F-BE0C-363561884B68}" type="datetimeFigureOut">
               <a:rPr kumimoji="1" lang="zh-CN" altLang="en-US" smtClean="0"/>
-              <a:t>2019/9/17</a:t>
+              <a:t>2019-09-17</a:t>
             </a:fld>
             <a:endParaRPr kumimoji="1" lang="zh-CN" altLang="en-US"/>
           </a:p>
@@ -2969,7 +2969,7 @@
           <a:p>
             <a:fld id="{04EBE0E1-1C55-4334-85A3-E2728A37F884}" type="datetimeFigureOut">
               <a:rPr lang="zh-CN" altLang="en-US" smtClean="0"/>
-              <a:t>2019/9/17</a:t>
+              <a:t>2019-09-17</a:t>
             </a:fld>
             <a:endParaRPr lang="zh-CN" altLang="en-US"/>
           </a:p>
@@ -3132,7 +3132,7 @@
           <p:cNvPr id="4" name="图片 3">
             <a:extLst>
               <a:ext uri="{FF2B5EF4-FFF2-40B4-BE49-F238E27FC236}">
-                <a16:creationId xmlns="" xmlns:a16="http://schemas.microsoft.com/office/drawing/2014/main" id="{ECCFA5AD-83F8-4F94-A4AB-ED786BE814BE}"/>
+                <a16:creationId xmlns:a16="http://schemas.microsoft.com/office/drawing/2014/main" xmlns="" id="{ECCFA5AD-83F8-4F94-A4AB-ED786BE814BE}"/>
               </a:ext>
             </a:extLst>
           </p:cNvPr>
@@ -3167,7 +3167,7 @@
           <p:cNvPr id="5" name="矩形 4">
             <a:extLst>
               <a:ext uri="{FF2B5EF4-FFF2-40B4-BE49-F238E27FC236}">
-                <a16:creationId xmlns="" xmlns:a16="http://schemas.microsoft.com/office/drawing/2014/main" id="{2ECAEFC7-30CF-4B2F-922A-14691BCFBBB3}"/>
+                <a16:creationId xmlns:a16="http://schemas.microsoft.com/office/drawing/2014/main" xmlns="" id="{2ECAEFC7-30CF-4B2F-922A-14691BCFBBB3}"/>
               </a:ext>
             </a:extLst>
           </p:cNvPr>
@@ -3221,7 +3221,7 @@
           <p:cNvPr id="8" name="文本占位符 8">
             <a:extLst>
               <a:ext uri="{FF2B5EF4-FFF2-40B4-BE49-F238E27FC236}">
-                <a16:creationId xmlns="" xmlns:a16="http://schemas.microsoft.com/office/drawing/2014/main" id="{8C541A9E-F728-4944-BE21-C9BBAC4F78A3}"/>
+                <a16:creationId xmlns:a16="http://schemas.microsoft.com/office/drawing/2014/main" xmlns="" id="{8C541A9E-F728-4944-BE21-C9BBAC4F78A3}"/>
               </a:ext>
             </a:extLst>
           </p:cNvPr>
@@ -3274,7 +3274,7 @@
           <p:cNvPr id="7" name="文本占位符 3">
             <a:extLst>
               <a:ext uri="{FF2B5EF4-FFF2-40B4-BE49-F238E27FC236}">
-                <a16:creationId xmlns="" xmlns:a16="http://schemas.microsoft.com/office/drawing/2014/main" id="{05D8DE56-AE90-42C3-9800-708D84AB40AE}"/>
+                <a16:creationId xmlns:a16="http://schemas.microsoft.com/office/drawing/2014/main" xmlns="" id="{05D8DE56-AE90-42C3-9800-708D84AB40AE}"/>
               </a:ext>
             </a:extLst>
           </p:cNvPr>
@@ -3346,7 +3346,7 @@
           <p:cNvPr id="2" name="矩形 1">
             <a:extLst>
               <a:ext uri="{FF2B5EF4-FFF2-40B4-BE49-F238E27FC236}">
-                <a16:creationId xmlns="" xmlns:a16="http://schemas.microsoft.com/office/drawing/2014/main" id="{75E16A69-409A-4CE4-875B-43ADA63B7318}"/>
+                <a16:creationId xmlns:a16="http://schemas.microsoft.com/office/drawing/2014/main" xmlns="" id="{75E16A69-409A-4CE4-875B-43ADA63B7318}"/>
               </a:ext>
             </a:extLst>
           </p:cNvPr>
@@ -3454,7 +3454,7 @@
           <p:cNvPr id="9" name="文本占位符 3">
             <a:extLst>
               <a:ext uri="{FF2B5EF4-FFF2-40B4-BE49-F238E27FC236}">
-                <a16:creationId xmlns="" xmlns:a16="http://schemas.microsoft.com/office/drawing/2014/main" id="{2D5D9DF4-FD2F-4CEC-9A73-8CC03E6B7966}"/>
+                <a16:creationId xmlns:a16="http://schemas.microsoft.com/office/drawing/2014/main" xmlns="" id="{2D5D9DF4-FD2F-4CEC-9A73-8CC03E6B7966}"/>
               </a:ext>
             </a:extLst>
           </p:cNvPr>
@@ -3538,7 +3538,7 @@
           <p:cNvPr id="10" name="文本框 14">
             <a:extLst>
               <a:ext uri="{FF2B5EF4-FFF2-40B4-BE49-F238E27FC236}">
-                <a16:creationId xmlns="" xmlns:a16="http://schemas.microsoft.com/office/drawing/2014/main" id="{339BBBEC-E062-4610-B7D9-51F1F0E82DB1}"/>
+                <a16:creationId xmlns:a16="http://schemas.microsoft.com/office/drawing/2014/main" xmlns="" id="{339BBBEC-E062-4610-B7D9-51F1F0E82DB1}"/>
               </a:ext>
             </a:extLst>
           </p:cNvPr>
@@ -3712,7 +3712,7 @@
           <p:cNvPr id="11" name="矩形 10">
             <a:extLst>
               <a:ext uri="{FF2B5EF4-FFF2-40B4-BE49-F238E27FC236}">
-                <a16:creationId xmlns="" xmlns:a16="http://schemas.microsoft.com/office/drawing/2014/main" id="{47B731A4-0ABB-448E-BD4C-A1DF82744EB2}"/>
+                <a16:creationId xmlns:a16="http://schemas.microsoft.com/office/drawing/2014/main" xmlns="" id="{47B731A4-0ABB-448E-BD4C-A1DF82744EB2}"/>
               </a:ext>
             </a:extLst>
           </p:cNvPr>
@@ -5639,7 +5639,7 @@
           <p:cNvPr id="2" name="矩形 1">
             <a:extLst>
               <a:ext uri="{FF2B5EF4-FFF2-40B4-BE49-F238E27FC236}">
-                <a16:creationId xmlns="" xmlns:a16="http://schemas.microsoft.com/office/drawing/2014/main" id="{CF378971-9DEF-426A-AB05-85B248B97436}"/>
+                <a16:creationId xmlns:a16="http://schemas.microsoft.com/office/drawing/2014/main" xmlns="" id="{CF378971-9DEF-426A-AB05-85B248B97436}"/>
               </a:ext>
             </a:extLst>
           </p:cNvPr>
@@ -7258,7 +7258,7 @@
           <a:p>
             <a:fld id="{04EBE0E1-1C55-4334-85A3-E2728A37F884}" type="datetimeFigureOut">
               <a:rPr lang="zh-CN" altLang="en-US" smtClean="0"/>
-              <a:t>2019/9/17</a:t>
+              <a:t>2019-09-17</a:t>
             </a:fld>
             <a:endParaRPr lang="zh-CN" altLang="en-US"/>
           </a:p>
@@ -7840,7 +7840,7 @@
           <a:p>
             <a:fld id="{04EBE0E1-1C55-4334-85A3-E2728A37F884}" type="datetimeFigureOut">
               <a:rPr lang="zh-CN" altLang="en-US" smtClean="0"/>
-              <a:t>2019/9/17</a:t>
+              <a:t>2019-09-17</a:t>
             </a:fld>
             <a:endParaRPr lang="zh-CN" altLang="en-US"/>
           </a:p>
@@ -9118,7 +9118,7 @@
           <a:p>
             <a:fld id="{04EBE0E1-1C55-4334-85A3-E2728A37F884}" type="datetimeFigureOut">
               <a:rPr lang="zh-CN" altLang="en-US" smtClean="0"/>
-              <a:t>2019/9/17</a:t>
+              <a:t>2019-09-17</a:t>
             </a:fld>
             <a:endParaRPr lang="zh-CN" altLang="en-US"/>
           </a:p>
@@ -10528,7 +10528,7 @@
           <a:p>
             <a:fld id="{04EBE0E1-1C55-4334-85A3-E2728A37F884}" type="datetimeFigureOut">
               <a:rPr lang="zh-CN" altLang="en-US" smtClean="0"/>
-              <a:t>2019/9/17</a:t>
+              <a:t>2019-09-17</a:t>
             </a:fld>
             <a:endParaRPr lang="zh-CN" altLang="en-US"/>
           </a:p>
@@ -13515,10 +13515,6 @@
               </a:rPr>
               <a:t>ToR</a:t>
             </a:r>
-            <a:endParaRPr lang="en-US" altLang="zh-CN" sz="1100" dirty="0">
-              <a:latin typeface="微软雅黑" pitchFamily="34" charset="-122"/>
-              <a:ea typeface="微软雅黑" pitchFamily="34" charset="-122"/>
-            </a:endParaRPr>
           </a:p>
           <a:p>
             <a:pPr algn="ctr">
@@ -13548,6 +13544,11 @@
           <a:prstGeom prst="rect">
             <a:avLst/>
           </a:prstGeom>
+          <a:solidFill>
+            <a:schemeClr val="accent4">
+              <a:lumMod val="75000"/>
+            </a:schemeClr>
+          </a:solidFill>
           <a:ln>
             <a:noFill/>
           </a:ln>
@@ -13574,10 +13575,18 @@
           <a:p>
             <a:pPr algn="ctr"/>
             <a:r>
-              <a:rPr kumimoji="1" lang="en-US" altLang="zh-CN" sz="1100" dirty="0"/>
+              <a:rPr kumimoji="1" lang="en-US" altLang="zh-CN" sz="1100" dirty="0">
+                <a:solidFill>
+                  <a:schemeClr val="tx1"/>
+                </a:solidFill>
+              </a:rPr>
               <a:t>WEB01</a:t>
             </a:r>
-            <a:endParaRPr kumimoji="1" lang="zh-CN" altLang="en-US" sz="1100" dirty="0"/>
+            <a:endParaRPr kumimoji="1" lang="zh-CN" altLang="en-US" sz="1100" dirty="0">
+              <a:solidFill>
+                <a:schemeClr val="tx1"/>
+              </a:solidFill>
+            </a:endParaRPr>
           </a:p>
         </p:txBody>
       </p:sp>
@@ -13774,18 +13783,34 @@
           <a:p>
             <a:pPr algn="ctr"/>
             <a:r>
-              <a:rPr kumimoji="1" lang="en-US" altLang="zh-CN" sz="1200" dirty="0"/>
+              <a:rPr kumimoji="1" lang="en-US" altLang="zh-CN" sz="1200" dirty="0">
+                <a:solidFill>
+                  <a:schemeClr val="tx1"/>
+                </a:solidFill>
+              </a:rPr>
               <a:t>app</a:t>
             </a:r>
             <a:r>
-              <a:rPr kumimoji="1" lang="zh-CN" altLang="en-US" sz="1200" dirty="0"/>
+              <a:rPr kumimoji="1" lang="zh-CN" altLang="en-US" sz="1200" dirty="0">
+                <a:solidFill>
+                  <a:schemeClr val="tx1"/>
+                </a:solidFill>
+              </a:rPr>
               <a:t> </a:t>
             </a:r>
             <a:r>
-              <a:rPr kumimoji="1" lang="en-US" altLang="zh-CN" sz="1200" dirty="0"/>
+              <a:rPr kumimoji="1" lang="en-US" altLang="zh-CN" sz="1200" dirty="0">
+                <a:solidFill>
+                  <a:schemeClr val="tx1"/>
+                </a:solidFill>
+              </a:rPr>
               <a:t>vsw</a:t>
             </a:r>
-            <a:endParaRPr kumimoji="1" lang="zh-CN" altLang="en-US" dirty="0"/>
+            <a:endParaRPr kumimoji="1" lang="zh-CN" altLang="en-US" dirty="0">
+              <a:solidFill>
+                <a:schemeClr val="tx1"/>
+              </a:solidFill>
+            </a:endParaRPr>
           </a:p>
         </p:txBody>
       </p:sp>
@@ -13803,6 +13828,11 @@
           <a:prstGeom prst="rect">
             <a:avLst/>
           </a:prstGeom>
+          <a:solidFill>
+            <a:schemeClr val="accent4">
+              <a:lumMod val="75000"/>
+            </a:schemeClr>
+          </a:solidFill>
           <a:ln>
             <a:noFill/>
           </a:ln>
@@ -13829,7 +13859,11 @@
           <a:p>
             <a:pPr algn="ctr"/>
             <a:r>
-              <a:rPr kumimoji="1" lang="en-US" altLang="zh-CN" sz="1400" dirty="0"/>
+              <a:rPr kumimoji="1" lang="en-US" altLang="zh-CN" sz="1400" dirty="0">
+                <a:solidFill>
+                  <a:schemeClr val="tx1"/>
+                </a:solidFill>
+              </a:rPr>
               <a:t>SLB</a:t>
             </a:r>
           </a:p>
@@ -13880,18 +13914,34 @@
           <a:p>
             <a:pPr algn="ctr"/>
             <a:r>
-              <a:rPr kumimoji="1" lang="en-US" altLang="zh-CN" sz="1200" dirty="0"/>
+              <a:rPr kumimoji="1" lang="en-US" altLang="zh-CN" sz="1200" dirty="0">
+                <a:solidFill>
+                  <a:schemeClr val="tx1"/>
+                </a:solidFill>
+              </a:rPr>
               <a:t>web</a:t>
             </a:r>
             <a:r>
-              <a:rPr kumimoji="1" lang="zh-CN" altLang="en-US" sz="1200" dirty="0"/>
+              <a:rPr kumimoji="1" lang="zh-CN" altLang="en-US" sz="1200" dirty="0">
+                <a:solidFill>
+                  <a:schemeClr val="tx1"/>
+                </a:solidFill>
+              </a:rPr>
               <a:t> </a:t>
             </a:r>
             <a:r>
-              <a:rPr kumimoji="1" lang="en-US" altLang="zh-CN" sz="1200" dirty="0"/>
+              <a:rPr kumimoji="1" lang="en-US" altLang="zh-CN" sz="1200" dirty="0">
+                <a:solidFill>
+                  <a:schemeClr val="tx1"/>
+                </a:solidFill>
+              </a:rPr>
               <a:t>vsw</a:t>
             </a:r>
-            <a:endParaRPr kumimoji="1" lang="zh-CN" altLang="en-US" sz="1200" dirty="0"/>
+            <a:endParaRPr kumimoji="1" lang="zh-CN" altLang="en-US" sz="1200" dirty="0">
+              <a:solidFill>
+                <a:schemeClr val="tx1"/>
+              </a:solidFill>
+            </a:endParaRPr>
           </a:p>
         </p:txBody>
       </p:sp>
@@ -13946,6 +13996,9 @@
           <a:prstGeom prst="rect">
             <a:avLst/>
           </a:prstGeom>
+          <a:solidFill>
+            <a:srgbClr val="FFC000"/>
+          </a:solidFill>
           <a:ln>
             <a:noFill/>
           </a:ln>
@@ -13972,10 +14025,18 @@
           <a:p>
             <a:pPr algn="ctr"/>
             <a:r>
-              <a:rPr kumimoji="1" lang="en-US" altLang="zh-CN" sz="1400" dirty="0"/>
+              <a:rPr kumimoji="1" lang="en-US" altLang="zh-CN" sz="1400" dirty="0">
+                <a:solidFill>
+                  <a:schemeClr val="tx1"/>
+                </a:solidFill>
+              </a:rPr>
               <a:t>APP</a:t>
             </a:r>
-            <a:endParaRPr kumimoji="1" lang="zh-CN" altLang="en-US" sz="1400" dirty="0"/>
+            <a:endParaRPr kumimoji="1" lang="zh-CN" altLang="en-US" sz="1400" dirty="0">
+              <a:solidFill>
+                <a:schemeClr val="tx1"/>
+              </a:solidFill>
+            </a:endParaRPr>
           </a:p>
         </p:txBody>
       </p:sp>
@@ -14071,7 +14132,11 @@
           <a:lstStyle/>
           <a:p>
             <a:pPr algn="ctr"/>
-            <a:endParaRPr kumimoji="1" lang="zh-CN" altLang="en-US" sz="1799"/>
+            <a:endParaRPr kumimoji="1" lang="zh-CN" altLang="en-US" sz="1799">
+              <a:solidFill>
+                <a:schemeClr val="tx1"/>
+              </a:solidFill>
+            </a:endParaRPr>
           </a:p>
         </p:txBody>
       </p:sp>
@@ -14117,7 +14182,11 @@
           <a:lstStyle/>
           <a:p>
             <a:pPr algn="ctr"/>
-            <a:endParaRPr kumimoji="1" lang="zh-CN" altLang="en-US" sz="1799"/>
+            <a:endParaRPr kumimoji="1" lang="zh-CN" altLang="en-US" sz="1799">
+              <a:solidFill>
+                <a:schemeClr val="tx1"/>
+              </a:solidFill>
+            </a:endParaRPr>
           </a:p>
         </p:txBody>
       </p:sp>
@@ -14165,6 +14234,11 @@
           <a:prstGeom prst="rect">
             <a:avLst/>
           </a:prstGeom>
+          <a:solidFill>
+            <a:schemeClr val="accent4">
+              <a:lumMod val="75000"/>
+            </a:schemeClr>
+          </a:solidFill>
           <a:ln>
             <a:noFill/>
           </a:ln>
@@ -14191,10 +14265,18 @@
           <a:p>
             <a:pPr algn="ctr"/>
             <a:r>
-              <a:rPr kumimoji="1" lang="en-US" altLang="zh-CN" sz="1100" dirty="0"/>
+              <a:rPr kumimoji="1" lang="en-US" altLang="zh-CN" sz="1100" dirty="0">
+                <a:solidFill>
+                  <a:schemeClr val="tx1"/>
+                </a:solidFill>
+              </a:rPr>
               <a:t>WEB01</a:t>
             </a:r>
-            <a:endParaRPr kumimoji="1" lang="zh-CN" altLang="en-US" sz="1100" dirty="0"/>
+            <a:endParaRPr kumimoji="1" lang="zh-CN" altLang="en-US" sz="1100" dirty="0">
+              <a:solidFill>
+                <a:schemeClr val="tx1"/>
+              </a:solidFill>
+            </a:endParaRPr>
           </a:p>
         </p:txBody>
       </p:sp>
@@ -14275,7 +14357,11 @@
           <a:lstStyle/>
           <a:p>
             <a:pPr algn="ctr"/>
-            <a:endParaRPr kumimoji="1" lang="zh-CN" altLang="en-US" sz="1799"/>
+            <a:endParaRPr kumimoji="1" lang="zh-CN" altLang="en-US" sz="1799">
+              <a:solidFill>
+                <a:schemeClr val="tx1"/>
+              </a:solidFill>
+            </a:endParaRPr>
           </a:p>
         </p:txBody>
       </p:sp>
@@ -14764,6 +14850,9 @@
           <a:prstGeom prst="rect">
             <a:avLst/>
           </a:prstGeom>
+          <a:solidFill>
+            <a:srgbClr val="92D050"/>
+          </a:solidFill>
           <a:ln>
             <a:noFill/>
           </a:ln>
@@ -14790,10 +14879,18 @@
           <a:p>
             <a:pPr algn="ctr"/>
             <a:r>
-              <a:rPr kumimoji="1" lang="en-US" altLang="zh-CN" sz="1400" dirty="0"/>
+              <a:rPr kumimoji="1" lang="en-US" altLang="zh-CN" sz="1400" dirty="0">
+                <a:solidFill>
+                  <a:schemeClr val="tx1"/>
+                </a:solidFill>
+              </a:rPr>
               <a:t>SLB</a:t>
             </a:r>
-            <a:endParaRPr kumimoji="1" lang="zh-CN" altLang="en-US" sz="1400" dirty="0"/>
+            <a:endParaRPr kumimoji="1" lang="zh-CN" altLang="en-US" sz="1400" dirty="0">
+              <a:solidFill>
+                <a:schemeClr val="tx1"/>
+              </a:solidFill>
+            </a:endParaRPr>
           </a:p>
         </p:txBody>
       </p:sp>
@@ -14839,7 +14936,11 @@
           <a:lstStyle/>
           <a:p>
             <a:pPr algn="ctr"/>
-            <a:endParaRPr kumimoji="1" lang="zh-CN" altLang="en-US" sz="1799"/>
+            <a:endParaRPr kumimoji="1" lang="zh-CN" altLang="en-US" sz="1799">
+              <a:solidFill>
+                <a:schemeClr val="tx1"/>
+              </a:solidFill>
+            </a:endParaRPr>
           </a:p>
         </p:txBody>
       </p:sp>
@@ -14985,6 +15086,9 @@
           <a:prstGeom prst="rect">
             <a:avLst/>
           </a:prstGeom>
+          <a:solidFill>
+            <a:srgbClr val="92D050"/>
+          </a:solidFill>
           <a:ln>
             <a:noFill/>
           </a:ln>
@@ -15011,10 +15115,18 @@
           <a:p>
             <a:pPr algn="ctr"/>
             <a:r>
-              <a:rPr kumimoji="1" lang="en-US" altLang="zh-CN" sz="1100" dirty="0"/>
+              <a:rPr kumimoji="1" lang="en-US" altLang="zh-CN" sz="1100" dirty="0">
+                <a:solidFill>
+                  <a:schemeClr val="tx1"/>
+                </a:solidFill>
+              </a:rPr>
               <a:t>SSL02</a:t>
             </a:r>
-            <a:endParaRPr kumimoji="1" lang="zh-CN" altLang="en-US" sz="1100" dirty="0"/>
+            <a:endParaRPr kumimoji="1" lang="zh-CN" altLang="en-US" sz="1100" dirty="0">
+              <a:solidFill>
+                <a:schemeClr val="tx1"/>
+              </a:solidFill>
+            </a:endParaRPr>
           </a:p>
         </p:txBody>
       </p:sp>
@@ -15060,7 +15172,11 @@
           <a:lstStyle/>
           <a:p>
             <a:pPr algn="ctr"/>
-            <a:endParaRPr kumimoji="1" lang="zh-CN" altLang="en-US" sz="1799"/>
+            <a:endParaRPr kumimoji="1" lang="zh-CN" altLang="en-US" sz="1799">
+              <a:solidFill>
+                <a:schemeClr val="tx1"/>
+              </a:solidFill>
+            </a:endParaRPr>
           </a:p>
         </p:txBody>
       </p:sp>
@@ -15144,6 +15260,9 @@
           <a:prstGeom prst="rect">
             <a:avLst/>
           </a:prstGeom>
+          <a:solidFill>
+            <a:srgbClr val="92D050"/>
+          </a:solidFill>
           <a:ln>
             <a:noFill/>
           </a:ln>
@@ -15170,10 +15289,18 @@
           <a:p>
             <a:pPr algn="ctr"/>
             <a:r>
-              <a:rPr kumimoji="1" lang="en-US" altLang="zh-CN" sz="1100" dirty="0"/>
+              <a:rPr kumimoji="1" lang="en-US" altLang="zh-CN" sz="1100" dirty="0">
+                <a:solidFill>
+                  <a:schemeClr val="tx1"/>
+                </a:solidFill>
+              </a:rPr>
               <a:t>SSL01</a:t>
             </a:r>
-            <a:endParaRPr kumimoji="1" lang="zh-CN" altLang="en-US" sz="1100" dirty="0"/>
+            <a:endParaRPr kumimoji="1" lang="zh-CN" altLang="en-US" sz="1100" dirty="0">
+              <a:solidFill>
+                <a:schemeClr val="tx1"/>
+              </a:solidFill>
+            </a:endParaRPr>
           </a:p>
         </p:txBody>
       </p:sp>
@@ -15219,7 +15346,11 @@
           <a:lstStyle/>
           <a:p>
             <a:pPr algn="ctr"/>
-            <a:endParaRPr kumimoji="1" lang="zh-CN" altLang="en-US" sz="1799"/>
+            <a:endParaRPr kumimoji="1" lang="zh-CN" altLang="en-US" sz="1799">
+              <a:solidFill>
+                <a:schemeClr val="tx1"/>
+              </a:solidFill>
+            </a:endParaRPr>
           </a:p>
         </p:txBody>
       </p:sp>
@@ -15393,6 +15524,11 @@
           <a:prstGeom prst="rect">
             <a:avLst/>
           </a:prstGeom>
+          <a:solidFill>
+            <a:schemeClr val="bg1">
+              <a:lumMod val="50000"/>
+            </a:schemeClr>
+          </a:solidFill>
           <a:ln>
             <a:noFill/>
           </a:ln>
@@ -15419,10 +15555,18 @@
           <a:p>
             <a:pPr algn="ctr"/>
             <a:r>
-              <a:rPr kumimoji="1" lang="en-US" altLang="zh-CN" sz="1400" dirty="0"/>
+              <a:rPr kumimoji="1" lang="en-US" altLang="zh-CN" sz="1400" dirty="0">
+                <a:solidFill>
+                  <a:schemeClr val="tx1"/>
+                </a:solidFill>
+              </a:rPr>
               <a:t>MG</a:t>
             </a:r>
-            <a:endParaRPr kumimoji="1" lang="zh-CN" altLang="en-US" sz="1400" dirty="0"/>
+            <a:endParaRPr kumimoji="1" lang="zh-CN" altLang="en-US" sz="1400" dirty="0">
+              <a:solidFill>
+                <a:schemeClr val="tx1"/>
+              </a:solidFill>
+            </a:endParaRPr>
           </a:p>
         </p:txBody>
       </p:sp>
@@ -15468,7 +15612,11 @@
           <a:lstStyle/>
           <a:p>
             <a:pPr algn="ctr"/>
-            <a:endParaRPr kumimoji="1" lang="zh-CN" altLang="en-US" sz="1799"/>
+            <a:endParaRPr kumimoji="1" lang="zh-CN" altLang="en-US" sz="1799">
+              <a:solidFill>
+                <a:schemeClr val="tx1"/>
+              </a:solidFill>
+            </a:endParaRPr>
           </a:p>
         </p:txBody>
       </p:sp>
@@ -15548,18 +15696,34 @@
           <a:p>
             <a:pPr algn="ctr"/>
             <a:r>
-              <a:rPr kumimoji="1" lang="en-US" altLang="zh-CN" sz="1200" dirty="0"/>
+              <a:rPr kumimoji="1" lang="en-US" altLang="zh-CN" sz="1200" dirty="0">
+                <a:solidFill>
+                  <a:schemeClr val="tx1"/>
+                </a:solidFill>
+              </a:rPr>
               <a:t>SSL</a:t>
             </a:r>
             <a:r>
-              <a:rPr kumimoji="1" lang="zh-CN" altLang="en-US" sz="1200" dirty="0"/>
+              <a:rPr kumimoji="1" lang="zh-CN" altLang="en-US" sz="1200" dirty="0">
+                <a:solidFill>
+                  <a:schemeClr val="tx1"/>
+                </a:solidFill>
+              </a:rPr>
               <a:t> </a:t>
             </a:r>
             <a:r>
-              <a:rPr kumimoji="1" lang="en-US" altLang="zh-CN" sz="1200" dirty="0"/>
+              <a:rPr kumimoji="1" lang="en-US" altLang="zh-CN" sz="1200" dirty="0">
+                <a:solidFill>
+                  <a:schemeClr val="tx1"/>
+                </a:solidFill>
+              </a:rPr>
               <a:t>vsw</a:t>
             </a:r>
-            <a:endParaRPr kumimoji="1" lang="zh-CN" altLang="en-US" sz="1200" dirty="0"/>
+            <a:endParaRPr kumimoji="1" lang="zh-CN" altLang="en-US" sz="1200" dirty="0">
+              <a:solidFill>
+                <a:schemeClr val="tx1"/>
+              </a:solidFill>
+            </a:endParaRPr>
           </a:p>
         </p:txBody>
       </p:sp>

--- a/testEnv/NETCLI.pptx
+++ b/testEnv/NETCLI.pptx
@@ -200,7 +200,7 @@
           <a:p>
             <a:fld id="{242D1DAE-8D5D-1F4F-BE0C-363561884B68}" type="datetimeFigureOut">
               <a:rPr kumimoji="1" lang="zh-CN" altLang="en-US" smtClean="0"/>
-              <a:t>2019-09-17</a:t>
+              <a:t>2019/10/9</a:t>
             </a:fld>
             <a:endParaRPr kumimoji="1" lang="zh-CN" altLang="en-US"/>
           </a:p>
@@ -264,38 +264,37 @@
           <a:p>
             <a:pPr lvl="0"/>
             <a:r>
-              <a:rPr kumimoji="1" lang="zh-CN" altLang="en-US" smtClean="0"/>
+              <a:rPr kumimoji="1" lang="zh-CN" altLang="en-US"/>
               <a:t>单击此处编辑母版文本样式</a:t>
             </a:r>
           </a:p>
           <a:p>
             <a:pPr lvl="1"/>
             <a:r>
-              <a:rPr kumimoji="1" lang="zh-CN" altLang="en-US" smtClean="0"/>
+              <a:rPr kumimoji="1" lang="zh-CN" altLang="en-US"/>
               <a:t>二级</a:t>
             </a:r>
           </a:p>
           <a:p>
             <a:pPr lvl="2"/>
             <a:r>
-              <a:rPr kumimoji="1" lang="zh-CN" altLang="en-US" smtClean="0"/>
+              <a:rPr kumimoji="1" lang="zh-CN" altLang="en-US"/>
               <a:t>三级</a:t>
             </a:r>
           </a:p>
           <a:p>
             <a:pPr lvl="3"/>
             <a:r>
-              <a:rPr kumimoji="1" lang="zh-CN" altLang="en-US" smtClean="0"/>
+              <a:rPr kumimoji="1" lang="zh-CN" altLang="en-US"/>
               <a:t>四级</a:t>
             </a:r>
           </a:p>
           <a:p>
             <a:pPr lvl="4"/>
             <a:r>
-              <a:rPr kumimoji="1" lang="zh-CN" altLang="en-US" smtClean="0"/>
+              <a:rPr kumimoji="1" lang="zh-CN" altLang="en-US"/>
               <a:t>五级</a:t>
             </a:r>
-            <a:endParaRPr kumimoji="1" lang="zh-CN" altLang="en-US"/>
           </a:p>
         </p:txBody>
       </p:sp>
@@ -534,7 +533,7 @@
               <a:defRPr/>
             </a:pPr>
             <a:r>
-              <a:rPr lang="zh-CN" altLang="en-US" sz="1000" b="1" dirty="0" smtClean="0">
+              <a:rPr lang="zh-CN" altLang="en-US" sz="1000" b="1" dirty="0">
                 <a:solidFill>
                   <a:srgbClr val="FF0000"/>
                 </a:solidFill>
@@ -544,7 +543,7 @@
               </a:rPr>
               <a:t>架构组件：</a:t>
             </a:r>
-            <a:endParaRPr lang="en-US" altLang="zh-CN" sz="1000" b="1" dirty="0" smtClean="0">
+            <a:endParaRPr lang="en-US" altLang="zh-CN" sz="1000" b="1" dirty="0">
               <a:solidFill>
                 <a:srgbClr val="FF0000"/>
               </a:solidFill>
@@ -566,7 +565,7 @@
               <a:defRPr/>
             </a:pPr>
             <a:r>
-              <a:rPr lang="en-US" altLang="zh-CN" sz="1000" dirty="0" smtClean="0">
+              <a:rPr lang="en-US" altLang="zh-CN" sz="1000" dirty="0">
                 <a:latin typeface="Times New Roman" pitchFamily="18" charset="0"/>
                 <a:ea typeface="微软雅黑" pitchFamily="34" charset="-122"/>
                 <a:cs typeface="Times New Roman" pitchFamily="18" charset="0"/>
@@ -574,7 +573,7 @@
               <a:t>Fabric</a:t>
             </a:r>
             <a:r>
-              <a:rPr lang="zh-CN" altLang="en-US" sz="1000" dirty="0" smtClean="0">
+              <a:rPr lang="zh-CN" altLang="en-US" sz="1000" dirty="0">
                 <a:latin typeface="Times New Roman" pitchFamily="18" charset="0"/>
                 <a:ea typeface="微软雅黑" pitchFamily="34" charset="-122"/>
                 <a:cs typeface="Times New Roman" pitchFamily="18" charset="0"/>
@@ -582,7 +581,7 @@
               <a:t>：对应一个交换网络，由一对网关组，加上一个</a:t>
             </a:r>
             <a:r>
-              <a:rPr lang="en-US" altLang="zh-CN" sz="1000" dirty="0" smtClean="0">
+              <a:rPr lang="en-US" altLang="zh-CN" sz="1000" dirty="0">
                 <a:latin typeface="Times New Roman" pitchFamily="18" charset="0"/>
                 <a:ea typeface="微软雅黑" pitchFamily="34" charset="-122"/>
                 <a:cs typeface="Times New Roman" pitchFamily="18" charset="0"/>
@@ -590,7 +589,7 @@
               <a:t>Spine-Leaf</a:t>
             </a:r>
             <a:r>
-              <a:rPr lang="zh-CN" altLang="en-US" sz="1000" dirty="0" smtClean="0">
+              <a:rPr lang="zh-CN" altLang="en-US" sz="1000" dirty="0">
                 <a:latin typeface="Times New Roman" pitchFamily="18" charset="0"/>
                 <a:ea typeface="微软雅黑" pitchFamily="34" charset="-122"/>
                 <a:cs typeface="Times New Roman" pitchFamily="18" charset="0"/>
@@ -598,14 +597,14 @@
               <a:t>网络组成</a:t>
             </a:r>
             <a:r>
-              <a:rPr lang="zh-CN" altLang="zh-CN" sz="1000" dirty="0" smtClean="0">
+              <a:rPr lang="zh-CN" altLang="zh-CN" sz="1000" dirty="0">
                 <a:latin typeface="Times New Roman" pitchFamily="18" charset="0"/>
                 <a:ea typeface="微软雅黑" pitchFamily="34" charset="-122"/>
                 <a:cs typeface="Times New Roman" pitchFamily="18" charset="0"/>
               </a:rPr>
               <a:t>。</a:t>
             </a:r>
-            <a:endParaRPr lang="en-US" altLang="zh-CN" sz="1000" dirty="0" smtClean="0">
+            <a:endParaRPr lang="en-US" altLang="zh-CN" sz="1000" dirty="0">
               <a:latin typeface="Times New Roman" pitchFamily="18" charset="0"/>
               <a:ea typeface="微软雅黑" pitchFamily="34" charset="-122"/>
               <a:cs typeface="Times New Roman" pitchFamily="18" charset="0"/>
@@ -624,7 +623,7 @@
               <a:defRPr/>
             </a:pPr>
             <a:r>
-              <a:rPr lang="zh-CN" altLang="en-US" sz="1000" dirty="0" smtClean="0">
+              <a:rPr lang="zh-CN" altLang="en-US" sz="1000" dirty="0">
                 <a:latin typeface="Times New Roman" pitchFamily="18" charset="0"/>
                 <a:ea typeface="微软雅黑" pitchFamily="34" charset="-122"/>
                 <a:cs typeface="Times New Roman" pitchFamily="18" charset="0"/>
@@ -632,7 +631,7 @@
               <a:t>网关组：由一对网关交换机、一对防火墙、一对负载均衡设备构成。网关交换机</a:t>
             </a:r>
             <a:r>
-              <a:rPr lang="en-US" altLang="zh-CN" sz="1000" dirty="0" smtClean="0">
+              <a:rPr lang="en-US" altLang="zh-CN" sz="1000" dirty="0">
                 <a:latin typeface="Times New Roman" pitchFamily="18" charset="0"/>
                 <a:ea typeface="微软雅黑" pitchFamily="34" charset="-122"/>
                 <a:cs typeface="Times New Roman" pitchFamily="18" charset="0"/>
@@ -640,7 +639,7 @@
               <a:t>1</a:t>
             </a:r>
             <a:r>
-              <a:rPr lang="zh-CN" altLang="en-US" sz="1000" dirty="0" smtClean="0">
+              <a:rPr lang="zh-CN" altLang="en-US" sz="1000" dirty="0">
                 <a:latin typeface="Times New Roman" pitchFamily="18" charset="0"/>
                 <a:ea typeface="微软雅黑" pitchFamily="34" charset="-122"/>
                 <a:cs typeface="Times New Roman" pitchFamily="18" charset="0"/>
@@ -648,7 +647,7 @@
               <a:t>：</a:t>
             </a:r>
             <a:r>
-              <a:rPr lang="en-US" altLang="zh-CN" sz="1000" dirty="0" smtClean="0">
+              <a:rPr lang="en-US" altLang="zh-CN" sz="1000" dirty="0">
                 <a:latin typeface="Times New Roman" pitchFamily="18" charset="0"/>
                 <a:ea typeface="微软雅黑" pitchFamily="34" charset="-122"/>
                 <a:cs typeface="Times New Roman" pitchFamily="18" charset="0"/>
@@ -656,7 +655,7 @@
               <a:t>2</a:t>
             </a:r>
             <a:r>
-              <a:rPr lang="zh-CN" altLang="en-US" sz="1000" dirty="0" smtClean="0">
+              <a:rPr lang="zh-CN" altLang="en-US" sz="1000" dirty="0">
                 <a:latin typeface="Times New Roman" pitchFamily="18" charset="0"/>
                 <a:ea typeface="微软雅黑" pitchFamily="34" charset="-122"/>
                 <a:cs typeface="Times New Roman" pitchFamily="18" charset="0"/>
@@ -664,7 +663,7 @@
               <a:t>虚拟化</a:t>
             </a:r>
             <a:r>
-              <a:rPr lang="en-US" altLang="zh-CN" sz="1000" dirty="0" smtClean="0">
+              <a:rPr lang="en-US" altLang="zh-CN" sz="1000" dirty="0">
                 <a:latin typeface="Times New Roman" pitchFamily="18" charset="0"/>
                 <a:ea typeface="微软雅黑" pitchFamily="34" charset="-122"/>
                 <a:cs typeface="Times New Roman" pitchFamily="18" charset="0"/>
@@ -672,7 +671,7 @@
               <a:t>VS1</a:t>
             </a:r>
             <a:r>
-              <a:rPr lang="zh-CN" altLang="en-US" sz="1000" dirty="0" smtClean="0">
+              <a:rPr lang="zh-CN" altLang="en-US" sz="1000" dirty="0">
                 <a:latin typeface="Times New Roman" pitchFamily="18" charset="0"/>
                 <a:ea typeface="微软雅黑" pitchFamily="34" charset="-122"/>
                 <a:cs typeface="Times New Roman" pitchFamily="18" charset="0"/>
@@ -680,7 +679,7 @@
               <a:t>、</a:t>
             </a:r>
             <a:r>
-              <a:rPr lang="en-US" altLang="zh-CN" sz="1000" dirty="0" smtClean="0">
+              <a:rPr lang="en-US" altLang="zh-CN" sz="1000" dirty="0">
                 <a:latin typeface="Times New Roman" pitchFamily="18" charset="0"/>
                 <a:ea typeface="微软雅黑" pitchFamily="34" charset="-122"/>
                 <a:cs typeface="Times New Roman" pitchFamily="18" charset="0"/>
@@ -688,7 +687,7 @@
               <a:t>VS2</a:t>
             </a:r>
             <a:r>
-              <a:rPr lang="zh-CN" altLang="en-US" sz="1000" dirty="0" smtClean="0">
+              <a:rPr lang="zh-CN" altLang="en-US" sz="1000" dirty="0">
                 <a:latin typeface="Times New Roman" pitchFamily="18" charset="0"/>
                 <a:ea typeface="微软雅黑" pitchFamily="34" charset="-122"/>
                 <a:cs typeface="Times New Roman" pitchFamily="18" charset="0"/>
@@ -696,7 +695,7 @@
               <a:t>，两个</a:t>
             </a:r>
             <a:r>
-              <a:rPr lang="en-US" altLang="zh-CN" sz="1000" dirty="0" smtClean="0">
+              <a:rPr lang="en-US" altLang="zh-CN" sz="1000" dirty="0">
                 <a:latin typeface="Times New Roman" pitchFamily="18" charset="0"/>
                 <a:ea typeface="微软雅黑" pitchFamily="34" charset="-122"/>
                 <a:cs typeface="Times New Roman" pitchFamily="18" charset="0"/>
@@ -704,7 +703,7 @@
               <a:t>VS1</a:t>
             </a:r>
             <a:r>
-              <a:rPr lang="zh-CN" altLang="en-US" sz="1000" dirty="0" smtClean="0">
+              <a:rPr lang="zh-CN" altLang="en-US" sz="1000" dirty="0">
                 <a:latin typeface="Times New Roman" pitchFamily="18" charset="0"/>
                 <a:ea typeface="微软雅黑" pitchFamily="34" charset="-122"/>
                 <a:cs typeface="Times New Roman" pitchFamily="18" charset="0"/>
@@ -712,7 +711,7 @@
               <a:t>作为</a:t>
             </a:r>
             <a:r>
-              <a:rPr lang="en-US" altLang="zh-CN" sz="1000" dirty="0" smtClean="0">
+              <a:rPr lang="en-US" altLang="zh-CN" sz="1000" dirty="0">
                 <a:latin typeface="Times New Roman" pitchFamily="18" charset="0"/>
                 <a:ea typeface="微软雅黑" pitchFamily="34" charset="-122"/>
                 <a:cs typeface="Times New Roman" pitchFamily="18" charset="0"/>
@@ -720,7 +719,7 @@
               <a:t>VXLAN</a:t>
             </a:r>
             <a:r>
-              <a:rPr lang="zh-CN" altLang="en-US" sz="1000" dirty="0" smtClean="0">
+              <a:rPr lang="zh-CN" altLang="en-US" sz="1000" dirty="0">
                 <a:latin typeface="Times New Roman" pitchFamily="18" charset="0"/>
                 <a:ea typeface="微软雅黑" pitchFamily="34" charset="-122"/>
                 <a:cs typeface="Times New Roman" pitchFamily="18" charset="0"/>
@@ -728,7 +727,7 @@
               <a:t>双活，部署</a:t>
             </a:r>
             <a:r>
-              <a:rPr lang="en-US" altLang="zh-CN" sz="1000" dirty="0" smtClean="0">
+              <a:rPr lang="en-US" altLang="zh-CN" sz="1000" dirty="0">
                 <a:latin typeface="Times New Roman" pitchFamily="18" charset="0"/>
                 <a:ea typeface="微软雅黑" pitchFamily="34" charset="-122"/>
                 <a:cs typeface="Times New Roman" pitchFamily="18" charset="0"/>
@@ -736,7 +735,7 @@
               <a:t>M-LAG</a:t>
             </a:r>
             <a:r>
-              <a:rPr lang="zh-CN" altLang="en-US" sz="1000" dirty="0" smtClean="0">
+              <a:rPr lang="zh-CN" altLang="en-US" sz="1000" dirty="0">
                 <a:latin typeface="Times New Roman" pitchFamily="18" charset="0"/>
                 <a:ea typeface="微软雅黑" pitchFamily="34" charset="-122"/>
                 <a:cs typeface="Times New Roman" pitchFamily="18" charset="0"/>
@@ -744,7 +743,7 @@
               <a:t>。防火墙串接在</a:t>
             </a:r>
             <a:r>
-              <a:rPr lang="en-US" altLang="zh-CN" sz="1000" dirty="0" smtClean="0">
+              <a:rPr lang="en-US" altLang="zh-CN" sz="1000" dirty="0">
                 <a:latin typeface="Times New Roman" pitchFamily="18" charset="0"/>
                 <a:ea typeface="微软雅黑" pitchFamily="34" charset="-122"/>
                 <a:cs typeface="Times New Roman" pitchFamily="18" charset="0"/>
@@ -752,7 +751,7 @@
               <a:t>VS1</a:t>
             </a:r>
             <a:r>
-              <a:rPr lang="zh-CN" altLang="en-US" sz="1000" dirty="0" smtClean="0">
+              <a:rPr lang="zh-CN" altLang="en-US" sz="1000" dirty="0">
                 <a:latin typeface="Times New Roman" pitchFamily="18" charset="0"/>
                 <a:ea typeface="微软雅黑" pitchFamily="34" charset="-122"/>
                 <a:cs typeface="Times New Roman" pitchFamily="18" charset="0"/>
@@ -760,7 +759,7 @@
               <a:t>、</a:t>
             </a:r>
             <a:r>
-              <a:rPr lang="en-US" altLang="zh-CN" sz="1000" dirty="0" smtClean="0">
+              <a:rPr lang="en-US" altLang="zh-CN" sz="1000" dirty="0">
                 <a:latin typeface="Times New Roman" pitchFamily="18" charset="0"/>
                 <a:ea typeface="微软雅黑" pitchFamily="34" charset="-122"/>
                 <a:cs typeface="Times New Roman" pitchFamily="18" charset="0"/>
@@ -768,7 +767,7 @@
               <a:t>VS2</a:t>
             </a:r>
             <a:r>
-              <a:rPr lang="zh-CN" altLang="en-US" sz="1000" dirty="0" smtClean="0">
+              <a:rPr lang="zh-CN" altLang="en-US" sz="1000" dirty="0">
                 <a:latin typeface="Times New Roman" pitchFamily="18" charset="0"/>
                 <a:ea typeface="微软雅黑" pitchFamily="34" charset="-122"/>
                 <a:cs typeface="Times New Roman" pitchFamily="18" charset="0"/>
@@ -776,7 +775,7 @@
               <a:t>之间，彼此运行静态路由。</a:t>
             </a:r>
             <a:r>
-              <a:rPr lang="en-US" altLang="zh-CN" sz="1000" dirty="0" smtClean="0">
+              <a:rPr lang="en-US" altLang="zh-CN" sz="1000" dirty="0">
                 <a:latin typeface="Times New Roman" pitchFamily="18" charset="0"/>
                 <a:ea typeface="微软雅黑" pitchFamily="34" charset="-122"/>
                 <a:cs typeface="Times New Roman" pitchFamily="18" charset="0"/>
@@ -784,7 +783,7 @@
               <a:t>VS2</a:t>
             </a:r>
             <a:r>
-              <a:rPr lang="zh-CN" altLang="en-US" sz="1000" dirty="0" smtClean="0">
+              <a:rPr lang="zh-CN" altLang="en-US" sz="1000" dirty="0">
                 <a:latin typeface="Times New Roman" pitchFamily="18" charset="0"/>
                 <a:ea typeface="微软雅黑" pitchFamily="34" charset="-122"/>
                 <a:cs typeface="Times New Roman" pitchFamily="18" charset="0"/>
@@ -792,7 +791,7 @@
               <a:t>连接数据中心核心交换机。负载均衡与通过静态路由连接到两个</a:t>
             </a:r>
             <a:r>
-              <a:rPr lang="en-US" altLang="zh-CN" sz="1000" dirty="0" smtClean="0">
+              <a:rPr lang="en-US" altLang="zh-CN" sz="1000" dirty="0">
                 <a:latin typeface="Times New Roman" pitchFamily="18" charset="0"/>
                 <a:ea typeface="微软雅黑" pitchFamily="34" charset="-122"/>
                 <a:cs typeface="Times New Roman" pitchFamily="18" charset="0"/>
@@ -800,7 +799,7 @@
               <a:t>VS1</a:t>
             </a:r>
             <a:r>
-              <a:rPr lang="zh-CN" altLang="en-US" sz="1000" dirty="0" smtClean="0">
+              <a:rPr lang="zh-CN" altLang="en-US" sz="1000" dirty="0">
                 <a:latin typeface="Times New Roman" pitchFamily="18" charset="0"/>
                 <a:ea typeface="微软雅黑" pitchFamily="34" charset="-122"/>
                 <a:cs typeface="Times New Roman" pitchFamily="18" charset="0"/>
@@ -808,7 +807,7 @@
               <a:t>的一对</a:t>
             </a:r>
             <a:r>
-              <a:rPr lang="en-US" altLang="zh-CN" sz="1000" dirty="0" smtClean="0">
+              <a:rPr lang="en-US" altLang="zh-CN" sz="1000" dirty="0">
                 <a:latin typeface="Times New Roman" pitchFamily="18" charset="0"/>
                 <a:ea typeface="微软雅黑" pitchFamily="34" charset="-122"/>
                 <a:cs typeface="Times New Roman" pitchFamily="18" charset="0"/>
@@ -816,14 +815,14 @@
               <a:t>m-lag</a:t>
             </a:r>
             <a:r>
-              <a:rPr lang="zh-CN" altLang="en-US" sz="1000" dirty="0" smtClean="0">
+              <a:rPr lang="zh-CN" altLang="en-US" sz="1000" dirty="0">
                 <a:latin typeface="Times New Roman" pitchFamily="18" charset="0"/>
                 <a:ea typeface="微软雅黑" pitchFamily="34" charset="-122"/>
                 <a:cs typeface="Times New Roman" pitchFamily="18" charset="0"/>
               </a:rPr>
               <a:t>接口。</a:t>
             </a:r>
-            <a:endParaRPr lang="en-US" altLang="zh-CN" sz="1000" dirty="0" smtClean="0">
+            <a:endParaRPr lang="en-US" altLang="zh-CN" sz="1000" dirty="0">
               <a:latin typeface="Times New Roman" pitchFamily="18" charset="0"/>
               <a:ea typeface="微软雅黑" pitchFamily="34" charset="-122"/>
               <a:cs typeface="Times New Roman" pitchFamily="18" charset="0"/>
@@ -842,7 +841,7 @@
               <a:defRPr/>
             </a:pPr>
             <a:r>
-              <a:rPr lang="en-US" altLang="zh-CN" sz="1000" dirty="0" smtClean="0">
+              <a:rPr lang="en-US" altLang="zh-CN" sz="1000" dirty="0">
                 <a:latin typeface="Times New Roman" pitchFamily="18" charset="0"/>
                 <a:ea typeface="微软雅黑" pitchFamily="34" charset="-122"/>
                 <a:cs typeface="Times New Roman" pitchFamily="18" charset="0"/>
@@ -850,7 +849,7 @@
               <a:t>2</a:t>
             </a:r>
             <a:r>
-              <a:rPr lang="zh-CN" altLang="en-US" sz="1000" dirty="0" smtClean="0">
+              <a:rPr lang="zh-CN" altLang="en-US" sz="1000" dirty="0">
                 <a:latin typeface="Times New Roman" pitchFamily="18" charset="0"/>
                 <a:ea typeface="微软雅黑" pitchFamily="34" charset="-122"/>
                 <a:cs typeface="Times New Roman" pitchFamily="18" charset="0"/>
@@ -858,7 +857,7 @@
               <a:t>台</a:t>
             </a:r>
             <a:r>
-              <a:rPr lang="en-US" altLang="zh-CN" sz="1000" dirty="0" smtClean="0">
+              <a:rPr lang="en-US" altLang="zh-CN" sz="1000" dirty="0">
                 <a:latin typeface="Times New Roman" pitchFamily="18" charset="0"/>
                 <a:ea typeface="微软雅黑" pitchFamily="34" charset="-122"/>
                 <a:cs typeface="Times New Roman" pitchFamily="18" charset="0"/>
@@ -866,14 +865,14 @@
               <a:t>Spine</a:t>
             </a:r>
             <a:r>
-              <a:rPr lang="zh-CN" altLang="en-US" sz="1000" dirty="0" smtClean="0">
+              <a:rPr lang="zh-CN" altLang="en-US" sz="1000" dirty="0">
                 <a:latin typeface="Times New Roman" pitchFamily="18" charset="0"/>
                 <a:ea typeface="微软雅黑" pitchFamily="34" charset="-122"/>
                 <a:cs typeface="Times New Roman" pitchFamily="18" charset="0"/>
               </a:rPr>
               <a:t>交换机独立部署。</a:t>
             </a:r>
-            <a:endParaRPr lang="en-US" altLang="zh-CN" sz="1000" dirty="0" smtClean="0">
+            <a:endParaRPr lang="en-US" altLang="zh-CN" sz="1000" dirty="0">
               <a:latin typeface="Times New Roman" pitchFamily="18" charset="0"/>
               <a:ea typeface="微软雅黑" pitchFamily="34" charset="-122"/>
               <a:cs typeface="Times New Roman" pitchFamily="18" charset="0"/>
@@ -892,7 +891,7 @@
               <a:defRPr/>
             </a:pPr>
             <a:r>
-              <a:rPr lang="en-US" altLang="zh-CN" sz="1000" dirty="0" smtClean="0">
+              <a:rPr lang="en-US" altLang="zh-CN" sz="1000" dirty="0">
                 <a:latin typeface="Times New Roman" pitchFamily="18" charset="0"/>
                 <a:ea typeface="微软雅黑" pitchFamily="34" charset="-122"/>
                 <a:cs typeface="Times New Roman" pitchFamily="18" charset="0"/>
@@ -900,7 +899,7 @@
               <a:t>Leaf</a:t>
             </a:r>
             <a:r>
-              <a:rPr lang="zh-CN" altLang="en-US" sz="1000" dirty="0" smtClean="0">
+              <a:rPr lang="zh-CN" altLang="en-US" sz="1000" dirty="0">
                 <a:latin typeface="Times New Roman" pitchFamily="18" charset="0"/>
                 <a:ea typeface="微软雅黑" pitchFamily="34" charset="-122"/>
                 <a:cs typeface="Times New Roman" pitchFamily="18" charset="0"/>
@@ -908,7 +907,7 @@
               <a:t>交换机成对部署，</a:t>
             </a:r>
             <a:r>
-              <a:rPr lang="en-US" altLang="zh-CN" sz="1000" dirty="0" smtClean="0">
+              <a:rPr lang="en-US" altLang="zh-CN" sz="1000" dirty="0">
                 <a:latin typeface="Times New Roman" pitchFamily="18" charset="0"/>
                 <a:ea typeface="微软雅黑" pitchFamily="34" charset="-122"/>
                 <a:cs typeface="Times New Roman" pitchFamily="18" charset="0"/>
@@ -916,7 +915,7 @@
               <a:t>2</a:t>
             </a:r>
             <a:r>
-              <a:rPr lang="zh-CN" altLang="en-US" sz="1000" dirty="0" smtClean="0">
+              <a:rPr lang="zh-CN" altLang="en-US" sz="1000" dirty="0">
                 <a:latin typeface="Times New Roman" pitchFamily="18" charset="0"/>
                 <a:ea typeface="微软雅黑" pitchFamily="34" charset="-122"/>
                 <a:cs typeface="Times New Roman" pitchFamily="18" charset="0"/>
@@ -924,7 +923,7 @@
               <a:t>台</a:t>
             </a:r>
             <a:r>
-              <a:rPr lang="en-US" altLang="zh-CN" sz="1000" dirty="0" smtClean="0">
+              <a:rPr lang="en-US" altLang="zh-CN" sz="1000" dirty="0">
                 <a:latin typeface="Times New Roman" pitchFamily="18" charset="0"/>
                 <a:ea typeface="微软雅黑" pitchFamily="34" charset="-122"/>
                 <a:cs typeface="Times New Roman" pitchFamily="18" charset="0"/>
@@ -932,7 +931,7 @@
               <a:t>Leaf</a:t>
             </a:r>
             <a:r>
-              <a:rPr lang="zh-CN" altLang="en-US" sz="1000" dirty="0" smtClean="0">
+              <a:rPr lang="zh-CN" altLang="en-US" sz="1000" dirty="0">
                 <a:latin typeface="Times New Roman" pitchFamily="18" charset="0"/>
                 <a:ea typeface="微软雅黑" pitchFamily="34" charset="-122"/>
                 <a:cs typeface="Times New Roman" pitchFamily="18" charset="0"/>
@@ -940,7 +939,7 @@
               <a:t>之间运行</a:t>
             </a:r>
             <a:r>
-              <a:rPr lang="en-US" altLang="zh-CN" sz="1000" dirty="0" smtClean="0">
+              <a:rPr lang="en-US" altLang="zh-CN" sz="1000" dirty="0">
                 <a:latin typeface="Times New Roman" pitchFamily="18" charset="0"/>
                 <a:ea typeface="微软雅黑" pitchFamily="34" charset="-122"/>
                 <a:cs typeface="Times New Roman" pitchFamily="18" charset="0"/>
@@ -948,14 +947,14 @@
               <a:t>m-lag</a:t>
             </a:r>
             <a:r>
-              <a:rPr lang="zh-CN" altLang="en-US" sz="1000" dirty="0" smtClean="0">
+              <a:rPr lang="zh-CN" altLang="en-US" sz="1000" dirty="0">
                 <a:latin typeface="Times New Roman" pitchFamily="18" charset="0"/>
                 <a:ea typeface="微软雅黑" pitchFamily="34" charset="-122"/>
                 <a:cs typeface="Times New Roman" pitchFamily="18" charset="0"/>
               </a:rPr>
               <a:t>。</a:t>
             </a:r>
-            <a:endParaRPr lang="en-US" altLang="zh-CN" sz="1000" dirty="0" smtClean="0">
+            <a:endParaRPr lang="en-US" altLang="zh-CN" sz="1000" dirty="0">
               <a:latin typeface="Times New Roman" pitchFamily="18" charset="0"/>
               <a:ea typeface="微软雅黑" pitchFamily="34" charset="-122"/>
               <a:cs typeface="Times New Roman" pitchFamily="18" charset="0"/>
@@ -974,7 +973,7 @@
               <a:defRPr/>
             </a:pPr>
             <a:r>
-              <a:rPr lang="zh-CN" altLang="en-US" sz="1000" dirty="0" smtClean="0">
+              <a:rPr lang="zh-CN" altLang="en-US" sz="1000" dirty="0">
                 <a:latin typeface="Times New Roman" pitchFamily="18" charset="0"/>
                 <a:ea typeface="微软雅黑" pitchFamily="34" charset="-122"/>
                 <a:cs typeface="Times New Roman" pitchFamily="18" charset="0"/>
@@ -982,7 +981,7 @@
               <a:t>服务器网卡主备或双活接入</a:t>
             </a:r>
             <a:r>
-              <a:rPr lang="en-US" altLang="zh-CN" sz="1000" dirty="0" smtClean="0">
+              <a:rPr lang="en-US" altLang="zh-CN" sz="1000" dirty="0">
                 <a:latin typeface="Times New Roman" pitchFamily="18" charset="0"/>
                 <a:ea typeface="微软雅黑" pitchFamily="34" charset="-122"/>
                 <a:cs typeface="Times New Roman" pitchFamily="18" charset="0"/>
@@ -990,7 +989,7 @@
               <a:t>1</a:t>
             </a:r>
             <a:r>
-              <a:rPr lang="zh-CN" altLang="en-US" sz="1000" dirty="0" smtClean="0">
+              <a:rPr lang="zh-CN" altLang="en-US" sz="1000" dirty="0">
                 <a:latin typeface="Times New Roman" pitchFamily="18" charset="0"/>
                 <a:ea typeface="微软雅黑" pitchFamily="34" charset="-122"/>
                 <a:cs typeface="Times New Roman" pitchFamily="18" charset="0"/>
@@ -998,7 +997,7 @@
               <a:t>对</a:t>
             </a:r>
             <a:r>
-              <a:rPr lang="en-US" altLang="zh-CN" sz="1000" dirty="0" smtClean="0">
+              <a:rPr lang="en-US" altLang="zh-CN" sz="1000" dirty="0">
                 <a:latin typeface="Times New Roman" pitchFamily="18" charset="0"/>
                 <a:ea typeface="微软雅黑" pitchFamily="34" charset="-122"/>
                 <a:cs typeface="Times New Roman" pitchFamily="18" charset="0"/>
@@ -1006,21 +1005,21 @@
               <a:t>Leaf</a:t>
             </a:r>
             <a:r>
-              <a:rPr lang="zh-CN" altLang="en-US" sz="1000" dirty="0" smtClean="0">
+              <a:rPr lang="zh-CN" altLang="en-US" sz="1000" dirty="0">
                 <a:latin typeface="Times New Roman" pitchFamily="18" charset="0"/>
                 <a:ea typeface="微软雅黑" pitchFamily="34" charset="-122"/>
                 <a:cs typeface="Times New Roman" pitchFamily="18" charset="0"/>
               </a:rPr>
               <a:t>交换机。</a:t>
             </a:r>
-            <a:endParaRPr lang="en-US" altLang="zh-CN" sz="1000" dirty="0" smtClean="0">
+            <a:endParaRPr lang="en-US" altLang="zh-CN" sz="1000" dirty="0">
               <a:latin typeface="Times New Roman" pitchFamily="18" charset="0"/>
               <a:ea typeface="微软雅黑" pitchFamily="34" charset="-122"/>
               <a:cs typeface="Times New Roman" pitchFamily="18" charset="0"/>
             </a:endParaRPr>
           </a:p>
           <a:p>
-            <a:endParaRPr lang="zh-CN" altLang="en-US" dirty="0" smtClean="0"/>
+            <a:endParaRPr lang="zh-CN" altLang="en-US" dirty="0"/>
           </a:p>
         </p:txBody>
       </p:sp>
@@ -1046,7 +1045,7 @@
               <a:pPr/>
               <a:t>1</a:t>
             </a:fld>
-            <a:endParaRPr lang="zh-CN" altLang="en-US" smtClean="0"/>
+            <a:endParaRPr lang="zh-CN" altLang="en-US"/>
           </a:p>
         </p:txBody>
       </p:sp>
@@ -1129,7 +1128,7 @@
               <a:defRPr/>
             </a:pPr>
             <a:r>
-              <a:rPr lang="zh-CN" altLang="en-US" sz="1000" b="1" dirty="0" smtClean="0">
+              <a:rPr lang="zh-CN" altLang="en-US" sz="1000" b="1" dirty="0">
                 <a:solidFill>
                   <a:srgbClr val="FF0000"/>
                 </a:solidFill>
@@ -1139,7 +1138,7 @@
               </a:rPr>
               <a:t>架构组件：</a:t>
             </a:r>
-            <a:endParaRPr lang="en-US" altLang="zh-CN" sz="1000" b="1" dirty="0" smtClean="0">
+            <a:endParaRPr lang="en-US" altLang="zh-CN" sz="1000" b="1" dirty="0">
               <a:solidFill>
                 <a:srgbClr val="FF0000"/>
               </a:solidFill>
@@ -1161,7 +1160,7 @@
               <a:defRPr/>
             </a:pPr>
             <a:r>
-              <a:rPr lang="en-US" altLang="zh-CN" sz="1000" dirty="0" smtClean="0">
+              <a:rPr lang="en-US" altLang="zh-CN" sz="1000" dirty="0">
                 <a:latin typeface="Times New Roman" pitchFamily="18" charset="0"/>
                 <a:ea typeface="微软雅黑" pitchFamily="34" charset="-122"/>
                 <a:cs typeface="Times New Roman" pitchFamily="18" charset="0"/>
@@ -1169,7 +1168,7 @@
               <a:t>Fabric</a:t>
             </a:r>
             <a:r>
-              <a:rPr lang="zh-CN" altLang="en-US" sz="1000" dirty="0" smtClean="0">
+              <a:rPr lang="zh-CN" altLang="en-US" sz="1000" dirty="0">
                 <a:latin typeface="Times New Roman" pitchFamily="18" charset="0"/>
                 <a:ea typeface="微软雅黑" pitchFamily="34" charset="-122"/>
                 <a:cs typeface="Times New Roman" pitchFamily="18" charset="0"/>
@@ -1177,7 +1176,7 @@
               <a:t>：对应一个交换网络，由一对网关组，加上一个</a:t>
             </a:r>
             <a:r>
-              <a:rPr lang="en-US" altLang="zh-CN" sz="1000" dirty="0" smtClean="0">
+              <a:rPr lang="en-US" altLang="zh-CN" sz="1000" dirty="0">
                 <a:latin typeface="Times New Roman" pitchFamily="18" charset="0"/>
                 <a:ea typeface="微软雅黑" pitchFamily="34" charset="-122"/>
                 <a:cs typeface="Times New Roman" pitchFamily="18" charset="0"/>
@@ -1185,7 +1184,7 @@
               <a:t>Spine-Leaf</a:t>
             </a:r>
             <a:r>
-              <a:rPr lang="zh-CN" altLang="en-US" sz="1000" dirty="0" smtClean="0">
+              <a:rPr lang="zh-CN" altLang="en-US" sz="1000" dirty="0">
                 <a:latin typeface="Times New Roman" pitchFamily="18" charset="0"/>
                 <a:ea typeface="微软雅黑" pitchFamily="34" charset="-122"/>
                 <a:cs typeface="Times New Roman" pitchFamily="18" charset="0"/>
@@ -1193,14 +1192,14 @@
               <a:t>网络组成</a:t>
             </a:r>
             <a:r>
-              <a:rPr lang="zh-CN" altLang="zh-CN" sz="1000" dirty="0" smtClean="0">
+              <a:rPr lang="zh-CN" altLang="zh-CN" sz="1000" dirty="0">
                 <a:latin typeface="Times New Roman" pitchFamily="18" charset="0"/>
                 <a:ea typeface="微软雅黑" pitchFamily="34" charset="-122"/>
                 <a:cs typeface="Times New Roman" pitchFamily="18" charset="0"/>
               </a:rPr>
               <a:t>。</a:t>
             </a:r>
-            <a:endParaRPr lang="en-US" altLang="zh-CN" sz="1000" dirty="0" smtClean="0">
+            <a:endParaRPr lang="en-US" altLang="zh-CN" sz="1000" dirty="0">
               <a:latin typeface="Times New Roman" pitchFamily="18" charset="0"/>
               <a:ea typeface="微软雅黑" pitchFamily="34" charset="-122"/>
               <a:cs typeface="Times New Roman" pitchFamily="18" charset="0"/>
@@ -1219,7 +1218,7 @@
               <a:defRPr/>
             </a:pPr>
             <a:r>
-              <a:rPr lang="zh-CN" altLang="en-US" sz="1000" dirty="0" smtClean="0">
+              <a:rPr lang="zh-CN" altLang="en-US" sz="1000" dirty="0">
                 <a:latin typeface="Times New Roman" pitchFamily="18" charset="0"/>
                 <a:ea typeface="微软雅黑" pitchFamily="34" charset="-122"/>
                 <a:cs typeface="Times New Roman" pitchFamily="18" charset="0"/>
@@ -1227,7 +1226,7 @@
               <a:t>网关组：由一对网关交换机、一对防火墙、一对负载均衡设备构成。网关交换机</a:t>
             </a:r>
             <a:r>
-              <a:rPr lang="en-US" altLang="zh-CN" sz="1000" dirty="0" smtClean="0">
+              <a:rPr lang="en-US" altLang="zh-CN" sz="1000" dirty="0">
                 <a:latin typeface="Times New Roman" pitchFamily="18" charset="0"/>
                 <a:ea typeface="微软雅黑" pitchFamily="34" charset="-122"/>
                 <a:cs typeface="Times New Roman" pitchFamily="18" charset="0"/>
@@ -1235,7 +1234,7 @@
               <a:t>1</a:t>
             </a:r>
             <a:r>
-              <a:rPr lang="zh-CN" altLang="en-US" sz="1000" dirty="0" smtClean="0">
+              <a:rPr lang="zh-CN" altLang="en-US" sz="1000" dirty="0">
                 <a:latin typeface="Times New Roman" pitchFamily="18" charset="0"/>
                 <a:ea typeface="微软雅黑" pitchFamily="34" charset="-122"/>
                 <a:cs typeface="Times New Roman" pitchFamily="18" charset="0"/>
@@ -1243,7 +1242,7 @@
               <a:t>：</a:t>
             </a:r>
             <a:r>
-              <a:rPr lang="en-US" altLang="zh-CN" sz="1000" dirty="0" smtClean="0">
+              <a:rPr lang="en-US" altLang="zh-CN" sz="1000" dirty="0">
                 <a:latin typeface="Times New Roman" pitchFamily="18" charset="0"/>
                 <a:ea typeface="微软雅黑" pitchFamily="34" charset="-122"/>
                 <a:cs typeface="Times New Roman" pitchFamily="18" charset="0"/>
@@ -1251,7 +1250,7 @@
               <a:t>2</a:t>
             </a:r>
             <a:r>
-              <a:rPr lang="zh-CN" altLang="en-US" sz="1000" dirty="0" smtClean="0">
+              <a:rPr lang="zh-CN" altLang="en-US" sz="1000" dirty="0">
                 <a:latin typeface="Times New Roman" pitchFamily="18" charset="0"/>
                 <a:ea typeface="微软雅黑" pitchFamily="34" charset="-122"/>
                 <a:cs typeface="Times New Roman" pitchFamily="18" charset="0"/>
@@ -1259,7 +1258,7 @@
               <a:t>虚拟化</a:t>
             </a:r>
             <a:r>
-              <a:rPr lang="en-US" altLang="zh-CN" sz="1000" dirty="0" smtClean="0">
+              <a:rPr lang="en-US" altLang="zh-CN" sz="1000" dirty="0">
                 <a:latin typeface="Times New Roman" pitchFamily="18" charset="0"/>
                 <a:ea typeface="微软雅黑" pitchFamily="34" charset="-122"/>
                 <a:cs typeface="Times New Roman" pitchFamily="18" charset="0"/>
@@ -1267,7 +1266,7 @@
               <a:t>VS1</a:t>
             </a:r>
             <a:r>
-              <a:rPr lang="zh-CN" altLang="en-US" sz="1000" dirty="0" smtClean="0">
+              <a:rPr lang="zh-CN" altLang="en-US" sz="1000" dirty="0">
                 <a:latin typeface="Times New Roman" pitchFamily="18" charset="0"/>
                 <a:ea typeface="微软雅黑" pitchFamily="34" charset="-122"/>
                 <a:cs typeface="Times New Roman" pitchFamily="18" charset="0"/>
@@ -1275,7 +1274,7 @@
               <a:t>、</a:t>
             </a:r>
             <a:r>
-              <a:rPr lang="en-US" altLang="zh-CN" sz="1000" dirty="0" smtClean="0">
+              <a:rPr lang="en-US" altLang="zh-CN" sz="1000" dirty="0">
                 <a:latin typeface="Times New Roman" pitchFamily="18" charset="0"/>
                 <a:ea typeface="微软雅黑" pitchFamily="34" charset="-122"/>
                 <a:cs typeface="Times New Roman" pitchFamily="18" charset="0"/>
@@ -1283,7 +1282,7 @@
               <a:t>VS2</a:t>
             </a:r>
             <a:r>
-              <a:rPr lang="zh-CN" altLang="en-US" sz="1000" dirty="0" smtClean="0">
+              <a:rPr lang="zh-CN" altLang="en-US" sz="1000" dirty="0">
                 <a:latin typeface="Times New Roman" pitchFamily="18" charset="0"/>
                 <a:ea typeface="微软雅黑" pitchFamily="34" charset="-122"/>
                 <a:cs typeface="Times New Roman" pitchFamily="18" charset="0"/>
@@ -1291,7 +1290,7 @@
               <a:t>，两个</a:t>
             </a:r>
             <a:r>
-              <a:rPr lang="en-US" altLang="zh-CN" sz="1000" dirty="0" smtClean="0">
+              <a:rPr lang="en-US" altLang="zh-CN" sz="1000" dirty="0">
                 <a:latin typeface="Times New Roman" pitchFamily="18" charset="0"/>
                 <a:ea typeface="微软雅黑" pitchFamily="34" charset="-122"/>
                 <a:cs typeface="Times New Roman" pitchFamily="18" charset="0"/>
@@ -1299,7 +1298,7 @@
               <a:t>VS1</a:t>
             </a:r>
             <a:r>
-              <a:rPr lang="zh-CN" altLang="en-US" sz="1000" dirty="0" smtClean="0">
+              <a:rPr lang="zh-CN" altLang="en-US" sz="1000" dirty="0">
                 <a:latin typeface="Times New Roman" pitchFamily="18" charset="0"/>
                 <a:ea typeface="微软雅黑" pitchFamily="34" charset="-122"/>
                 <a:cs typeface="Times New Roman" pitchFamily="18" charset="0"/>
@@ -1307,7 +1306,7 @@
               <a:t>作为</a:t>
             </a:r>
             <a:r>
-              <a:rPr lang="en-US" altLang="zh-CN" sz="1000" dirty="0" smtClean="0">
+              <a:rPr lang="en-US" altLang="zh-CN" sz="1000" dirty="0">
                 <a:latin typeface="Times New Roman" pitchFamily="18" charset="0"/>
                 <a:ea typeface="微软雅黑" pitchFamily="34" charset="-122"/>
                 <a:cs typeface="Times New Roman" pitchFamily="18" charset="0"/>
@@ -1315,7 +1314,7 @@
               <a:t>VXLAN</a:t>
             </a:r>
             <a:r>
-              <a:rPr lang="zh-CN" altLang="en-US" sz="1000" dirty="0" smtClean="0">
+              <a:rPr lang="zh-CN" altLang="en-US" sz="1000" dirty="0">
                 <a:latin typeface="Times New Roman" pitchFamily="18" charset="0"/>
                 <a:ea typeface="微软雅黑" pitchFamily="34" charset="-122"/>
                 <a:cs typeface="Times New Roman" pitchFamily="18" charset="0"/>
@@ -1323,7 +1322,7 @@
               <a:t>双活，部署</a:t>
             </a:r>
             <a:r>
-              <a:rPr lang="en-US" altLang="zh-CN" sz="1000" dirty="0" smtClean="0">
+              <a:rPr lang="en-US" altLang="zh-CN" sz="1000" dirty="0">
                 <a:latin typeface="Times New Roman" pitchFamily="18" charset="0"/>
                 <a:ea typeface="微软雅黑" pitchFamily="34" charset="-122"/>
                 <a:cs typeface="Times New Roman" pitchFamily="18" charset="0"/>
@@ -1331,7 +1330,7 @@
               <a:t>M-LAG</a:t>
             </a:r>
             <a:r>
-              <a:rPr lang="zh-CN" altLang="en-US" sz="1000" dirty="0" smtClean="0">
+              <a:rPr lang="zh-CN" altLang="en-US" sz="1000" dirty="0">
                 <a:latin typeface="Times New Roman" pitchFamily="18" charset="0"/>
                 <a:ea typeface="微软雅黑" pitchFamily="34" charset="-122"/>
                 <a:cs typeface="Times New Roman" pitchFamily="18" charset="0"/>
@@ -1339,7 +1338,7 @@
               <a:t>。防火墙串接在</a:t>
             </a:r>
             <a:r>
-              <a:rPr lang="en-US" altLang="zh-CN" sz="1000" dirty="0" smtClean="0">
+              <a:rPr lang="en-US" altLang="zh-CN" sz="1000" dirty="0">
                 <a:latin typeface="Times New Roman" pitchFamily="18" charset="0"/>
                 <a:ea typeface="微软雅黑" pitchFamily="34" charset="-122"/>
                 <a:cs typeface="Times New Roman" pitchFamily="18" charset="0"/>
@@ -1347,7 +1346,7 @@
               <a:t>VS1</a:t>
             </a:r>
             <a:r>
-              <a:rPr lang="zh-CN" altLang="en-US" sz="1000" dirty="0" smtClean="0">
+              <a:rPr lang="zh-CN" altLang="en-US" sz="1000" dirty="0">
                 <a:latin typeface="Times New Roman" pitchFamily="18" charset="0"/>
                 <a:ea typeface="微软雅黑" pitchFamily="34" charset="-122"/>
                 <a:cs typeface="Times New Roman" pitchFamily="18" charset="0"/>
@@ -1355,7 +1354,7 @@
               <a:t>、</a:t>
             </a:r>
             <a:r>
-              <a:rPr lang="en-US" altLang="zh-CN" sz="1000" dirty="0" smtClean="0">
+              <a:rPr lang="en-US" altLang="zh-CN" sz="1000" dirty="0">
                 <a:latin typeface="Times New Roman" pitchFamily="18" charset="0"/>
                 <a:ea typeface="微软雅黑" pitchFamily="34" charset="-122"/>
                 <a:cs typeface="Times New Roman" pitchFamily="18" charset="0"/>
@@ -1363,7 +1362,7 @@
               <a:t>VS2</a:t>
             </a:r>
             <a:r>
-              <a:rPr lang="zh-CN" altLang="en-US" sz="1000" dirty="0" smtClean="0">
+              <a:rPr lang="zh-CN" altLang="en-US" sz="1000" dirty="0">
                 <a:latin typeface="Times New Roman" pitchFamily="18" charset="0"/>
                 <a:ea typeface="微软雅黑" pitchFamily="34" charset="-122"/>
                 <a:cs typeface="Times New Roman" pitchFamily="18" charset="0"/>
@@ -1371,7 +1370,7 @@
               <a:t>之间，彼此运行静态路由。</a:t>
             </a:r>
             <a:r>
-              <a:rPr lang="en-US" altLang="zh-CN" sz="1000" dirty="0" smtClean="0">
+              <a:rPr lang="en-US" altLang="zh-CN" sz="1000" dirty="0">
                 <a:latin typeface="Times New Roman" pitchFamily="18" charset="0"/>
                 <a:ea typeface="微软雅黑" pitchFamily="34" charset="-122"/>
                 <a:cs typeface="Times New Roman" pitchFamily="18" charset="0"/>
@@ -1379,7 +1378,7 @@
               <a:t>VS2</a:t>
             </a:r>
             <a:r>
-              <a:rPr lang="zh-CN" altLang="en-US" sz="1000" dirty="0" smtClean="0">
+              <a:rPr lang="zh-CN" altLang="en-US" sz="1000" dirty="0">
                 <a:latin typeface="Times New Roman" pitchFamily="18" charset="0"/>
                 <a:ea typeface="微软雅黑" pitchFamily="34" charset="-122"/>
                 <a:cs typeface="Times New Roman" pitchFamily="18" charset="0"/>
@@ -1387,7 +1386,7 @@
               <a:t>连接数据中心核心交换机。负载均衡与通过静态路由连接到两个</a:t>
             </a:r>
             <a:r>
-              <a:rPr lang="en-US" altLang="zh-CN" sz="1000" dirty="0" smtClean="0">
+              <a:rPr lang="en-US" altLang="zh-CN" sz="1000" dirty="0">
                 <a:latin typeface="Times New Roman" pitchFamily="18" charset="0"/>
                 <a:ea typeface="微软雅黑" pitchFamily="34" charset="-122"/>
                 <a:cs typeface="Times New Roman" pitchFamily="18" charset="0"/>
@@ -1395,7 +1394,7 @@
               <a:t>VS1</a:t>
             </a:r>
             <a:r>
-              <a:rPr lang="zh-CN" altLang="en-US" sz="1000" dirty="0" smtClean="0">
+              <a:rPr lang="zh-CN" altLang="en-US" sz="1000" dirty="0">
                 <a:latin typeface="Times New Roman" pitchFamily="18" charset="0"/>
                 <a:ea typeface="微软雅黑" pitchFamily="34" charset="-122"/>
                 <a:cs typeface="Times New Roman" pitchFamily="18" charset="0"/>
@@ -1403,7 +1402,7 @@
               <a:t>的一对</a:t>
             </a:r>
             <a:r>
-              <a:rPr lang="en-US" altLang="zh-CN" sz="1000" dirty="0" smtClean="0">
+              <a:rPr lang="en-US" altLang="zh-CN" sz="1000" dirty="0">
                 <a:latin typeface="Times New Roman" pitchFamily="18" charset="0"/>
                 <a:ea typeface="微软雅黑" pitchFamily="34" charset="-122"/>
                 <a:cs typeface="Times New Roman" pitchFamily="18" charset="0"/>
@@ -1411,14 +1410,14 @@
               <a:t>m-lag</a:t>
             </a:r>
             <a:r>
-              <a:rPr lang="zh-CN" altLang="en-US" sz="1000" dirty="0" smtClean="0">
+              <a:rPr lang="zh-CN" altLang="en-US" sz="1000" dirty="0">
                 <a:latin typeface="Times New Roman" pitchFamily="18" charset="0"/>
                 <a:ea typeface="微软雅黑" pitchFamily="34" charset="-122"/>
                 <a:cs typeface="Times New Roman" pitchFamily="18" charset="0"/>
               </a:rPr>
               <a:t>接口。</a:t>
             </a:r>
-            <a:endParaRPr lang="en-US" altLang="zh-CN" sz="1000" dirty="0" smtClean="0">
+            <a:endParaRPr lang="en-US" altLang="zh-CN" sz="1000" dirty="0">
               <a:latin typeface="Times New Roman" pitchFamily="18" charset="0"/>
               <a:ea typeface="微软雅黑" pitchFamily="34" charset="-122"/>
               <a:cs typeface="Times New Roman" pitchFamily="18" charset="0"/>
@@ -1437,7 +1436,7 @@
               <a:defRPr/>
             </a:pPr>
             <a:r>
-              <a:rPr lang="en-US" altLang="zh-CN" sz="1000" dirty="0" smtClean="0">
+              <a:rPr lang="en-US" altLang="zh-CN" sz="1000" dirty="0">
                 <a:latin typeface="Times New Roman" pitchFamily="18" charset="0"/>
                 <a:ea typeface="微软雅黑" pitchFamily="34" charset="-122"/>
                 <a:cs typeface="Times New Roman" pitchFamily="18" charset="0"/>
@@ -1445,7 +1444,7 @@
               <a:t>2</a:t>
             </a:r>
             <a:r>
-              <a:rPr lang="zh-CN" altLang="en-US" sz="1000" dirty="0" smtClean="0">
+              <a:rPr lang="zh-CN" altLang="en-US" sz="1000" dirty="0">
                 <a:latin typeface="Times New Roman" pitchFamily="18" charset="0"/>
                 <a:ea typeface="微软雅黑" pitchFamily="34" charset="-122"/>
                 <a:cs typeface="Times New Roman" pitchFamily="18" charset="0"/>
@@ -1453,7 +1452,7 @@
               <a:t>台</a:t>
             </a:r>
             <a:r>
-              <a:rPr lang="en-US" altLang="zh-CN" sz="1000" dirty="0" smtClean="0">
+              <a:rPr lang="en-US" altLang="zh-CN" sz="1000" dirty="0">
                 <a:latin typeface="Times New Roman" pitchFamily="18" charset="0"/>
                 <a:ea typeface="微软雅黑" pitchFamily="34" charset="-122"/>
                 <a:cs typeface="Times New Roman" pitchFamily="18" charset="0"/>
@@ -1461,14 +1460,14 @@
               <a:t>Spine</a:t>
             </a:r>
             <a:r>
-              <a:rPr lang="zh-CN" altLang="en-US" sz="1000" dirty="0" smtClean="0">
+              <a:rPr lang="zh-CN" altLang="en-US" sz="1000" dirty="0">
                 <a:latin typeface="Times New Roman" pitchFamily="18" charset="0"/>
                 <a:ea typeface="微软雅黑" pitchFamily="34" charset="-122"/>
                 <a:cs typeface="Times New Roman" pitchFamily="18" charset="0"/>
               </a:rPr>
               <a:t>交换机独立部署。</a:t>
             </a:r>
-            <a:endParaRPr lang="en-US" altLang="zh-CN" sz="1000" dirty="0" smtClean="0">
+            <a:endParaRPr lang="en-US" altLang="zh-CN" sz="1000" dirty="0">
               <a:latin typeface="Times New Roman" pitchFamily="18" charset="0"/>
               <a:ea typeface="微软雅黑" pitchFamily="34" charset="-122"/>
               <a:cs typeface="Times New Roman" pitchFamily="18" charset="0"/>
@@ -1487,7 +1486,7 @@
               <a:defRPr/>
             </a:pPr>
             <a:r>
-              <a:rPr lang="en-US" altLang="zh-CN" sz="1000" dirty="0" smtClean="0">
+              <a:rPr lang="en-US" altLang="zh-CN" sz="1000" dirty="0">
                 <a:latin typeface="Times New Roman" pitchFamily="18" charset="0"/>
                 <a:ea typeface="微软雅黑" pitchFamily="34" charset="-122"/>
                 <a:cs typeface="Times New Roman" pitchFamily="18" charset="0"/>
@@ -1495,7 +1494,7 @@
               <a:t>Leaf</a:t>
             </a:r>
             <a:r>
-              <a:rPr lang="zh-CN" altLang="en-US" sz="1000" dirty="0" smtClean="0">
+              <a:rPr lang="zh-CN" altLang="en-US" sz="1000" dirty="0">
                 <a:latin typeface="Times New Roman" pitchFamily="18" charset="0"/>
                 <a:ea typeface="微软雅黑" pitchFamily="34" charset="-122"/>
                 <a:cs typeface="Times New Roman" pitchFamily="18" charset="0"/>
@@ -1503,7 +1502,7 @@
               <a:t>交换机成对部署，</a:t>
             </a:r>
             <a:r>
-              <a:rPr lang="en-US" altLang="zh-CN" sz="1000" dirty="0" smtClean="0">
+              <a:rPr lang="en-US" altLang="zh-CN" sz="1000" dirty="0">
                 <a:latin typeface="Times New Roman" pitchFamily="18" charset="0"/>
                 <a:ea typeface="微软雅黑" pitchFamily="34" charset="-122"/>
                 <a:cs typeface="Times New Roman" pitchFamily="18" charset="0"/>
@@ -1511,7 +1510,7 @@
               <a:t>2</a:t>
             </a:r>
             <a:r>
-              <a:rPr lang="zh-CN" altLang="en-US" sz="1000" dirty="0" smtClean="0">
+              <a:rPr lang="zh-CN" altLang="en-US" sz="1000" dirty="0">
                 <a:latin typeface="Times New Roman" pitchFamily="18" charset="0"/>
                 <a:ea typeface="微软雅黑" pitchFamily="34" charset="-122"/>
                 <a:cs typeface="Times New Roman" pitchFamily="18" charset="0"/>
@@ -1519,7 +1518,7 @@
               <a:t>台</a:t>
             </a:r>
             <a:r>
-              <a:rPr lang="en-US" altLang="zh-CN" sz="1000" dirty="0" smtClean="0">
+              <a:rPr lang="en-US" altLang="zh-CN" sz="1000" dirty="0">
                 <a:latin typeface="Times New Roman" pitchFamily="18" charset="0"/>
                 <a:ea typeface="微软雅黑" pitchFamily="34" charset="-122"/>
                 <a:cs typeface="Times New Roman" pitchFamily="18" charset="0"/>
@@ -1527,7 +1526,7 @@
               <a:t>Leaf</a:t>
             </a:r>
             <a:r>
-              <a:rPr lang="zh-CN" altLang="en-US" sz="1000" dirty="0" smtClean="0">
+              <a:rPr lang="zh-CN" altLang="en-US" sz="1000" dirty="0">
                 <a:latin typeface="Times New Roman" pitchFamily="18" charset="0"/>
                 <a:ea typeface="微软雅黑" pitchFamily="34" charset="-122"/>
                 <a:cs typeface="Times New Roman" pitchFamily="18" charset="0"/>
@@ -1535,7 +1534,7 @@
               <a:t>之间运行</a:t>
             </a:r>
             <a:r>
-              <a:rPr lang="en-US" altLang="zh-CN" sz="1000" dirty="0" smtClean="0">
+              <a:rPr lang="en-US" altLang="zh-CN" sz="1000" dirty="0">
                 <a:latin typeface="Times New Roman" pitchFamily="18" charset="0"/>
                 <a:ea typeface="微软雅黑" pitchFamily="34" charset="-122"/>
                 <a:cs typeface="Times New Roman" pitchFamily="18" charset="0"/>
@@ -1543,14 +1542,14 @@
               <a:t>m-lag</a:t>
             </a:r>
             <a:r>
-              <a:rPr lang="zh-CN" altLang="en-US" sz="1000" dirty="0" smtClean="0">
+              <a:rPr lang="zh-CN" altLang="en-US" sz="1000" dirty="0">
                 <a:latin typeface="Times New Roman" pitchFamily="18" charset="0"/>
                 <a:ea typeface="微软雅黑" pitchFamily="34" charset="-122"/>
                 <a:cs typeface="Times New Roman" pitchFamily="18" charset="0"/>
               </a:rPr>
               <a:t>。</a:t>
             </a:r>
-            <a:endParaRPr lang="en-US" altLang="zh-CN" sz="1000" dirty="0" smtClean="0">
+            <a:endParaRPr lang="en-US" altLang="zh-CN" sz="1000" dirty="0">
               <a:latin typeface="Times New Roman" pitchFamily="18" charset="0"/>
               <a:ea typeface="微软雅黑" pitchFamily="34" charset="-122"/>
               <a:cs typeface="Times New Roman" pitchFamily="18" charset="0"/>
@@ -1569,7 +1568,7 @@
               <a:defRPr/>
             </a:pPr>
             <a:r>
-              <a:rPr lang="zh-CN" altLang="en-US" sz="1000" dirty="0" smtClean="0">
+              <a:rPr lang="zh-CN" altLang="en-US" sz="1000" dirty="0">
                 <a:latin typeface="Times New Roman" pitchFamily="18" charset="0"/>
                 <a:ea typeface="微软雅黑" pitchFamily="34" charset="-122"/>
                 <a:cs typeface="Times New Roman" pitchFamily="18" charset="0"/>
@@ -1577,7 +1576,7 @@
               <a:t>服务器网卡主备或双活接入</a:t>
             </a:r>
             <a:r>
-              <a:rPr lang="en-US" altLang="zh-CN" sz="1000" dirty="0" smtClean="0">
+              <a:rPr lang="en-US" altLang="zh-CN" sz="1000" dirty="0">
                 <a:latin typeface="Times New Roman" pitchFamily="18" charset="0"/>
                 <a:ea typeface="微软雅黑" pitchFamily="34" charset="-122"/>
                 <a:cs typeface="Times New Roman" pitchFamily="18" charset="0"/>
@@ -1585,7 +1584,7 @@
               <a:t>1</a:t>
             </a:r>
             <a:r>
-              <a:rPr lang="zh-CN" altLang="en-US" sz="1000" dirty="0" smtClean="0">
+              <a:rPr lang="zh-CN" altLang="en-US" sz="1000" dirty="0">
                 <a:latin typeface="Times New Roman" pitchFamily="18" charset="0"/>
                 <a:ea typeface="微软雅黑" pitchFamily="34" charset="-122"/>
                 <a:cs typeface="Times New Roman" pitchFamily="18" charset="0"/>
@@ -1593,7 +1592,7 @@
               <a:t>对</a:t>
             </a:r>
             <a:r>
-              <a:rPr lang="en-US" altLang="zh-CN" sz="1000" dirty="0" smtClean="0">
+              <a:rPr lang="en-US" altLang="zh-CN" sz="1000" dirty="0">
                 <a:latin typeface="Times New Roman" pitchFamily="18" charset="0"/>
                 <a:ea typeface="微软雅黑" pitchFamily="34" charset="-122"/>
                 <a:cs typeface="Times New Roman" pitchFamily="18" charset="0"/>
@@ -1601,21 +1600,21 @@
               <a:t>Leaf</a:t>
             </a:r>
             <a:r>
-              <a:rPr lang="zh-CN" altLang="en-US" sz="1000" dirty="0" smtClean="0">
+              <a:rPr lang="zh-CN" altLang="en-US" sz="1000" dirty="0">
                 <a:latin typeface="Times New Roman" pitchFamily="18" charset="0"/>
                 <a:ea typeface="微软雅黑" pitchFamily="34" charset="-122"/>
                 <a:cs typeface="Times New Roman" pitchFamily="18" charset="0"/>
               </a:rPr>
               <a:t>交换机。</a:t>
             </a:r>
-            <a:endParaRPr lang="en-US" altLang="zh-CN" sz="1000" dirty="0" smtClean="0">
+            <a:endParaRPr lang="en-US" altLang="zh-CN" sz="1000" dirty="0">
               <a:latin typeface="Times New Roman" pitchFamily="18" charset="0"/>
               <a:ea typeface="微软雅黑" pitchFamily="34" charset="-122"/>
               <a:cs typeface="Times New Roman" pitchFamily="18" charset="0"/>
             </a:endParaRPr>
           </a:p>
           <a:p>
-            <a:endParaRPr lang="zh-CN" altLang="en-US" dirty="0" smtClean="0"/>
+            <a:endParaRPr lang="zh-CN" altLang="en-US" dirty="0"/>
           </a:p>
         </p:txBody>
       </p:sp>
@@ -1641,7 +1640,7 @@
               <a:pPr/>
               <a:t>2</a:t>
             </a:fld>
-            <a:endParaRPr lang="zh-CN" altLang="en-US" smtClean="0"/>
+            <a:endParaRPr lang="zh-CN" altLang="en-US"/>
           </a:p>
         </p:txBody>
       </p:sp>
@@ -1703,14 +1702,13 @@
           <a:lstStyle/>
           <a:p>
             <a:r>
-              <a:rPr kumimoji="1" lang="zh-CN" altLang="en-US" dirty="0" smtClean="0"/>
+              <a:rPr kumimoji="1" lang="zh-CN" altLang="en-US" dirty="0"/>
               <a:t>可以实现设备的批量配置，也可以</a:t>
             </a:r>
             <a:r>
-              <a:rPr kumimoji="1" lang="zh-CN" altLang="en-US" smtClean="0"/>
+              <a:rPr kumimoji="1" lang="zh-CN" altLang="en-US"/>
               <a:t>实现对单一设备的操作</a:t>
             </a:r>
-            <a:endParaRPr kumimoji="1" lang="zh-CN" altLang="en-US"/>
           </a:p>
         </p:txBody>
       </p:sp>
@@ -1816,7 +1814,7 @@
               <a:defRPr/>
             </a:pPr>
             <a:r>
-              <a:rPr lang="zh-CN" altLang="en-US" sz="1000" b="1" dirty="0" smtClean="0">
+              <a:rPr lang="zh-CN" altLang="en-US" sz="1000" b="1" dirty="0">
                 <a:solidFill>
                   <a:srgbClr val="FF0000"/>
                 </a:solidFill>
@@ -1826,7 +1824,7 @@
               </a:rPr>
               <a:t>架构组件：</a:t>
             </a:r>
-            <a:endParaRPr lang="en-US" altLang="zh-CN" sz="1000" b="1" dirty="0" smtClean="0">
+            <a:endParaRPr lang="en-US" altLang="zh-CN" sz="1000" b="1" dirty="0">
               <a:solidFill>
                 <a:srgbClr val="FF0000"/>
               </a:solidFill>
@@ -1848,7 +1846,7 @@
               <a:defRPr/>
             </a:pPr>
             <a:r>
-              <a:rPr lang="en-US" altLang="zh-CN" sz="1000" dirty="0" smtClean="0">
+              <a:rPr lang="en-US" altLang="zh-CN" sz="1000" dirty="0">
                 <a:latin typeface="Times New Roman" pitchFamily="18" charset="0"/>
                 <a:ea typeface="微软雅黑" pitchFamily="34" charset="-122"/>
                 <a:cs typeface="Times New Roman" pitchFamily="18" charset="0"/>
@@ -1856,7 +1854,7 @@
               <a:t>Fabric</a:t>
             </a:r>
             <a:r>
-              <a:rPr lang="zh-CN" altLang="en-US" sz="1000" dirty="0" smtClean="0">
+              <a:rPr lang="zh-CN" altLang="en-US" sz="1000" dirty="0">
                 <a:latin typeface="Times New Roman" pitchFamily="18" charset="0"/>
                 <a:ea typeface="微软雅黑" pitchFamily="34" charset="-122"/>
                 <a:cs typeface="Times New Roman" pitchFamily="18" charset="0"/>
@@ -1864,7 +1862,7 @@
               <a:t>：对应一个交换网络，由一对网关组，加上一个</a:t>
             </a:r>
             <a:r>
-              <a:rPr lang="en-US" altLang="zh-CN" sz="1000" dirty="0" smtClean="0">
+              <a:rPr lang="en-US" altLang="zh-CN" sz="1000" dirty="0">
                 <a:latin typeface="Times New Roman" pitchFamily="18" charset="0"/>
                 <a:ea typeface="微软雅黑" pitchFamily="34" charset="-122"/>
                 <a:cs typeface="Times New Roman" pitchFamily="18" charset="0"/>
@@ -1872,7 +1870,7 @@
               <a:t>Spine-Leaf</a:t>
             </a:r>
             <a:r>
-              <a:rPr lang="zh-CN" altLang="en-US" sz="1000" dirty="0" smtClean="0">
+              <a:rPr lang="zh-CN" altLang="en-US" sz="1000" dirty="0">
                 <a:latin typeface="Times New Roman" pitchFamily="18" charset="0"/>
                 <a:ea typeface="微软雅黑" pitchFamily="34" charset="-122"/>
                 <a:cs typeface="Times New Roman" pitchFamily="18" charset="0"/>
@@ -1880,14 +1878,14 @@
               <a:t>网络组成</a:t>
             </a:r>
             <a:r>
-              <a:rPr lang="zh-CN" altLang="zh-CN" sz="1000" dirty="0" smtClean="0">
+              <a:rPr lang="zh-CN" altLang="zh-CN" sz="1000" dirty="0">
                 <a:latin typeface="Times New Roman" pitchFamily="18" charset="0"/>
                 <a:ea typeface="微软雅黑" pitchFamily="34" charset="-122"/>
                 <a:cs typeface="Times New Roman" pitchFamily="18" charset="0"/>
               </a:rPr>
               <a:t>。</a:t>
             </a:r>
-            <a:endParaRPr lang="en-US" altLang="zh-CN" sz="1000" dirty="0" smtClean="0">
+            <a:endParaRPr lang="en-US" altLang="zh-CN" sz="1000" dirty="0">
               <a:latin typeface="Times New Roman" pitchFamily="18" charset="0"/>
               <a:ea typeface="微软雅黑" pitchFamily="34" charset="-122"/>
               <a:cs typeface="Times New Roman" pitchFamily="18" charset="0"/>
@@ -1906,7 +1904,7 @@
               <a:defRPr/>
             </a:pPr>
             <a:r>
-              <a:rPr lang="zh-CN" altLang="en-US" sz="1000" dirty="0" smtClean="0">
+              <a:rPr lang="zh-CN" altLang="en-US" sz="1000" dirty="0">
                 <a:latin typeface="Times New Roman" pitchFamily="18" charset="0"/>
                 <a:ea typeface="微软雅黑" pitchFamily="34" charset="-122"/>
                 <a:cs typeface="Times New Roman" pitchFamily="18" charset="0"/>
@@ -1914,7 +1912,7 @@
               <a:t>网关组：由一对网关交换机、一对防火墙、一对负载均衡设备构成。网关交换机</a:t>
             </a:r>
             <a:r>
-              <a:rPr lang="en-US" altLang="zh-CN" sz="1000" dirty="0" smtClean="0">
+              <a:rPr lang="en-US" altLang="zh-CN" sz="1000" dirty="0">
                 <a:latin typeface="Times New Roman" pitchFamily="18" charset="0"/>
                 <a:ea typeface="微软雅黑" pitchFamily="34" charset="-122"/>
                 <a:cs typeface="Times New Roman" pitchFamily="18" charset="0"/>
@@ -1922,7 +1920,7 @@
               <a:t>1</a:t>
             </a:r>
             <a:r>
-              <a:rPr lang="zh-CN" altLang="en-US" sz="1000" dirty="0" smtClean="0">
+              <a:rPr lang="zh-CN" altLang="en-US" sz="1000" dirty="0">
                 <a:latin typeface="Times New Roman" pitchFamily="18" charset="0"/>
                 <a:ea typeface="微软雅黑" pitchFamily="34" charset="-122"/>
                 <a:cs typeface="Times New Roman" pitchFamily="18" charset="0"/>
@@ -1930,7 +1928,7 @@
               <a:t>：</a:t>
             </a:r>
             <a:r>
-              <a:rPr lang="en-US" altLang="zh-CN" sz="1000" dirty="0" smtClean="0">
+              <a:rPr lang="en-US" altLang="zh-CN" sz="1000" dirty="0">
                 <a:latin typeface="Times New Roman" pitchFamily="18" charset="0"/>
                 <a:ea typeface="微软雅黑" pitchFamily="34" charset="-122"/>
                 <a:cs typeface="Times New Roman" pitchFamily="18" charset="0"/>
@@ -1938,7 +1936,7 @@
               <a:t>2</a:t>
             </a:r>
             <a:r>
-              <a:rPr lang="zh-CN" altLang="en-US" sz="1000" dirty="0" smtClean="0">
+              <a:rPr lang="zh-CN" altLang="en-US" sz="1000" dirty="0">
                 <a:latin typeface="Times New Roman" pitchFamily="18" charset="0"/>
                 <a:ea typeface="微软雅黑" pitchFamily="34" charset="-122"/>
                 <a:cs typeface="Times New Roman" pitchFamily="18" charset="0"/>
@@ -1946,7 +1944,7 @@
               <a:t>虚拟化</a:t>
             </a:r>
             <a:r>
-              <a:rPr lang="en-US" altLang="zh-CN" sz="1000" dirty="0" smtClean="0">
+              <a:rPr lang="en-US" altLang="zh-CN" sz="1000" dirty="0">
                 <a:latin typeface="Times New Roman" pitchFamily="18" charset="0"/>
                 <a:ea typeface="微软雅黑" pitchFamily="34" charset="-122"/>
                 <a:cs typeface="Times New Roman" pitchFamily="18" charset="0"/>
@@ -1954,7 +1952,7 @@
               <a:t>VS1</a:t>
             </a:r>
             <a:r>
-              <a:rPr lang="zh-CN" altLang="en-US" sz="1000" dirty="0" smtClean="0">
+              <a:rPr lang="zh-CN" altLang="en-US" sz="1000" dirty="0">
                 <a:latin typeface="Times New Roman" pitchFamily="18" charset="0"/>
                 <a:ea typeface="微软雅黑" pitchFamily="34" charset="-122"/>
                 <a:cs typeface="Times New Roman" pitchFamily="18" charset="0"/>
@@ -1962,7 +1960,7 @@
               <a:t>、</a:t>
             </a:r>
             <a:r>
-              <a:rPr lang="en-US" altLang="zh-CN" sz="1000" dirty="0" smtClean="0">
+              <a:rPr lang="en-US" altLang="zh-CN" sz="1000" dirty="0">
                 <a:latin typeface="Times New Roman" pitchFamily="18" charset="0"/>
                 <a:ea typeface="微软雅黑" pitchFamily="34" charset="-122"/>
                 <a:cs typeface="Times New Roman" pitchFamily="18" charset="0"/>
@@ -1970,7 +1968,7 @@
               <a:t>VS2</a:t>
             </a:r>
             <a:r>
-              <a:rPr lang="zh-CN" altLang="en-US" sz="1000" dirty="0" smtClean="0">
+              <a:rPr lang="zh-CN" altLang="en-US" sz="1000" dirty="0">
                 <a:latin typeface="Times New Roman" pitchFamily="18" charset="0"/>
                 <a:ea typeface="微软雅黑" pitchFamily="34" charset="-122"/>
                 <a:cs typeface="Times New Roman" pitchFamily="18" charset="0"/>
@@ -1978,7 +1976,7 @@
               <a:t>，两个</a:t>
             </a:r>
             <a:r>
-              <a:rPr lang="en-US" altLang="zh-CN" sz="1000" dirty="0" smtClean="0">
+              <a:rPr lang="en-US" altLang="zh-CN" sz="1000" dirty="0">
                 <a:latin typeface="Times New Roman" pitchFamily="18" charset="0"/>
                 <a:ea typeface="微软雅黑" pitchFamily="34" charset="-122"/>
                 <a:cs typeface="Times New Roman" pitchFamily="18" charset="0"/>
@@ -1986,7 +1984,7 @@
               <a:t>VS1</a:t>
             </a:r>
             <a:r>
-              <a:rPr lang="zh-CN" altLang="en-US" sz="1000" dirty="0" smtClean="0">
+              <a:rPr lang="zh-CN" altLang="en-US" sz="1000" dirty="0">
                 <a:latin typeface="Times New Roman" pitchFamily="18" charset="0"/>
                 <a:ea typeface="微软雅黑" pitchFamily="34" charset="-122"/>
                 <a:cs typeface="Times New Roman" pitchFamily="18" charset="0"/>
@@ -1994,7 +1992,7 @@
               <a:t>作为</a:t>
             </a:r>
             <a:r>
-              <a:rPr lang="en-US" altLang="zh-CN" sz="1000" dirty="0" smtClean="0">
+              <a:rPr lang="en-US" altLang="zh-CN" sz="1000" dirty="0">
                 <a:latin typeface="Times New Roman" pitchFamily="18" charset="0"/>
                 <a:ea typeface="微软雅黑" pitchFamily="34" charset="-122"/>
                 <a:cs typeface="Times New Roman" pitchFamily="18" charset="0"/>
@@ -2002,7 +2000,7 @@
               <a:t>VXLAN</a:t>
             </a:r>
             <a:r>
-              <a:rPr lang="zh-CN" altLang="en-US" sz="1000" dirty="0" smtClean="0">
+              <a:rPr lang="zh-CN" altLang="en-US" sz="1000" dirty="0">
                 <a:latin typeface="Times New Roman" pitchFamily="18" charset="0"/>
                 <a:ea typeface="微软雅黑" pitchFamily="34" charset="-122"/>
                 <a:cs typeface="Times New Roman" pitchFamily="18" charset="0"/>
@@ -2010,7 +2008,7 @@
               <a:t>双活，部署</a:t>
             </a:r>
             <a:r>
-              <a:rPr lang="en-US" altLang="zh-CN" sz="1000" dirty="0" smtClean="0">
+              <a:rPr lang="en-US" altLang="zh-CN" sz="1000" dirty="0">
                 <a:latin typeface="Times New Roman" pitchFamily="18" charset="0"/>
                 <a:ea typeface="微软雅黑" pitchFamily="34" charset="-122"/>
                 <a:cs typeface="Times New Roman" pitchFamily="18" charset="0"/>
@@ -2018,7 +2016,7 @@
               <a:t>M-LAG</a:t>
             </a:r>
             <a:r>
-              <a:rPr lang="zh-CN" altLang="en-US" sz="1000" dirty="0" smtClean="0">
+              <a:rPr lang="zh-CN" altLang="en-US" sz="1000" dirty="0">
                 <a:latin typeface="Times New Roman" pitchFamily="18" charset="0"/>
                 <a:ea typeface="微软雅黑" pitchFamily="34" charset="-122"/>
                 <a:cs typeface="Times New Roman" pitchFamily="18" charset="0"/>
@@ -2026,7 +2024,7 @@
               <a:t>。防火墙串接在</a:t>
             </a:r>
             <a:r>
-              <a:rPr lang="en-US" altLang="zh-CN" sz="1000" dirty="0" smtClean="0">
+              <a:rPr lang="en-US" altLang="zh-CN" sz="1000" dirty="0">
                 <a:latin typeface="Times New Roman" pitchFamily="18" charset="0"/>
                 <a:ea typeface="微软雅黑" pitchFamily="34" charset="-122"/>
                 <a:cs typeface="Times New Roman" pitchFamily="18" charset="0"/>
@@ -2034,7 +2032,7 @@
               <a:t>VS1</a:t>
             </a:r>
             <a:r>
-              <a:rPr lang="zh-CN" altLang="en-US" sz="1000" dirty="0" smtClean="0">
+              <a:rPr lang="zh-CN" altLang="en-US" sz="1000" dirty="0">
                 <a:latin typeface="Times New Roman" pitchFamily="18" charset="0"/>
                 <a:ea typeface="微软雅黑" pitchFamily="34" charset="-122"/>
                 <a:cs typeface="Times New Roman" pitchFamily="18" charset="0"/>
@@ -2042,7 +2040,7 @@
               <a:t>、</a:t>
             </a:r>
             <a:r>
-              <a:rPr lang="en-US" altLang="zh-CN" sz="1000" dirty="0" smtClean="0">
+              <a:rPr lang="en-US" altLang="zh-CN" sz="1000" dirty="0">
                 <a:latin typeface="Times New Roman" pitchFamily="18" charset="0"/>
                 <a:ea typeface="微软雅黑" pitchFamily="34" charset="-122"/>
                 <a:cs typeface="Times New Roman" pitchFamily="18" charset="0"/>
@@ -2050,7 +2048,7 @@
               <a:t>VS2</a:t>
             </a:r>
             <a:r>
-              <a:rPr lang="zh-CN" altLang="en-US" sz="1000" dirty="0" smtClean="0">
+              <a:rPr lang="zh-CN" altLang="en-US" sz="1000" dirty="0">
                 <a:latin typeface="Times New Roman" pitchFamily="18" charset="0"/>
                 <a:ea typeface="微软雅黑" pitchFamily="34" charset="-122"/>
                 <a:cs typeface="Times New Roman" pitchFamily="18" charset="0"/>
@@ -2058,7 +2056,7 @@
               <a:t>之间，彼此运行静态路由。</a:t>
             </a:r>
             <a:r>
-              <a:rPr lang="en-US" altLang="zh-CN" sz="1000" dirty="0" smtClean="0">
+              <a:rPr lang="en-US" altLang="zh-CN" sz="1000" dirty="0">
                 <a:latin typeface="Times New Roman" pitchFamily="18" charset="0"/>
                 <a:ea typeface="微软雅黑" pitchFamily="34" charset="-122"/>
                 <a:cs typeface="Times New Roman" pitchFamily="18" charset="0"/>
@@ -2066,7 +2064,7 @@
               <a:t>VS2</a:t>
             </a:r>
             <a:r>
-              <a:rPr lang="zh-CN" altLang="en-US" sz="1000" dirty="0" smtClean="0">
+              <a:rPr lang="zh-CN" altLang="en-US" sz="1000" dirty="0">
                 <a:latin typeface="Times New Roman" pitchFamily="18" charset="0"/>
                 <a:ea typeface="微软雅黑" pitchFamily="34" charset="-122"/>
                 <a:cs typeface="Times New Roman" pitchFamily="18" charset="0"/>
@@ -2074,7 +2072,7 @@
               <a:t>连接数据中心核心交换机。负载均衡与通过静态路由连接到两个</a:t>
             </a:r>
             <a:r>
-              <a:rPr lang="en-US" altLang="zh-CN" sz="1000" dirty="0" smtClean="0">
+              <a:rPr lang="en-US" altLang="zh-CN" sz="1000" dirty="0">
                 <a:latin typeface="Times New Roman" pitchFamily="18" charset="0"/>
                 <a:ea typeface="微软雅黑" pitchFamily="34" charset="-122"/>
                 <a:cs typeface="Times New Roman" pitchFamily="18" charset="0"/>
@@ -2082,7 +2080,7 @@
               <a:t>VS1</a:t>
             </a:r>
             <a:r>
-              <a:rPr lang="zh-CN" altLang="en-US" sz="1000" dirty="0" smtClean="0">
+              <a:rPr lang="zh-CN" altLang="en-US" sz="1000" dirty="0">
                 <a:latin typeface="Times New Roman" pitchFamily="18" charset="0"/>
                 <a:ea typeface="微软雅黑" pitchFamily="34" charset="-122"/>
                 <a:cs typeface="Times New Roman" pitchFamily="18" charset="0"/>
@@ -2090,7 +2088,7 @@
               <a:t>的一对</a:t>
             </a:r>
             <a:r>
-              <a:rPr lang="en-US" altLang="zh-CN" sz="1000" dirty="0" smtClean="0">
+              <a:rPr lang="en-US" altLang="zh-CN" sz="1000" dirty="0">
                 <a:latin typeface="Times New Roman" pitchFamily="18" charset="0"/>
                 <a:ea typeface="微软雅黑" pitchFamily="34" charset="-122"/>
                 <a:cs typeface="Times New Roman" pitchFamily="18" charset="0"/>
@@ -2098,14 +2096,14 @@
               <a:t>m-lag</a:t>
             </a:r>
             <a:r>
-              <a:rPr lang="zh-CN" altLang="en-US" sz="1000" dirty="0" smtClean="0">
+              <a:rPr lang="zh-CN" altLang="en-US" sz="1000" dirty="0">
                 <a:latin typeface="Times New Roman" pitchFamily="18" charset="0"/>
                 <a:ea typeface="微软雅黑" pitchFamily="34" charset="-122"/>
                 <a:cs typeface="Times New Roman" pitchFamily="18" charset="0"/>
               </a:rPr>
               <a:t>接口。</a:t>
             </a:r>
-            <a:endParaRPr lang="en-US" altLang="zh-CN" sz="1000" dirty="0" smtClean="0">
+            <a:endParaRPr lang="en-US" altLang="zh-CN" sz="1000" dirty="0">
               <a:latin typeface="Times New Roman" pitchFamily="18" charset="0"/>
               <a:ea typeface="微软雅黑" pitchFamily="34" charset="-122"/>
               <a:cs typeface="Times New Roman" pitchFamily="18" charset="0"/>
@@ -2124,7 +2122,7 @@
               <a:defRPr/>
             </a:pPr>
             <a:r>
-              <a:rPr lang="en-US" altLang="zh-CN" sz="1000" dirty="0" smtClean="0">
+              <a:rPr lang="en-US" altLang="zh-CN" sz="1000" dirty="0">
                 <a:latin typeface="Times New Roman" pitchFamily="18" charset="0"/>
                 <a:ea typeface="微软雅黑" pitchFamily="34" charset="-122"/>
                 <a:cs typeface="Times New Roman" pitchFamily="18" charset="0"/>
@@ -2132,7 +2130,7 @@
               <a:t>2</a:t>
             </a:r>
             <a:r>
-              <a:rPr lang="zh-CN" altLang="en-US" sz="1000" dirty="0" smtClean="0">
+              <a:rPr lang="zh-CN" altLang="en-US" sz="1000" dirty="0">
                 <a:latin typeface="Times New Roman" pitchFamily="18" charset="0"/>
                 <a:ea typeface="微软雅黑" pitchFamily="34" charset="-122"/>
                 <a:cs typeface="Times New Roman" pitchFamily="18" charset="0"/>
@@ -2140,7 +2138,7 @@
               <a:t>台</a:t>
             </a:r>
             <a:r>
-              <a:rPr lang="en-US" altLang="zh-CN" sz="1000" dirty="0" smtClean="0">
+              <a:rPr lang="en-US" altLang="zh-CN" sz="1000" dirty="0">
                 <a:latin typeface="Times New Roman" pitchFamily="18" charset="0"/>
                 <a:ea typeface="微软雅黑" pitchFamily="34" charset="-122"/>
                 <a:cs typeface="Times New Roman" pitchFamily="18" charset="0"/>
@@ -2148,14 +2146,14 @@
               <a:t>Spine</a:t>
             </a:r>
             <a:r>
-              <a:rPr lang="zh-CN" altLang="en-US" sz="1000" dirty="0" smtClean="0">
+              <a:rPr lang="zh-CN" altLang="en-US" sz="1000" dirty="0">
                 <a:latin typeface="Times New Roman" pitchFamily="18" charset="0"/>
                 <a:ea typeface="微软雅黑" pitchFamily="34" charset="-122"/>
                 <a:cs typeface="Times New Roman" pitchFamily="18" charset="0"/>
               </a:rPr>
               <a:t>交换机独立部署。</a:t>
             </a:r>
-            <a:endParaRPr lang="en-US" altLang="zh-CN" sz="1000" dirty="0" smtClean="0">
+            <a:endParaRPr lang="en-US" altLang="zh-CN" sz="1000" dirty="0">
               <a:latin typeface="Times New Roman" pitchFamily="18" charset="0"/>
               <a:ea typeface="微软雅黑" pitchFamily="34" charset="-122"/>
               <a:cs typeface="Times New Roman" pitchFamily="18" charset="0"/>
@@ -2174,7 +2172,7 @@
               <a:defRPr/>
             </a:pPr>
             <a:r>
-              <a:rPr lang="en-US" altLang="zh-CN" sz="1000" dirty="0" smtClean="0">
+              <a:rPr lang="en-US" altLang="zh-CN" sz="1000" dirty="0">
                 <a:latin typeface="Times New Roman" pitchFamily="18" charset="0"/>
                 <a:ea typeface="微软雅黑" pitchFamily="34" charset="-122"/>
                 <a:cs typeface="Times New Roman" pitchFamily="18" charset="0"/>
@@ -2182,7 +2180,7 @@
               <a:t>Leaf</a:t>
             </a:r>
             <a:r>
-              <a:rPr lang="zh-CN" altLang="en-US" sz="1000" dirty="0" smtClean="0">
+              <a:rPr lang="zh-CN" altLang="en-US" sz="1000" dirty="0">
                 <a:latin typeface="Times New Roman" pitchFamily="18" charset="0"/>
                 <a:ea typeface="微软雅黑" pitchFamily="34" charset="-122"/>
                 <a:cs typeface="Times New Roman" pitchFamily="18" charset="0"/>
@@ -2190,7 +2188,7 @@
               <a:t>交换机成对部署，</a:t>
             </a:r>
             <a:r>
-              <a:rPr lang="en-US" altLang="zh-CN" sz="1000" dirty="0" smtClean="0">
+              <a:rPr lang="en-US" altLang="zh-CN" sz="1000" dirty="0">
                 <a:latin typeface="Times New Roman" pitchFamily="18" charset="0"/>
                 <a:ea typeface="微软雅黑" pitchFamily="34" charset="-122"/>
                 <a:cs typeface="Times New Roman" pitchFamily="18" charset="0"/>
@@ -2198,7 +2196,7 @@
               <a:t>2</a:t>
             </a:r>
             <a:r>
-              <a:rPr lang="zh-CN" altLang="en-US" sz="1000" dirty="0" smtClean="0">
+              <a:rPr lang="zh-CN" altLang="en-US" sz="1000" dirty="0">
                 <a:latin typeface="Times New Roman" pitchFamily="18" charset="0"/>
                 <a:ea typeface="微软雅黑" pitchFamily="34" charset="-122"/>
                 <a:cs typeface="Times New Roman" pitchFamily="18" charset="0"/>
@@ -2206,7 +2204,7 @@
               <a:t>台</a:t>
             </a:r>
             <a:r>
-              <a:rPr lang="en-US" altLang="zh-CN" sz="1000" dirty="0" smtClean="0">
+              <a:rPr lang="en-US" altLang="zh-CN" sz="1000" dirty="0">
                 <a:latin typeface="Times New Roman" pitchFamily="18" charset="0"/>
                 <a:ea typeface="微软雅黑" pitchFamily="34" charset="-122"/>
                 <a:cs typeface="Times New Roman" pitchFamily="18" charset="0"/>
@@ -2214,7 +2212,7 @@
               <a:t>Leaf</a:t>
             </a:r>
             <a:r>
-              <a:rPr lang="zh-CN" altLang="en-US" sz="1000" dirty="0" smtClean="0">
+              <a:rPr lang="zh-CN" altLang="en-US" sz="1000" dirty="0">
                 <a:latin typeface="Times New Roman" pitchFamily="18" charset="0"/>
                 <a:ea typeface="微软雅黑" pitchFamily="34" charset="-122"/>
                 <a:cs typeface="Times New Roman" pitchFamily="18" charset="0"/>
@@ -2222,7 +2220,7 @@
               <a:t>之间运行</a:t>
             </a:r>
             <a:r>
-              <a:rPr lang="en-US" altLang="zh-CN" sz="1000" dirty="0" smtClean="0">
+              <a:rPr lang="en-US" altLang="zh-CN" sz="1000" dirty="0">
                 <a:latin typeface="Times New Roman" pitchFamily="18" charset="0"/>
                 <a:ea typeface="微软雅黑" pitchFamily="34" charset="-122"/>
                 <a:cs typeface="Times New Roman" pitchFamily="18" charset="0"/>
@@ -2230,14 +2228,14 @@
               <a:t>m-lag</a:t>
             </a:r>
             <a:r>
-              <a:rPr lang="zh-CN" altLang="en-US" sz="1000" dirty="0" smtClean="0">
+              <a:rPr lang="zh-CN" altLang="en-US" sz="1000" dirty="0">
                 <a:latin typeface="Times New Roman" pitchFamily="18" charset="0"/>
                 <a:ea typeface="微软雅黑" pitchFamily="34" charset="-122"/>
                 <a:cs typeface="Times New Roman" pitchFamily="18" charset="0"/>
               </a:rPr>
               <a:t>。</a:t>
             </a:r>
-            <a:endParaRPr lang="en-US" altLang="zh-CN" sz="1000" dirty="0" smtClean="0">
+            <a:endParaRPr lang="en-US" altLang="zh-CN" sz="1000" dirty="0">
               <a:latin typeface="Times New Roman" pitchFamily="18" charset="0"/>
               <a:ea typeface="微软雅黑" pitchFamily="34" charset="-122"/>
               <a:cs typeface="Times New Roman" pitchFamily="18" charset="0"/>
@@ -2256,7 +2254,7 @@
               <a:defRPr/>
             </a:pPr>
             <a:r>
-              <a:rPr lang="zh-CN" altLang="en-US" sz="1000" dirty="0" smtClean="0">
+              <a:rPr lang="zh-CN" altLang="en-US" sz="1000" dirty="0">
                 <a:latin typeface="Times New Roman" pitchFamily="18" charset="0"/>
                 <a:ea typeface="微软雅黑" pitchFamily="34" charset="-122"/>
                 <a:cs typeface="Times New Roman" pitchFamily="18" charset="0"/>
@@ -2264,7 +2262,7 @@
               <a:t>服务器网卡主备或双活接入</a:t>
             </a:r>
             <a:r>
-              <a:rPr lang="en-US" altLang="zh-CN" sz="1000" dirty="0" smtClean="0">
+              <a:rPr lang="en-US" altLang="zh-CN" sz="1000" dirty="0">
                 <a:latin typeface="Times New Roman" pitchFamily="18" charset="0"/>
                 <a:ea typeface="微软雅黑" pitchFamily="34" charset="-122"/>
                 <a:cs typeface="Times New Roman" pitchFamily="18" charset="0"/>
@@ -2272,7 +2270,7 @@
               <a:t>1</a:t>
             </a:r>
             <a:r>
-              <a:rPr lang="zh-CN" altLang="en-US" sz="1000" dirty="0" smtClean="0">
+              <a:rPr lang="zh-CN" altLang="en-US" sz="1000" dirty="0">
                 <a:latin typeface="Times New Roman" pitchFamily="18" charset="0"/>
                 <a:ea typeface="微软雅黑" pitchFamily="34" charset="-122"/>
                 <a:cs typeface="Times New Roman" pitchFamily="18" charset="0"/>
@@ -2280,7 +2278,7 @@
               <a:t>对</a:t>
             </a:r>
             <a:r>
-              <a:rPr lang="en-US" altLang="zh-CN" sz="1000" dirty="0" smtClean="0">
+              <a:rPr lang="en-US" altLang="zh-CN" sz="1000" dirty="0">
                 <a:latin typeface="Times New Roman" pitchFamily="18" charset="0"/>
                 <a:ea typeface="微软雅黑" pitchFamily="34" charset="-122"/>
                 <a:cs typeface="Times New Roman" pitchFamily="18" charset="0"/>
@@ -2288,21 +2286,21 @@
               <a:t>Leaf</a:t>
             </a:r>
             <a:r>
-              <a:rPr lang="zh-CN" altLang="en-US" sz="1000" dirty="0" smtClean="0">
+              <a:rPr lang="zh-CN" altLang="en-US" sz="1000" dirty="0">
                 <a:latin typeface="Times New Roman" pitchFamily="18" charset="0"/>
                 <a:ea typeface="微软雅黑" pitchFamily="34" charset="-122"/>
                 <a:cs typeface="Times New Roman" pitchFamily="18" charset="0"/>
               </a:rPr>
               <a:t>交换机。</a:t>
             </a:r>
-            <a:endParaRPr lang="en-US" altLang="zh-CN" sz="1000" dirty="0" smtClean="0">
+            <a:endParaRPr lang="en-US" altLang="zh-CN" sz="1000" dirty="0">
               <a:latin typeface="Times New Roman" pitchFamily="18" charset="0"/>
               <a:ea typeface="微软雅黑" pitchFamily="34" charset="-122"/>
               <a:cs typeface="Times New Roman" pitchFamily="18" charset="0"/>
             </a:endParaRPr>
           </a:p>
           <a:p>
-            <a:endParaRPr lang="zh-CN" altLang="en-US" dirty="0" smtClean="0"/>
+            <a:endParaRPr lang="zh-CN" altLang="en-US" dirty="0"/>
           </a:p>
         </p:txBody>
       </p:sp>
@@ -2328,7 +2326,7 @@
               <a:pPr/>
               <a:t>4</a:t>
             </a:fld>
-            <a:endParaRPr lang="zh-CN" altLang="en-US" smtClean="0"/>
+            <a:endParaRPr lang="zh-CN" altLang="en-US"/>
           </a:p>
         </p:txBody>
       </p:sp>
@@ -2912,35 +2910,35 @@
           <a:p>
             <a:pPr lvl="0"/>
             <a:r>
-              <a:rPr lang="zh-CN" altLang="en-US" smtClean="0"/>
+              <a:rPr lang="zh-CN" altLang="en-US"/>
               <a:t>单击此处编辑母版文本样式</a:t>
             </a:r>
           </a:p>
           <a:p>
             <a:pPr lvl="1"/>
             <a:r>
-              <a:rPr lang="zh-CN" altLang="en-US" smtClean="0"/>
+              <a:rPr lang="zh-CN" altLang="en-US"/>
               <a:t>二级</a:t>
             </a:r>
           </a:p>
           <a:p>
             <a:pPr lvl="2"/>
             <a:r>
-              <a:rPr lang="zh-CN" altLang="en-US" smtClean="0"/>
+              <a:rPr lang="zh-CN" altLang="en-US"/>
               <a:t>三级</a:t>
             </a:r>
           </a:p>
           <a:p>
             <a:pPr lvl="3"/>
             <a:r>
-              <a:rPr lang="zh-CN" altLang="en-US" smtClean="0"/>
+              <a:rPr lang="zh-CN" altLang="en-US"/>
               <a:t>四级</a:t>
             </a:r>
           </a:p>
           <a:p>
             <a:pPr lvl="4"/>
             <a:r>
-              <a:rPr lang="zh-CN" altLang="en-US" smtClean="0"/>
+              <a:rPr lang="zh-CN" altLang="en-US"/>
               <a:t>五级</a:t>
             </a:r>
             <a:endParaRPr lang="zh-CN" altLang="en-US" dirty="0"/>
@@ -2969,7 +2967,7 @@
           <a:p>
             <a:fld id="{04EBE0E1-1C55-4334-85A3-E2728A37F884}" type="datetimeFigureOut">
               <a:rPr lang="zh-CN" altLang="en-US" smtClean="0"/>
-              <a:t>2019-09-17</a:t>
+              <a:t>2019/10/9</a:t>
             </a:fld>
             <a:endParaRPr lang="zh-CN" altLang="en-US"/>
           </a:p>
@@ -3132,7 +3130,7 @@
           <p:cNvPr id="4" name="图片 3">
             <a:extLst>
               <a:ext uri="{FF2B5EF4-FFF2-40B4-BE49-F238E27FC236}">
-                <a16:creationId xmlns:a16="http://schemas.microsoft.com/office/drawing/2014/main" xmlns="" id="{ECCFA5AD-83F8-4F94-A4AB-ED786BE814BE}"/>
+                <a16:creationId xmlns:a16="http://schemas.microsoft.com/office/drawing/2014/main" id="{ECCFA5AD-83F8-4F94-A4AB-ED786BE814BE}"/>
               </a:ext>
             </a:extLst>
           </p:cNvPr>
@@ -3167,7 +3165,7 @@
           <p:cNvPr id="5" name="矩形 4">
             <a:extLst>
               <a:ext uri="{FF2B5EF4-FFF2-40B4-BE49-F238E27FC236}">
-                <a16:creationId xmlns:a16="http://schemas.microsoft.com/office/drawing/2014/main" xmlns="" id="{2ECAEFC7-30CF-4B2F-922A-14691BCFBBB3}"/>
+                <a16:creationId xmlns:a16="http://schemas.microsoft.com/office/drawing/2014/main" id="{2ECAEFC7-30CF-4B2F-922A-14691BCFBBB3}"/>
               </a:ext>
             </a:extLst>
           </p:cNvPr>
@@ -3221,7 +3219,7 @@
           <p:cNvPr id="8" name="文本占位符 8">
             <a:extLst>
               <a:ext uri="{FF2B5EF4-FFF2-40B4-BE49-F238E27FC236}">
-                <a16:creationId xmlns:a16="http://schemas.microsoft.com/office/drawing/2014/main" xmlns="" id="{8C541A9E-F728-4944-BE21-C9BBAC4F78A3}"/>
+                <a16:creationId xmlns:a16="http://schemas.microsoft.com/office/drawing/2014/main" id="{8C541A9E-F728-4944-BE21-C9BBAC4F78A3}"/>
               </a:ext>
             </a:extLst>
           </p:cNvPr>
@@ -3274,7 +3272,7 @@
           <p:cNvPr id="7" name="文本占位符 3">
             <a:extLst>
               <a:ext uri="{FF2B5EF4-FFF2-40B4-BE49-F238E27FC236}">
-                <a16:creationId xmlns:a16="http://schemas.microsoft.com/office/drawing/2014/main" xmlns="" id="{05D8DE56-AE90-42C3-9800-708D84AB40AE}"/>
+                <a16:creationId xmlns:a16="http://schemas.microsoft.com/office/drawing/2014/main" id="{05D8DE56-AE90-42C3-9800-708D84AB40AE}"/>
               </a:ext>
             </a:extLst>
           </p:cNvPr>
@@ -3346,7 +3344,7 @@
           <p:cNvPr id="2" name="矩形 1">
             <a:extLst>
               <a:ext uri="{FF2B5EF4-FFF2-40B4-BE49-F238E27FC236}">
-                <a16:creationId xmlns:a16="http://schemas.microsoft.com/office/drawing/2014/main" xmlns="" id="{75E16A69-409A-4CE4-875B-43ADA63B7318}"/>
+                <a16:creationId xmlns:a16="http://schemas.microsoft.com/office/drawing/2014/main" id="{75E16A69-409A-4CE4-875B-43ADA63B7318}"/>
               </a:ext>
             </a:extLst>
           </p:cNvPr>
@@ -3454,7 +3452,7 @@
           <p:cNvPr id="9" name="文本占位符 3">
             <a:extLst>
               <a:ext uri="{FF2B5EF4-FFF2-40B4-BE49-F238E27FC236}">
-                <a16:creationId xmlns:a16="http://schemas.microsoft.com/office/drawing/2014/main" xmlns="" id="{2D5D9DF4-FD2F-4CEC-9A73-8CC03E6B7966}"/>
+                <a16:creationId xmlns:a16="http://schemas.microsoft.com/office/drawing/2014/main" id="{2D5D9DF4-FD2F-4CEC-9A73-8CC03E6B7966}"/>
               </a:ext>
             </a:extLst>
           </p:cNvPr>
@@ -3538,7 +3536,7 @@
           <p:cNvPr id="10" name="文本框 14">
             <a:extLst>
               <a:ext uri="{FF2B5EF4-FFF2-40B4-BE49-F238E27FC236}">
-                <a16:creationId xmlns:a16="http://schemas.microsoft.com/office/drawing/2014/main" xmlns="" id="{339BBBEC-E062-4610-B7D9-51F1F0E82DB1}"/>
+                <a16:creationId xmlns:a16="http://schemas.microsoft.com/office/drawing/2014/main" id="{339BBBEC-E062-4610-B7D9-51F1F0E82DB1}"/>
               </a:ext>
             </a:extLst>
           </p:cNvPr>
@@ -3712,7 +3710,7 @@
           <p:cNvPr id="11" name="矩形 10">
             <a:extLst>
               <a:ext uri="{FF2B5EF4-FFF2-40B4-BE49-F238E27FC236}">
-                <a16:creationId xmlns:a16="http://schemas.microsoft.com/office/drawing/2014/main" xmlns="" id="{47B731A4-0ABB-448E-BD4C-A1DF82744EB2}"/>
+                <a16:creationId xmlns:a16="http://schemas.microsoft.com/office/drawing/2014/main" id="{47B731A4-0ABB-448E-BD4C-A1DF82744EB2}"/>
               </a:ext>
             </a:extLst>
           </p:cNvPr>
@@ -5639,7 +5637,7 @@
           <p:cNvPr id="2" name="矩形 1">
             <a:extLst>
               <a:ext uri="{FF2B5EF4-FFF2-40B4-BE49-F238E27FC236}">
-                <a16:creationId xmlns:a16="http://schemas.microsoft.com/office/drawing/2014/main" xmlns="" id="{CF378971-9DEF-426A-AB05-85B248B97436}"/>
+                <a16:creationId xmlns:a16="http://schemas.microsoft.com/office/drawing/2014/main" id="{CF378971-9DEF-426A-AB05-85B248B97436}"/>
               </a:ext>
             </a:extLst>
           </p:cNvPr>
@@ -7258,7 +7256,7 @@
           <a:p>
             <a:fld id="{04EBE0E1-1C55-4334-85A3-E2728A37F884}" type="datetimeFigureOut">
               <a:rPr lang="zh-CN" altLang="en-US" smtClean="0"/>
-              <a:t>2019-09-17</a:t>
+              <a:t>2019/10/9</a:t>
             </a:fld>
             <a:endParaRPr lang="zh-CN" altLang="en-US"/>
           </a:p>
@@ -7840,7 +7838,7 @@
           <a:p>
             <a:fld id="{04EBE0E1-1C55-4334-85A3-E2728A37F884}" type="datetimeFigureOut">
               <a:rPr lang="zh-CN" altLang="en-US" smtClean="0"/>
-              <a:t>2019-09-17</a:t>
+              <a:t>2019/10/9</a:t>
             </a:fld>
             <a:endParaRPr lang="zh-CN" altLang="en-US"/>
           </a:p>
@@ -8836,10 +8834,9 @@
           <a:lstStyle/>
           <a:p>
             <a:r>
-              <a:rPr lang="en-US" smtClean="0"/>
+              <a:rPr lang="en-US"/>
               <a:t>Click to edit Master title style</a:t>
             </a:r>
-            <a:endParaRPr lang="en-US"/>
           </a:p>
         </p:txBody>
       </p:sp>
@@ -8875,35 +8872,35 @@
           <a:p>
             <a:pPr lvl="0"/>
             <a:r>
-              <a:rPr lang="zh-CN" altLang="en-US" noProof="0" dirty="0" smtClean="0"/>
+              <a:rPr lang="zh-CN" altLang="en-US" noProof="0" dirty="0"/>
               <a:t>单击此处编辑母版文本样式</a:t>
             </a:r>
           </a:p>
           <a:p>
             <a:pPr lvl="1"/>
             <a:r>
-              <a:rPr lang="zh-CN" altLang="en-US" noProof="0" dirty="0" smtClean="0"/>
+              <a:rPr lang="zh-CN" altLang="en-US" noProof="0" dirty="0"/>
               <a:t>第二级</a:t>
             </a:r>
           </a:p>
           <a:p>
             <a:pPr lvl="2"/>
             <a:r>
-              <a:rPr lang="zh-CN" altLang="en-US" noProof="0" dirty="0" smtClean="0"/>
+              <a:rPr lang="zh-CN" altLang="en-US" noProof="0" dirty="0"/>
               <a:t>第三级</a:t>
             </a:r>
           </a:p>
           <a:p>
             <a:pPr lvl="3"/>
             <a:r>
-              <a:rPr lang="zh-CN" altLang="en-US" noProof="0" dirty="0" smtClean="0"/>
+              <a:rPr lang="zh-CN" altLang="en-US" noProof="0" dirty="0"/>
               <a:t>第四级</a:t>
             </a:r>
           </a:p>
           <a:p>
             <a:pPr lvl="4"/>
             <a:r>
-              <a:rPr lang="zh-CN" altLang="en-US" noProof="0" dirty="0" smtClean="0"/>
+              <a:rPr lang="zh-CN" altLang="en-US" noProof="0" dirty="0"/>
               <a:t>第五级</a:t>
             </a:r>
           </a:p>
@@ -9018,10 +9015,9 @@
           </a:lstStyle>
           <a:p>
             <a:r>
-              <a:rPr lang="zh-CN" altLang="en-US" smtClean="0"/>
+              <a:rPr lang="zh-CN" altLang="en-US"/>
               <a:t>单击此处编辑母版标题样式</a:t>
             </a:r>
-            <a:endParaRPr lang="zh-CN" altLang="en-US"/>
           </a:p>
         </p:txBody>
       </p:sp>
@@ -9086,10 +9082,9 @@
           </a:lstStyle>
           <a:p>
             <a:r>
-              <a:rPr lang="zh-CN" altLang="en-US" smtClean="0"/>
+              <a:rPr lang="zh-CN" altLang="en-US"/>
               <a:t>单击此处编辑母版副标题样式</a:t>
             </a:r>
-            <a:endParaRPr lang="zh-CN" altLang="en-US"/>
           </a:p>
         </p:txBody>
       </p:sp>
@@ -9118,7 +9113,7 @@
           <a:p>
             <a:fld id="{04EBE0E1-1C55-4334-85A3-E2728A37F884}" type="datetimeFigureOut">
               <a:rPr lang="zh-CN" altLang="en-US" smtClean="0"/>
-              <a:t>2019-09-17</a:t>
+              <a:t>2019/10/9</a:t>
             </a:fld>
             <a:endParaRPr lang="zh-CN" altLang="en-US"/>
           </a:p>
@@ -10528,7 +10523,7 @@
           <a:p>
             <a:fld id="{04EBE0E1-1C55-4334-85A3-E2728A37F884}" type="datetimeFigureOut">
               <a:rPr lang="zh-CN" altLang="en-US" smtClean="0"/>
-              <a:t>2019-09-17</a:t>
+              <a:t>2019/10/9</a:t>
             </a:fld>
             <a:endParaRPr lang="zh-CN" altLang="en-US"/>
           </a:p>
@@ -11225,7 +11220,7 @@
               </a:spcAft>
             </a:pPr>
             <a:r>
-              <a:rPr lang="zh-CN" altLang="en-US" sz="2399" b="1" dirty="0" smtClean="0">
+              <a:rPr lang="zh-CN" altLang="en-US" sz="2399" b="1" dirty="0">
                 <a:solidFill>
                   <a:srgbClr val="990000"/>
                 </a:solidFill>
@@ -11236,15 +11231,6 @@
               </a:rPr>
               <a:t>测试环境</a:t>
             </a:r>
-            <a:endParaRPr lang="zh-CN" altLang="en-US" sz="2399" b="1" dirty="0">
-              <a:solidFill>
-                <a:srgbClr val="990000"/>
-              </a:solidFill>
-              <a:latin typeface="微软雅黑"/>
-              <a:ea typeface="微软雅黑"/>
-              <a:cs typeface="微软雅黑"/>
-              <a:sym typeface="Lucida Grande"/>
-            </a:endParaRPr>
           </a:p>
         </p:txBody>
       </p:sp>
@@ -12025,16 +12011,12 @@
               <a:buNone/>
             </a:pPr>
             <a:r>
-              <a:rPr lang="en-US" altLang="zh-CN" sz="1100" dirty="0" smtClean="0">
+              <a:rPr lang="en-US" altLang="zh-CN" sz="1100" dirty="0">
                 <a:latin typeface="微软雅黑" pitchFamily="34" charset="-122"/>
                 <a:ea typeface="微软雅黑" pitchFamily="34" charset="-122"/>
               </a:rPr>
               <a:t>Router</a:t>
             </a:r>
-            <a:endParaRPr lang="en-US" altLang="zh-CN" sz="1100" dirty="0">
-              <a:latin typeface="微软雅黑" pitchFamily="34" charset="-122"/>
-              <a:ea typeface="微软雅黑" pitchFamily="34" charset="-122"/>
-            </a:endParaRPr>
           </a:p>
         </p:txBody>
       </p:sp>
@@ -12064,16 +12046,12 @@
               <a:buNone/>
             </a:pPr>
             <a:r>
-              <a:rPr lang="en-US" altLang="zh-CN" sz="1100" dirty="0" smtClean="0">
+              <a:rPr lang="en-US" altLang="zh-CN" sz="1100" dirty="0">
                 <a:latin typeface="微软雅黑" pitchFamily="34" charset="-122"/>
                 <a:ea typeface="微软雅黑" pitchFamily="34" charset="-122"/>
               </a:rPr>
               <a:t>SW</a:t>
             </a:r>
-            <a:endParaRPr lang="en-US" altLang="zh-CN" sz="1100" dirty="0">
-              <a:latin typeface="微软雅黑" pitchFamily="34" charset="-122"/>
-              <a:ea typeface="微软雅黑" pitchFamily="34" charset="-122"/>
-            </a:endParaRPr>
           </a:p>
         </p:txBody>
       </p:sp>
@@ -12103,16 +12081,12 @@
               <a:buNone/>
             </a:pPr>
             <a:r>
-              <a:rPr lang="en-US" altLang="zh-CN" sz="1100" dirty="0" smtClean="0">
+              <a:rPr lang="en-US" altLang="zh-CN" sz="1100" dirty="0">
                 <a:latin typeface="微软雅黑" pitchFamily="34" charset="-122"/>
                 <a:ea typeface="微软雅黑" pitchFamily="34" charset="-122"/>
               </a:rPr>
               <a:t>DNS</a:t>
             </a:r>
-            <a:endParaRPr lang="en-US" altLang="zh-CN" sz="1100" dirty="0">
-              <a:latin typeface="微软雅黑" pitchFamily="34" charset="-122"/>
-              <a:ea typeface="微软雅黑" pitchFamily="34" charset="-122"/>
-            </a:endParaRPr>
           </a:p>
         </p:txBody>
       </p:sp>
@@ -12142,16 +12116,12 @@
               <a:buNone/>
             </a:pPr>
             <a:r>
-              <a:rPr lang="en-US" altLang="zh-CN" sz="1100" dirty="0" smtClean="0">
+              <a:rPr lang="en-US" altLang="zh-CN" sz="1100" dirty="0">
                 <a:latin typeface="微软雅黑" pitchFamily="34" charset="-122"/>
                 <a:ea typeface="微软雅黑" pitchFamily="34" charset="-122"/>
               </a:rPr>
               <a:t>FW</a:t>
             </a:r>
-            <a:endParaRPr lang="en-US" altLang="zh-CN" sz="1100" dirty="0">
-              <a:latin typeface="微软雅黑" pitchFamily="34" charset="-122"/>
-              <a:ea typeface="微软雅黑" pitchFamily="34" charset="-122"/>
-            </a:endParaRPr>
           </a:p>
         </p:txBody>
       </p:sp>
@@ -12181,16 +12151,12 @@
               <a:buNone/>
             </a:pPr>
             <a:r>
-              <a:rPr lang="en-US" altLang="zh-CN" sz="1100" dirty="0" smtClean="0">
+              <a:rPr lang="en-US" altLang="zh-CN" sz="1100" dirty="0">
                 <a:latin typeface="微软雅黑" pitchFamily="34" charset="-122"/>
                 <a:ea typeface="微软雅黑" pitchFamily="34" charset="-122"/>
               </a:rPr>
               <a:t>SW</a:t>
             </a:r>
-            <a:endParaRPr lang="en-US" altLang="zh-CN" sz="1100" dirty="0">
-              <a:latin typeface="微软雅黑" pitchFamily="34" charset="-122"/>
-              <a:ea typeface="微软雅黑" pitchFamily="34" charset="-122"/>
-            </a:endParaRPr>
           </a:p>
         </p:txBody>
       </p:sp>
@@ -12220,16 +12186,12 @@
               <a:buNone/>
             </a:pPr>
             <a:r>
-              <a:rPr lang="en-US" altLang="zh-CN" sz="1100" dirty="0" smtClean="0">
+              <a:rPr lang="en-US" altLang="zh-CN" sz="1100" dirty="0">
                 <a:latin typeface="微软雅黑" pitchFamily="34" charset="-122"/>
                 <a:ea typeface="微软雅黑" pitchFamily="34" charset="-122"/>
               </a:rPr>
               <a:t>SLB</a:t>
             </a:r>
-            <a:endParaRPr lang="en-US" altLang="zh-CN" sz="1100" dirty="0">
-              <a:latin typeface="微软雅黑" pitchFamily="34" charset="-122"/>
-              <a:ea typeface="微软雅黑" pitchFamily="34" charset="-122"/>
-            </a:endParaRPr>
           </a:p>
         </p:txBody>
       </p:sp>
@@ -12259,16 +12221,12 @@
               <a:buNone/>
             </a:pPr>
             <a:r>
-              <a:rPr lang="en-US" altLang="zh-CN" sz="1100" dirty="0" smtClean="0">
+              <a:rPr lang="en-US" altLang="zh-CN" sz="1100" dirty="0">
                 <a:latin typeface="微软雅黑" pitchFamily="34" charset="-122"/>
                 <a:ea typeface="微软雅黑" pitchFamily="34" charset="-122"/>
               </a:rPr>
               <a:t>SW</a:t>
             </a:r>
-            <a:endParaRPr lang="en-US" altLang="zh-CN" sz="1100" dirty="0">
-              <a:latin typeface="微软雅黑" pitchFamily="34" charset="-122"/>
-              <a:ea typeface="微软雅黑" pitchFamily="34" charset="-122"/>
-            </a:endParaRPr>
           </a:p>
         </p:txBody>
       </p:sp>
@@ -12298,16 +12256,12 @@
               <a:buNone/>
             </a:pPr>
             <a:r>
-              <a:rPr lang="en-US" altLang="zh-CN" sz="1100" dirty="0" smtClean="0">
+              <a:rPr lang="en-US" altLang="zh-CN" sz="1100" dirty="0">
                 <a:latin typeface="微软雅黑" pitchFamily="34" charset="-122"/>
                 <a:ea typeface="微软雅黑" pitchFamily="34" charset="-122"/>
               </a:rPr>
               <a:t>FW</a:t>
             </a:r>
-            <a:endParaRPr lang="en-US" altLang="zh-CN" sz="1100" dirty="0">
-              <a:latin typeface="微软雅黑" pitchFamily="34" charset="-122"/>
-              <a:ea typeface="微软雅黑" pitchFamily="34" charset="-122"/>
-            </a:endParaRPr>
           </a:p>
         </p:txBody>
       </p:sp>
@@ -13216,13 +13170,6 @@
     <a:masterClrMapping/>
   </p:clrMapOvr>
   <p:transition spd="med" advClick="0" advTm="8000"/>
-  <p:timing>
-    <p:tnLst>
-      <p:par>
-        <p:cTn id="1" dur="indefinite" restart="never" nodeType="tmRoot"/>
-      </p:par>
-    </p:tnLst>
-  </p:timing>
 </p:sld>
 </file>
 
@@ -13351,7 +13298,7 @@
               </a:spcAft>
             </a:pPr>
             <a:r>
-              <a:rPr lang="zh-CN" altLang="en-US" sz="2399" b="1" dirty="0" smtClean="0">
+              <a:rPr lang="zh-CN" altLang="en-US" sz="2399" b="1" dirty="0">
                 <a:solidFill>
                   <a:srgbClr val="990000"/>
                 </a:solidFill>
@@ -13362,15 +13309,6 @@
               </a:rPr>
               <a:t>测试环境现状</a:t>
             </a:r>
-            <a:endParaRPr lang="zh-CN" altLang="en-US" sz="2399" b="1" dirty="0">
-              <a:solidFill>
-                <a:srgbClr val="990000"/>
-              </a:solidFill>
-              <a:latin typeface="微软雅黑"/>
-              <a:ea typeface="微软雅黑"/>
-              <a:cs typeface="微软雅黑"/>
-              <a:sym typeface="Lucida Grande"/>
-            </a:endParaRPr>
           </a:p>
         </p:txBody>
       </p:sp>
@@ -14373,8 +14311,8 @@
         </p:nvSpPr>
         <p:spPr>
           <a:xfrm>
-            <a:off x="5062144" y="913425"/>
-            <a:ext cx="2735749" cy="646331"/>
+            <a:off x="4926118" y="912872"/>
+            <a:ext cx="2735557" cy="1015663"/>
           </a:xfrm>
           <a:prstGeom prst="rect">
             <a:avLst/>
@@ -14427,7 +14365,34 @@
               <a:rPr kumimoji="1" lang="en-US" altLang="zh-CN" sz="1200"/>
               <a:t>Gateway:192.168.2.254</a:t>
             </a:r>
-            <a:endParaRPr kumimoji="1" lang="zh-CN" altLang="en-US" sz="1200"/>
+          </a:p>
+          <a:p>
+            <a:r>
+              <a:rPr kumimoji="1" lang="en-US" altLang="zh-CN" sz="1200"/>
+              <a:t>VLAN13</a:t>
+            </a:r>
+            <a:r>
+              <a:rPr kumimoji="1" lang="zh-CN" altLang="en-US" sz="1200"/>
+              <a:t> </a:t>
+            </a:r>
+            <a:r>
+              <a:rPr kumimoji="1" lang="en-US" altLang="zh-CN" sz="1200"/>
+              <a:t>Gateway:192.168.3.254</a:t>
+            </a:r>
+          </a:p>
+          <a:p>
+            <a:r>
+              <a:rPr kumimoji="1" lang="en-US" altLang="zh-CN" sz="1200"/>
+              <a:t>VLAN14</a:t>
+            </a:r>
+            <a:r>
+              <a:rPr kumimoji="1" lang="zh-CN" altLang="en-US" sz="1200"/>
+              <a:t> </a:t>
+            </a:r>
+            <a:r>
+              <a:rPr kumimoji="1" lang="en-US" altLang="zh-CN" sz="1200"/>
+              <a:t>Gateway:192.168.4.254</a:t>
+            </a:r>
           </a:p>
         </p:txBody>
       </p:sp>
@@ -15850,6 +15815,143 @@
               <a:t>server</a:t>
             </a:r>
             <a:endParaRPr kumimoji="1" lang="zh-CN" altLang="en-US" sz="1400" dirty="0"/>
+          </a:p>
+        </p:txBody>
+      </p:sp>
+      <p:sp>
+        <p:nvSpPr>
+          <p:cNvPr id="65" name="文本框 64">
+            <a:extLst>
+              <a:ext uri="{FF2B5EF4-FFF2-40B4-BE49-F238E27FC236}">
+                <a16:creationId xmlns:a16="http://schemas.microsoft.com/office/drawing/2014/main" id="{D8A3F01D-77DC-8F46-AC3F-FD8C420FCE31}"/>
+              </a:ext>
+            </a:extLst>
+          </p:cNvPr>
+          <p:cNvSpPr txBox="1"/>
+          <p:nvPr/>
+        </p:nvSpPr>
+        <p:spPr>
+          <a:xfrm>
+            <a:off x="4971595" y="2533287"/>
+            <a:ext cx="2008883" cy="461665"/>
+          </a:xfrm>
+          <a:prstGeom prst="rect">
+            <a:avLst/>
+          </a:prstGeom>
+          <a:noFill/>
+        </p:spPr>
+        <p:txBody>
+          <a:bodyPr wrap="none" rtlCol="0">
+            <a:spAutoFit/>
+          </a:bodyPr>
+          <a:lstStyle/>
+          <a:p>
+            <a:r>
+              <a:rPr kumimoji="1" lang="en-US" altLang="zh-CN" sz="1200"/>
+              <a:t>VLAN13:192.168.3.253</a:t>
+            </a:r>
+          </a:p>
+          <a:p>
+            <a:r>
+              <a:rPr kumimoji="1" lang="en-US" altLang="zh-CN" sz="1200"/>
+              <a:t>VLAN14:192.168.4.253</a:t>
+            </a:r>
+          </a:p>
+        </p:txBody>
+      </p:sp>
+      <p:sp>
+        <p:nvSpPr>
+          <p:cNvPr id="3" name="文本框 2">
+            <a:extLst>
+              <a:ext uri="{FF2B5EF4-FFF2-40B4-BE49-F238E27FC236}">
+                <a16:creationId xmlns:a16="http://schemas.microsoft.com/office/drawing/2014/main" id="{18DF6D54-9744-A142-AB59-0A52B32FF0DC}"/>
+              </a:ext>
+            </a:extLst>
+          </p:cNvPr>
+          <p:cNvSpPr txBox="1"/>
+          <p:nvPr/>
+        </p:nvSpPr>
+        <p:spPr>
+          <a:xfrm>
+            <a:off x="1548836" y="1063510"/>
+            <a:ext cx="1906291" cy="646331"/>
+          </a:xfrm>
+          <a:prstGeom prst="rect">
+            <a:avLst/>
+          </a:prstGeom>
+          <a:noFill/>
+        </p:spPr>
+        <p:txBody>
+          <a:bodyPr wrap="none" rtlCol="0">
+            <a:spAutoFit/>
+          </a:bodyPr>
+          <a:lstStyle/>
+          <a:p>
+            <a:r>
+              <a:rPr kumimoji="1" lang="en-US" altLang="zh-CN" sz="1200"/>
+              <a:t>Loopback0:1.1.0.1/32</a:t>
+            </a:r>
+          </a:p>
+          <a:p>
+            <a:r>
+              <a:rPr kumimoji="1" lang="en-US" altLang="zh-CN" sz="1200"/>
+              <a:t>Loopback1:1.1.1.1/32</a:t>
+            </a:r>
+          </a:p>
+          <a:p>
+            <a:r>
+              <a:rPr kumimoji="1" lang="en-US" altLang="zh-CN" sz="1200"/>
+              <a:t>Loopback2:1.1.2.1/32</a:t>
+            </a:r>
+            <a:endParaRPr kumimoji="1" lang="zh-CN" altLang="en-US" sz="1200"/>
+          </a:p>
+        </p:txBody>
+      </p:sp>
+      <p:sp>
+        <p:nvSpPr>
+          <p:cNvPr id="67" name="文本框 66">
+            <a:extLst>
+              <a:ext uri="{FF2B5EF4-FFF2-40B4-BE49-F238E27FC236}">
+                <a16:creationId xmlns:a16="http://schemas.microsoft.com/office/drawing/2014/main" id="{A17614D6-FEB7-4843-93CC-3C0D34CC9D7D}"/>
+              </a:ext>
+            </a:extLst>
+          </p:cNvPr>
+          <p:cNvSpPr txBox="1"/>
+          <p:nvPr/>
+        </p:nvSpPr>
+        <p:spPr>
+          <a:xfrm>
+            <a:off x="1548836" y="2499163"/>
+            <a:ext cx="1906291" cy="646331"/>
+          </a:xfrm>
+          <a:prstGeom prst="rect">
+            <a:avLst/>
+          </a:prstGeom>
+          <a:noFill/>
+        </p:spPr>
+        <p:txBody>
+          <a:bodyPr wrap="none" rtlCol="0">
+            <a:spAutoFit/>
+          </a:bodyPr>
+          <a:lstStyle/>
+          <a:p>
+            <a:r>
+              <a:rPr kumimoji="1" lang="en-US" altLang="zh-CN" sz="1200"/>
+              <a:t>Loopback0:2.2.0.1/32</a:t>
+            </a:r>
+          </a:p>
+          <a:p>
+            <a:r>
+              <a:rPr kumimoji="1" lang="en-US" altLang="zh-CN" sz="1200"/>
+              <a:t>Loopback1:2.2.1.1/32</a:t>
+            </a:r>
+          </a:p>
+          <a:p>
+            <a:r>
+              <a:rPr kumimoji="1" lang="en-US" altLang="zh-CN" sz="1200"/>
+              <a:t>Loopback2:2.2.2.1/32</a:t>
+            </a:r>
+            <a:endParaRPr kumimoji="1" lang="zh-CN" altLang="en-US" sz="1200"/>
           </a:p>
         </p:txBody>
       </p:sp>
@@ -15864,13 +15966,6 @@
     <a:masterClrMapping/>
   </p:clrMapOvr>
   <p:transition spd="med" advClick="0" advTm="8000"/>
-  <p:timing>
-    <p:tnLst>
-      <p:par>
-        <p:cTn id="1" dur="indefinite" restart="never" nodeType="tmRoot"/>
-      </p:par>
-    </p:tnLst>
-  </p:timing>
 </p:sld>
 </file>
 
@@ -16286,7 +16381,7 @@
           <a:p>
             <a:pPr algn="ctr"/>
             <a:r>
-              <a:rPr lang="en-US" altLang="zh-CN" sz="1400" dirty="0" smtClean="0">
+              <a:rPr lang="en-US" altLang="zh-CN" sz="1400" dirty="0">
                 <a:latin typeface="微软雅黑" panose="020B0503020204020204" pitchFamily="34" charset="-122"/>
                 <a:ea typeface="微软雅黑" panose="020B0503020204020204" pitchFamily="34" charset="-122"/>
               </a:rPr>
@@ -16342,7 +16437,7 @@
           <a:p>
             <a:pPr algn="ctr"/>
             <a:r>
-              <a:rPr lang="en-US" altLang="zh-CN" sz="1400" dirty="0" smtClean="0">
+              <a:rPr lang="en-US" altLang="zh-CN" sz="1400" dirty="0">
                 <a:latin typeface="微软雅黑" panose="020B0503020204020204" pitchFamily="34" charset="-122"/>
                 <a:ea typeface="微软雅黑" panose="020B0503020204020204" pitchFamily="34" charset="-122"/>
               </a:rPr>
@@ -16398,7 +16493,7 @@
           <a:p>
             <a:pPr algn="ctr"/>
             <a:r>
-              <a:rPr lang="en-US" altLang="zh-CN" sz="1400" dirty="0" smtClean="0">
+              <a:rPr lang="en-US" altLang="zh-CN" sz="1400" dirty="0">
                 <a:latin typeface="微软雅黑" panose="020B0503020204020204" pitchFamily="34" charset="-122"/>
                 <a:ea typeface="微软雅黑" panose="020B0503020204020204" pitchFamily="34" charset="-122"/>
               </a:rPr>
@@ -16454,7 +16549,7 @@
           <a:p>
             <a:pPr algn="ctr"/>
             <a:r>
-              <a:rPr lang="en-US" altLang="zh-CN" sz="1400" dirty="0" smtClean="0">
+              <a:rPr lang="en-US" altLang="zh-CN" sz="1400" dirty="0">
                 <a:latin typeface="微软雅黑" panose="020B0503020204020204" pitchFamily="34" charset="-122"/>
                 <a:ea typeface="微软雅黑" panose="020B0503020204020204" pitchFamily="34" charset="-122"/>
               </a:rPr>
@@ -16510,7 +16605,7 @@
           <a:p>
             <a:pPr algn="ctr"/>
             <a:r>
-              <a:rPr lang="en-US" altLang="zh-CN" sz="1400" dirty="0" smtClean="0">
+              <a:rPr lang="en-US" altLang="zh-CN" sz="1400" dirty="0">
                 <a:latin typeface="微软雅黑" panose="020B0503020204020204" pitchFamily="34" charset="-122"/>
                 <a:ea typeface="微软雅黑" panose="020B0503020204020204" pitchFamily="34" charset="-122"/>
               </a:rPr>
@@ -16566,7 +16661,7 @@
           <a:p>
             <a:pPr algn="ctr"/>
             <a:r>
-              <a:rPr lang="en-US" altLang="zh-CN" sz="1400" dirty="0" smtClean="0">
+              <a:rPr lang="en-US" altLang="zh-CN" sz="1400" dirty="0">
                 <a:latin typeface="微软雅黑" panose="020B0503020204020204" pitchFamily="34" charset="-122"/>
                 <a:ea typeface="微软雅黑" panose="020B0503020204020204" pitchFamily="34" charset="-122"/>
               </a:rPr>
@@ -16622,7 +16717,7 @@
           <a:p>
             <a:pPr algn="ctr"/>
             <a:r>
-              <a:rPr lang="en-US" altLang="zh-CN" sz="1600" b="1" dirty="0" smtClean="0">
+              <a:rPr lang="en-US" altLang="zh-CN" sz="1600" b="1" dirty="0">
                 <a:latin typeface="微软雅黑" panose="020B0503020204020204" pitchFamily="34" charset="-122"/>
                 <a:ea typeface="微软雅黑" panose="020B0503020204020204" pitchFamily="34" charset="-122"/>
               </a:rPr>
@@ -16678,7 +16773,7 @@
           <a:p>
             <a:pPr algn="ctr"/>
             <a:r>
-              <a:rPr lang="en-US" altLang="zh-CN" sz="1600" b="1" dirty="0" smtClean="0">
+              <a:rPr lang="en-US" altLang="zh-CN" sz="1600" b="1" dirty="0">
                 <a:latin typeface="微软雅黑" panose="020B0503020204020204" pitchFamily="34" charset="-122"/>
                 <a:ea typeface="微软雅黑" panose="020B0503020204020204" pitchFamily="34" charset="-122"/>
               </a:rPr>
@@ -16734,14 +16829,14 @@
           <a:p>
             <a:pPr algn="ctr"/>
             <a:r>
-              <a:rPr lang="zh-CN" altLang="en-US" sz="1400" b="1" dirty="0" smtClean="0">
+              <a:rPr lang="zh-CN" altLang="en-US" sz="1400" b="1" dirty="0">
                 <a:latin typeface="微软雅黑" panose="020B0503020204020204" pitchFamily="34" charset="-122"/>
                 <a:ea typeface="微软雅黑" panose="020B0503020204020204" pitchFamily="34" charset="-122"/>
               </a:rPr>
               <a:t>商业 </a:t>
             </a:r>
             <a:r>
-              <a:rPr lang="en-US" altLang="zh-CN" sz="1400" b="1" dirty="0" smtClean="0">
+              <a:rPr lang="en-US" altLang="zh-CN" sz="1400" b="1" dirty="0">
                 <a:latin typeface="微软雅黑" panose="020B0503020204020204" pitchFamily="34" charset="-122"/>
                 <a:ea typeface="微软雅黑" panose="020B0503020204020204" pitchFamily="34" charset="-122"/>
               </a:rPr>
@@ -16797,16 +16892,12 @@
           <a:p>
             <a:pPr algn="ctr"/>
             <a:r>
-              <a:rPr lang="zh-CN" altLang="en-US" sz="1400" dirty="0" smtClean="0">
+              <a:rPr lang="zh-CN" altLang="en-US" sz="1400" dirty="0">
                 <a:latin typeface="微软雅黑" panose="020B0503020204020204" pitchFamily="34" charset="-122"/>
                 <a:ea typeface="微软雅黑" panose="020B0503020204020204" pitchFamily="34" charset="-122"/>
               </a:rPr>
               <a:t>网络厂商设备</a:t>
             </a:r>
-            <a:endParaRPr lang="zh-CN" altLang="en-US" sz="1400" dirty="0">
-              <a:latin typeface="微软雅黑" panose="020B0503020204020204" pitchFamily="34" charset="-122"/>
-              <a:ea typeface="微软雅黑" panose="020B0503020204020204" pitchFamily="34" charset="-122"/>
-            </a:endParaRPr>
           </a:p>
         </p:txBody>
       </p:sp>
@@ -16853,7 +16944,7 @@
           <a:p>
             <a:pPr algn="ctr"/>
             <a:r>
-              <a:rPr lang="en-US" altLang="zh-CN" sz="1400" dirty="0" smtClean="0">
+              <a:rPr lang="en-US" altLang="zh-CN" sz="1400" dirty="0">
                 <a:latin typeface="微软雅黑" panose="020B0503020204020204" pitchFamily="34" charset="-122"/>
                 <a:ea typeface="微软雅黑" panose="020B0503020204020204" pitchFamily="34" charset="-122"/>
               </a:rPr>
@@ -16909,7 +17000,7 @@
           <a:p>
             <a:pPr algn="ctr"/>
             <a:r>
-              <a:rPr lang="en-US" altLang="zh-CN" sz="1400" dirty="0" smtClean="0">
+              <a:rPr lang="en-US" altLang="zh-CN" sz="1400" dirty="0">
                 <a:latin typeface="微软雅黑" panose="020B0503020204020204" pitchFamily="34" charset="-122"/>
                 <a:ea typeface="微软雅黑" panose="020B0503020204020204" pitchFamily="34" charset="-122"/>
               </a:rPr>
@@ -16965,7 +17056,7 @@
           <a:p>
             <a:pPr algn="ctr"/>
             <a:r>
-              <a:rPr lang="en-US" altLang="zh-CN" sz="1400" b="1" dirty="0" smtClean="0">
+              <a:rPr lang="en-US" altLang="zh-CN" sz="1400" b="1" dirty="0">
                 <a:latin typeface="微软雅黑" panose="020B0503020204020204" pitchFamily="34" charset="-122"/>
                 <a:ea typeface="微软雅黑" panose="020B0503020204020204" pitchFamily="34" charset="-122"/>
               </a:rPr>
@@ -17021,18 +17112,11 @@
           <a:p>
             <a:pPr algn="ctr"/>
             <a:r>
-              <a:rPr lang="zh-CN" altLang="en-US" sz="1400" dirty="0" smtClean="0">
-                <a:latin typeface="微软雅黑" panose="020B0503020204020204" pitchFamily="34" charset="-122"/>
-                <a:ea typeface="微软雅黑" panose="020B0503020204020204" pitchFamily="34" charset="-122"/>
-              </a:rPr>
-              <a:t>防火墙厂商</a:t>
-            </a:r>
-            <a:r>
               <a:rPr lang="zh-CN" altLang="en-US" sz="1400" dirty="0">
                 <a:latin typeface="微软雅黑" panose="020B0503020204020204" pitchFamily="34" charset="-122"/>
                 <a:ea typeface="微软雅黑" panose="020B0503020204020204" pitchFamily="34" charset="-122"/>
               </a:rPr>
-              <a:t>设备</a:t>
+              <a:t>防火墙厂商设备</a:t>
             </a:r>
           </a:p>
         </p:txBody>
@@ -17080,16 +17164,12 @@
           <a:p>
             <a:pPr algn="ctr"/>
             <a:r>
-              <a:rPr lang="zh-CN" altLang="en-US" sz="1400" dirty="0" smtClean="0">
+              <a:rPr lang="zh-CN" altLang="en-US" sz="1400" dirty="0">
                 <a:latin typeface="微软雅黑" panose="020B0503020204020204" pitchFamily="34" charset="-122"/>
                 <a:ea typeface="微软雅黑" panose="020B0503020204020204" pitchFamily="34" charset="-122"/>
               </a:rPr>
               <a:t>负载均衡厂商设备</a:t>
             </a:r>
-            <a:endParaRPr lang="zh-CN" altLang="en-US" sz="1400" dirty="0">
-              <a:latin typeface="微软雅黑" panose="020B0503020204020204" pitchFamily="34" charset="-122"/>
-              <a:ea typeface="微软雅黑" panose="020B0503020204020204" pitchFamily="34" charset="-122"/>
-            </a:endParaRPr>
           </a:p>
         </p:txBody>
       </p:sp>
@@ -17136,16 +17216,12 @@
           <a:p>
             <a:pPr algn="ctr"/>
             <a:r>
-              <a:rPr lang="zh-CN" altLang="en-US" sz="1400" dirty="0" smtClean="0">
+              <a:rPr lang="zh-CN" altLang="en-US" sz="1400" dirty="0">
                 <a:latin typeface="微软雅黑" panose="020B0503020204020204" pitchFamily="34" charset="-122"/>
                 <a:ea typeface="微软雅黑" panose="020B0503020204020204" pitchFamily="34" charset="-122"/>
               </a:rPr>
               <a:t>安全厂商设备</a:t>
             </a:r>
-            <a:endParaRPr lang="zh-CN" altLang="en-US" sz="1400" dirty="0">
-              <a:latin typeface="微软雅黑" panose="020B0503020204020204" pitchFamily="34" charset="-122"/>
-              <a:ea typeface="微软雅黑" panose="020B0503020204020204" pitchFamily="34" charset="-122"/>
-            </a:endParaRPr>
           </a:p>
         </p:txBody>
       </p:sp>
@@ -17284,16 +17360,12 @@
           <a:p>
             <a:pPr algn="ctr"/>
             <a:r>
-              <a:rPr lang="zh-CN" altLang="en-US" b="1" dirty="0" smtClean="0">
+              <a:rPr lang="zh-CN" altLang="en-US" b="1" dirty="0">
                 <a:latin typeface="微软雅黑" panose="020B0503020204020204" pitchFamily="34" charset="-122"/>
                 <a:ea typeface="微软雅黑" panose="020B0503020204020204" pitchFamily="34" charset="-122"/>
               </a:rPr>
               <a:t>网络编排系统</a:t>
             </a:r>
-            <a:endParaRPr lang="zh-CN" altLang="en-US" b="1" dirty="0">
-              <a:latin typeface="微软雅黑" panose="020B0503020204020204" pitchFamily="34" charset="-122"/>
-              <a:ea typeface="微软雅黑" panose="020B0503020204020204" pitchFamily="34" charset="-122"/>
-            </a:endParaRPr>
           </a:p>
         </p:txBody>
       </p:sp>
@@ -17342,30 +17414,12 @@
           <a:p>
             <a:pPr algn="ctr"/>
             <a:r>
-              <a:rPr lang="zh-CN" altLang="en-US" b="1" dirty="0" smtClean="0">
-                <a:latin typeface="微软雅黑" panose="020B0503020204020204" pitchFamily="34" charset="-122"/>
-                <a:ea typeface="微软雅黑" panose="020B0503020204020204" pitchFamily="34" charset="-122"/>
-              </a:rPr>
-              <a:t>网络</a:t>
-            </a:r>
-            <a:r>
               <a:rPr lang="zh-CN" altLang="en-US" b="1" dirty="0">
                 <a:latin typeface="微软雅黑" panose="020B0503020204020204" pitchFamily="34" charset="-122"/>
                 <a:ea typeface="微软雅黑" panose="020B0503020204020204" pitchFamily="34" charset="-122"/>
               </a:rPr>
-              <a:t>分析</a:t>
-            </a:r>
-            <a:r>
-              <a:rPr lang="zh-CN" altLang="en-US" b="1" dirty="0" smtClean="0">
-                <a:latin typeface="微软雅黑" panose="020B0503020204020204" pitchFamily="34" charset="-122"/>
-                <a:ea typeface="微软雅黑" panose="020B0503020204020204" pitchFamily="34" charset="-122"/>
-              </a:rPr>
-              <a:t>系统</a:t>
-            </a:r>
-            <a:endParaRPr lang="zh-CN" altLang="en-US" b="1" dirty="0">
-              <a:latin typeface="微软雅黑" panose="020B0503020204020204" pitchFamily="34" charset="-122"/>
-              <a:ea typeface="微软雅黑" panose="020B0503020204020204" pitchFamily="34" charset="-122"/>
-            </a:endParaRPr>
+              <a:t>网络分析系统</a:t>
+            </a:r>
           </a:p>
         </p:txBody>
       </p:sp>
@@ -17412,7 +17466,7 @@
           <a:p>
             <a:pPr algn="ctr"/>
             <a:r>
-              <a:rPr lang="en-US" altLang="zh-CN" sz="1400" dirty="0" smtClean="0">
+              <a:rPr lang="en-US" altLang="zh-CN" sz="1400" dirty="0">
                 <a:latin typeface="微软雅黑" panose="020B0503020204020204" pitchFamily="34" charset="-122"/>
                 <a:ea typeface="微软雅黑" panose="020B0503020204020204" pitchFamily="34" charset="-122"/>
               </a:rPr>
@@ -17468,7 +17522,7 @@
           <a:p>
             <a:pPr algn="ctr"/>
             <a:r>
-              <a:rPr lang="en-US" altLang="zh-CN" sz="1400" dirty="0" err="1" smtClean="0">
+              <a:rPr lang="en-US" altLang="zh-CN" sz="1400" dirty="0" err="1">
                 <a:latin typeface="微软雅黑" panose="020B0503020204020204" pitchFamily="34" charset="-122"/>
                 <a:ea typeface="微软雅黑" panose="020B0503020204020204" pitchFamily="34" charset="-122"/>
               </a:rPr>
@@ -17524,16 +17578,12 @@
           <a:p>
             <a:pPr algn="ctr"/>
             <a:r>
-              <a:rPr lang="zh-CN" altLang="en-US" sz="1400" dirty="0" smtClean="0">
+              <a:rPr lang="zh-CN" altLang="en-US" sz="1400" dirty="0">
                 <a:latin typeface="微软雅黑" panose="020B0503020204020204" pitchFamily="34" charset="-122"/>
                 <a:ea typeface="微软雅黑" panose="020B0503020204020204" pitchFamily="34" charset="-122"/>
               </a:rPr>
               <a:t>流量镜像</a:t>
             </a:r>
-            <a:endParaRPr lang="zh-CN" altLang="en-US" sz="1400" dirty="0">
-              <a:latin typeface="微软雅黑" panose="020B0503020204020204" pitchFamily="34" charset="-122"/>
-              <a:ea typeface="微软雅黑" panose="020B0503020204020204" pitchFamily="34" charset="-122"/>
-            </a:endParaRPr>
           </a:p>
         </p:txBody>
       </p:sp>
@@ -17580,16 +17630,12 @@
           <a:p>
             <a:pPr algn="ctr"/>
             <a:r>
-              <a:rPr lang="zh-CN" altLang="en-US" sz="1600" dirty="0" smtClean="0">
+              <a:rPr lang="zh-CN" altLang="en-US" sz="1600" dirty="0">
                 <a:latin typeface="微软雅黑" panose="020B0503020204020204" pitchFamily="34" charset="-122"/>
                 <a:ea typeface="微软雅黑" panose="020B0503020204020204" pitchFamily="34" charset="-122"/>
               </a:rPr>
               <a:t>配置生成</a:t>
             </a:r>
-            <a:endParaRPr lang="zh-CN" altLang="en-US" sz="1600" dirty="0">
-              <a:latin typeface="微软雅黑" panose="020B0503020204020204" pitchFamily="34" charset="-122"/>
-              <a:ea typeface="微软雅黑" panose="020B0503020204020204" pitchFamily="34" charset="-122"/>
-            </a:endParaRPr>
           </a:p>
         </p:txBody>
       </p:sp>
@@ -17636,16 +17682,12 @@
           <a:p>
             <a:pPr algn="ctr"/>
             <a:r>
-              <a:rPr lang="zh-CN" altLang="en-US" sz="1600" dirty="0" smtClean="0">
+              <a:rPr lang="zh-CN" altLang="en-US" sz="1600" dirty="0">
                 <a:latin typeface="微软雅黑" panose="020B0503020204020204" pitchFamily="34" charset="-122"/>
                 <a:ea typeface="微软雅黑" panose="020B0503020204020204" pitchFamily="34" charset="-122"/>
               </a:rPr>
               <a:t>配置下发</a:t>
             </a:r>
-            <a:endParaRPr lang="zh-CN" altLang="en-US" sz="1600" dirty="0">
-              <a:latin typeface="微软雅黑" panose="020B0503020204020204" pitchFamily="34" charset="-122"/>
-              <a:ea typeface="微软雅黑" panose="020B0503020204020204" pitchFamily="34" charset="-122"/>
-            </a:endParaRPr>
           </a:p>
         </p:txBody>
       </p:sp>
@@ -17692,16 +17734,12 @@
           <a:p>
             <a:pPr algn="ctr"/>
             <a:r>
-              <a:rPr lang="zh-CN" altLang="en-US" sz="1600" dirty="0" smtClean="0">
+              <a:rPr lang="zh-CN" altLang="en-US" sz="1600" dirty="0">
                 <a:latin typeface="微软雅黑" panose="020B0503020204020204" pitchFamily="34" charset="-122"/>
                 <a:ea typeface="微软雅黑" panose="020B0503020204020204" pitchFamily="34" charset="-122"/>
               </a:rPr>
               <a:t>网络设计</a:t>
             </a:r>
-            <a:endParaRPr lang="zh-CN" altLang="en-US" sz="1600" dirty="0">
-              <a:latin typeface="微软雅黑" panose="020B0503020204020204" pitchFamily="34" charset="-122"/>
-              <a:ea typeface="微软雅黑" panose="020B0503020204020204" pitchFamily="34" charset="-122"/>
-            </a:endParaRPr>
           </a:p>
         </p:txBody>
       </p:sp>
@@ -17748,16 +17786,12 @@
           <a:p>
             <a:pPr algn="ctr"/>
             <a:r>
-              <a:rPr lang="zh-CN" altLang="en-US" sz="1600" dirty="0" smtClean="0">
+              <a:rPr lang="zh-CN" altLang="en-US" sz="1600" dirty="0">
                 <a:latin typeface="微软雅黑" panose="020B0503020204020204" pitchFamily="34" charset="-122"/>
                 <a:ea typeface="微软雅黑" panose="020B0503020204020204" pitchFamily="34" charset="-122"/>
               </a:rPr>
               <a:t>配置审核</a:t>
             </a:r>
-            <a:endParaRPr lang="zh-CN" altLang="en-US" sz="1600" dirty="0">
-              <a:latin typeface="微软雅黑" panose="020B0503020204020204" pitchFamily="34" charset="-122"/>
-              <a:ea typeface="微软雅黑" panose="020B0503020204020204" pitchFamily="34" charset="-122"/>
-            </a:endParaRPr>
           </a:p>
         </p:txBody>
       </p:sp>
@@ -17856,7 +17890,7 @@
           <a:p>
             <a:pPr algn="ctr"/>
             <a:r>
-              <a:rPr lang="zh-CN" altLang="en-US" smtClean="0">
+              <a:rPr lang="zh-CN" altLang="en-US">
                 <a:latin typeface="微软雅黑" panose="020B0503020204020204" pitchFamily="34" charset="-122"/>
                 <a:ea typeface="微软雅黑" panose="020B0503020204020204" pitchFamily="34" charset="-122"/>
               </a:rPr>
@@ -17912,16 +17946,12 @@
           <a:p>
             <a:pPr algn="ctr"/>
             <a:r>
-              <a:rPr lang="zh-CN" altLang="en-US" dirty="0" smtClean="0">
+              <a:rPr lang="zh-CN" altLang="en-US" dirty="0">
                 <a:latin typeface="微软雅黑" panose="020B0503020204020204" pitchFamily="34" charset="-122"/>
                 <a:ea typeface="微软雅黑" panose="020B0503020204020204" pitchFamily="34" charset="-122"/>
               </a:rPr>
               <a:t>安全要求</a:t>
             </a:r>
-            <a:endParaRPr lang="zh-CN" altLang="en-US" dirty="0">
-              <a:latin typeface="微软雅黑" panose="020B0503020204020204" pitchFamily="34" charset="-122"/>
-              <a:ea typeface="微软雅黑" panose="020B0503020204020204" pitchFamily="34" charset="-122"/>
-            </a:endParaRPr>
           </a:p>
         </p:txBody>
       </p:sp>
@@ -18016,16 +18046,12 @@
           <a:p>
             <a:pPr algn="ctr"/>
             <a:r>
-              <a:rPr lang="zh-CN" altLang="en-US" dirty="0" smtClean="0">
+              <a:rPr lang="zh-CN" altLang="en-US" dirty="0">
                 <a:latin typeface="微软雅黑" panose="020B0503020204020204" pitchFamily="34" charset="-122"/>
                 <a:ea typeface="微软雅黑" panose="020B0503020204020204" pitchFamily="34" charset="-122"/>
               </a:rPr>
               <a:t>网络性能分析</a:t>
             </a:r>
-            <a:endParaRPr lang="zh-CN" altLang="en-US" dirty="0">
-              <a:latin typeface="微软雅黑" panose="020B0503020204020204" pitchFamily="34" charset="-122"/>
-              <a:ea typeface="微软雅黑" panose="020B0503020204020204" pitchFamily="34" charset="-122"/>
-            </a:endParaRPr>
           </a:p>
         </p:txBody>
       </p:sp>
@@ -18074,16 +18100,12 @@
           <a:p>
             <a:pPr algn="ctr"/>
             <a:r>
-              <a:rPr lang="zh-CN" altLang="en-US" dirty="0" smtClean="0">
+              <a:rPr lang="zh-CN" altLang="en-US" dirty="0">
                 <a:latin typeface="微软雅黑" panose="020B0503020204020204" pitchFamily="34" charset="-122"/>
                 <a:ea typeface="微软雅黑" panose="020B0503020204020204" pitchFamily="34" charset="-122"/>
               </a:rPr>
               <a:t>网络路径分析</a:t>
             </a:r>
-            <a:endParaRPr lang="zh-CN" altLang="en-US" dirty="0">
-              <a:latin typeface="微软雅黑" panose="020B0503020204020204" pitchFamily="34" charset="-122"/>
-              <a:ea typeface="微软雅黑" panose="020B0503020204020204" pitchFamily="34" charset="-122"/>
-            </a:endParaRPr>
           </a:p>
         </p:txBody>
       </p:sp>
@@ -18130,30 +18152,12 @@
           <a:p>
             <a:pPr algn="ctr"/>
             <a:r>
-              <a:rPr lang="zh-CN" altLang="en-US" b="1" dirty="0" smtClean="0">
-                <a:latin typeface="微软雅黑" panose="020B0503020204020204" pitchFamily="34" charset="-122"/>
-                <a:ea typeface="微软雅黑" panose="020B0503020204020204" pitchFamily="34" charset="-122"/>
-              </a:rPr>
-              <a:t>网络</a:t>
-            </a:r>
-            <a:r>
               <a:rPr lang="zh-CN" altLang="en-US" b="1" dirty="0">
                 <a:latin typeface="微软雅黑" panose="020B0503020204020204" pitchFamily="34" charset="-122"/>
                 <a:ea typeface="微软雅黑" panose="020B0503020204020204" pitchFamily="34" charset="-122"/>
               </a:rPr>
-              <a:t>统一</a:t>
-            </a:r>
-            <a:r>
-              <a:rPr lang="zh-CN" altLang="en-US" b="1" dirty="0" smtClean="0">
-                <a:latin typeface="微软雅黑" panose="020B0503020204020204" pitchFamily="34" charset="-122"/>
-                <a:ea typeface="微软雅黑" panose="020B0503020204020204" pitchFamily="34" charset="-122"/>
-              </a:rPr>
-              <a:t>管理系统</a:t>
-            </a:r>
-            <a:endParaRPr lang="zh-CN" altLang="en-US" b="1" dirty="0">
-              <a:latin typeface="微软雅黑" panose="020B0503020204020204" pitchFamily="34" charset="-122"/>
-              <a:ea typeface="微软雅黑" panose="020B0503020204020204" pitchFamily="34" charset="-122"/>
-            </a:endParaRPr>
+              <a:t>网络统一管理系统</a:t>
+            </a:r>
           </a:p>
         </p:txBody>
       </p:sp>
@@ -18556,7 +18560,7 @@
           <a:p>
             <a:pPr algn="ctr"/>
             <a:r>
-              <a:rPr lang="en-US" altLang="zh-CN" sz="1600" dirty="0" smtClean="0">
+              <a:rPr lang="en-US" altLang="zh-CN" sz="1600" dirty="0">
                 <a:latin typeface="微软雅黑" panose="020B0503020204020204" pitchFamily="34" charset="-122"/>
                 <a:ea typeface="微软雅黑" panose="020B0503020204020204" pitchFamily="34" charset="-122"/>
               </a:rPr>
@@ -18612,16 +18616,12 @@
           <a:p>
             <a:pPr algn="ctr"/>
             <a:r>
-              <a:rPr lang="zh-CN" altLang="en-US" sz="1600" dirty="0" smtClean="0">
+              <a:rPr lang="zh-CN" altLang="en-US" sz="1600" dirty="0">
                 <a:latin typeface="微软雅黑" panose="020B0503020204020204" pitchFamily="34" charset="-122"/>
                 <a:ea typeface="微软雅黑" panose="020B0503020204020204" pitchFamily="34" charset="-122"/>
               </a:rPr>
               <a:t>健康检查</a:t>
             </a:r>
-            <a:endParaRPr lang="zh-CN" altLang="en-US" sz="1600" dirty="0">
-              <a:latin typeface="微软雅黑" panose="020B0503020204020204" pitchFamily="34" charset="-122"/>
-              <a:ea typeface="微软雅黑" panose="020B0503020204020204" pitchFamily="34" charset="-122"/>
-            </a:endParaRPr>
           </a:p>
         </p:txBody>
       </p:sp>
@@ -18843,18 +18843,13 @@
           <a:p>
             <a:pPr algn="ctr"/>
             <a:r>
-              <a:rPr kumimoji="1" lang="zh-CN" altLang="en-US" b="1" smtClean="0">
+              <a:rPr kumimoji="1" lang="zh-CN" altLang="en-US" b="1">
                 <a:latin typeface="Microsoft YaHei Light" charset="-122"/>
                 <a:ea typeface="Microsoft YaHei Light" charset="-122"/>
                 <a:cs typeface="Microsoft YaHei Light" charset="-122"/>
               </a:rPr>
               <a:t>三棱镜</a:t>
             </a:r>
-            <a:endParaRPr kumimoji="1" lang="zh-CN" altLang="en-US" b="1">
-              <a:latin typeface="Microsoft YaHei Light" charset="-122"/>
-              <a:ea typeface="Microsoft YaHei Light" charset="-122"/>
-              <a:cs typeface="Microsoft YaHei Light" charset="-122"/>
-            </a:endParaRPr>
           </a:p>
         </p:txBody>
       </p:sp>
@@ -18868,13 +18863,6 @@
   <p:clrMapOvr>
     <a:masterClrMapping/>
   </p:clrMapOvr>
-  <p:timing>
-    <p:tnLst>
-      <p:par>
-        <p:cTn id="1" dur="indefinite" restart="never" nodeType="tmRoot"/>
-      </p:par>
-    </p:tnLst>
-  </p:timing>
 </p:sld>
 </file>
 
@@ -19047,7 +19035,7 @@
               </a:spcAft>
             </a:pPr>
             <a:r>
-              <a:rPr lang="zh-CN" altLang="en-US" sz="2399" b="1" dirty="0" smtClean="0">
+              <a:rPr lang="zh-CN" altLang="en-US" sz="2399" b="1" dirty="0">
                 <a:solidFill>
                   <a:srgbClr val="990000"/>
                 </a:solidFill>
@@ -19058,15 +19046,6 @@
               </a:rPr>
               <a:t>测试环境</a:t>
             </a:r>
-            <a:endParaRPr lang="zh-CN" altLang="en-US" sz="2399" b="1" dirty="0">
-              <a:solidFill>
-                <a:srgbClr val="990000"/>
-              </a:solidFill>
-              <a:latin typeface="微软雅黑"/>
-              <a:ea typeface="微软雅黑"/>
-              <a:cs typeface="微软雅黑"/>
-              <a:sym typeface="Lucida Grande"/>
-            </a:endParaRPr>
           </a:p>
         </p:txBody>
       </p:sp>
@@ -23772,7 +23751,7 @@
               <a:buNone/>
             </a:pPr>
             <a:r>
-              <a:rPr lang="en-US" altLang="zh-CN" sz="1100" dirty="0" smtClean="0">
+              <a:rPr lang="en-US" altLang="zh-CN" sz="1100" dirty="0">
                 <a:latin typeface="微软雅黑" pitchFamily="34" charset="-122"/>
                 <a:ea typeface="微软雅黑" pitchFamily="34" charset="-122"/>
               </a:rPr>
@@ -23811,7 +23790,7 @@
               <a:buNone/>
             </a:pPr>
             <a:r>
-              <a:rPr lang="en-US" altLang="zh-CN" sz="1100" dirty="0" smtClean="0">
+              <a:rPr lang="en-US" altLang="zh-CN" sz="1100" dirty="0">
                 <a:latin typeface="微软雅黑" pitchFamily="34" charset="-122"/>
                 <a:ea typeface="微软雅黑" pitchFamily="34" charset="-122"/>
               </a:rPr>
@@ -23850,7 +23829,7 @@
               <a:buNone/>
             </a:pPr>
             <a:r>
-              <a:rPr lang="en-US" altLang="zh-CN" sz="1100" dirty="0" smtClean="0">
+              <a:rPr lang="en-US" altLang="zh-CN" sz="1100" dirty="0">
                 <a:latin typeface="微软雅黑" pitchFamily="34" charset="-122"/>
                 <a:ea typeface="微软雅黑" pitchFamily="34" charset="-122"/>
               </a:rPr>
@@ -24714,16 +24693,12 @@
               <a:buNone/>
             </a:pPr>
             <a:r>
-              <a:rPr lang="en-US" altLang="zh-CN" sz="1100" dirty="0" smtClean="0">
+              <a:rPr lang="en-US" altLang="zh-CN" sz="1100" dirty="0">
                 <a:latin typeface="微软雅黑" pitchFamily="34" charset="-122"/>
                 <a:ea typeface="微软雅黑" pitchFamily="34" charset="-122"/>
               </a:rPr>
               <a:t>Router</a:t>
             </a:r>
-            <a:endParaRPr lang="en-US" altLang="zh-CN" sz="1100" dirty="0">
-              <a:latin typeface="微软雅黑" pitchFamily="34" charset="-122"/>
-              <a:ea typeface="微软雅黑" pitchFamily="34" charset="-122"/>
-            </a:endParaRPr>
           </a:p>
         </p:txBody>
       </p:sp>
@@ -24753,16 +24728,12 @@
               <a:buNone/>
             </a:pPr>
             <a:r>
-              <a:rPr lang="en-US" altLang="zh-CN" sz="1100" dirty="0" smtClean="0">
+              <a:rPr lang="en-US" altLang="zh-CN" sz="1100" dirty="0">
                 <a:latin typeface="微软雅黑" pitchFamily="34" charset="-122"/>
                 <a:ea typeface="微软雅黑" pitchFamily="34" charset="-122"/>
               </a:rPr>
               <a:t>SW</a:t>
             </a:r>
-            <a:endParaRPr lang="en-US" altLang="zh-CN" sz="1100" dirty="0">
-              <a:latin typeface="微软雅黑" pitchFamily="34" charset="-122"/>
-              <a:ea typeface="微软雅黑" pitchFamily="34" charset="-122"/>
-            </a:endParaRPr>
           </a:p>
         </p:txBody>
       </p:sp>
@@ -24792,16 +24763,12 @@
               <a:buNone/>
             </a:pPr>
             <a:r>
-              <a:rPr lang="en-US" altLang="zh-CN" sz="1100" dirty="0" smtClean="0">
+              <a:rPr lang="en-US" altLang="zh-CN" sz="1100" dirty="0">
                 <a:latin typeface="微软雅黑" pitchFamily="34" charset="-122"/>
                 <a:ea typeface="微软雅黑" pitchFamily="34" charset="-122"/>
               </a:rPr>
               <a:t>DNS</a:t>
             </a:r>
-            <a:endParaRPr lang="en-US" altLang="zh-CN" sz="1100" dirty="0">
-              <a:latin typeface="微软雅黑" pitchFamily="34" charset="-122"/>
-              <a:ea typeface="微软雅黑" pitchFamily="34" charset="-122"/>
-            </a:endParaRPr>
           </a:p>
         </p:txBody>
       </p:sp>
@@ -24831,16 +24798,12 @@
               <a:buNone/>
             </a:pPr>
             <a:r>
-              <a:rPr lang="en-US" altLang="zh-CN" sz="1100" dirty="0" smtClean="0">
+              <a:rPr lang="en-US" altLang="zh-CN" sz="1100" dirty="0">
                 <a:latin typeface="微软雅黑" pitchFamily="34" charset="-122"/>
                 <a:ea typeface="微软雅黑" pitchFamily="34" charset="-122"/>
               </a:rPr>
               <a:t>FW</a:t>
             </a:r>
-            <a:endParaRPr lang="en-US" altLang="zh-CN" sz="1100" dirty="0">
-              <a:latin typeface="微软雅黑" pitchFamily="34" charset="-122"/>
-              <a:ea typeface="微软雅黑" pitchFamily="34" charset="-122"/>
-            </a:endParaRPr>
           </a:p>
         </p:txBody>
       </p:sp>
@@ -24870,16 +24833,12 @@
               <a:buNone/>
             </a:pPr>
             <a:r>
-              <a:rPr lang="en-US" altLang="zh-CN" sz="1100" dirty="0" smtClean="0">
+              <a:rPr lang="en-US" altLang="zh-CN" sz="1100" dirty="0">
                 <a:latin typeface="微软雅黑" pitchFamily="34" charset="-122"/>
                 <a:ea typeface="微软雅黑" pitchFamily="34" charset="-122"/>
               </a:rPr>
               <a:t>SW</a:t>
             </a:r>
-            <a:endParaRPr lang="en-US" altLang="zh-CN" sz="1100" dirty="0">
-              <a:latin typeface="微软雅黑" pitchFamily="34" charset="-122"/>
-              <a:ea typeface="微软雅黑" pitchFamily="34" charset="-122"/>
-            </a:endParaRPr>
           </a:p>
         </p:txBody>
       </p:sp>
@@ -24909,16 +24868,12 @@
               <a:buNone/>
             </a:pPr>
             <a:r>
-              <a:rPr lang="en-US" altLang="zh-CN" sz="1100" dirty="0" smtClean="0">
+              <a:rPr lang="en-US" altLang="zh-CN" sz="1100" dirty="0">
                 <a:latin typeface="微软雅黑" pitchFamily="34" charset="-122"/>
                 <a:ea typeface="微软雅黑" pitchFamily="34" charset="-122"/>
               </a:rPr>
               <a:t>SLB</a:t>
             </a:r>
-            <a:endParaRPr lang="en-US" altLang="zh-CN" sz="1100" dirty="0">
-              <a:latin typeface="微软雅黑" pitchFamily="34" charset="-122"/>
-              <a:ea typeface="微软雅黑" pitchFamily="34" charset="-122"/>
-            </a:endParaRPr>
           </a:p>
         </p:txBody>
       </p:sp>
@@ -24948,16 +24903,12 @@
               <a:buNone/>
             </a:pPr>
             <a:r>
-              <a:rPr lang="en-US" altLang="zh-CN" sz="1100" dirty="0" smtClean="0">
+              <a:rPr lang="en-US" altLang="zh-CN" sz="1100" dirty="0">
                 <a:latin typeface="微软雅黑" pitchFamily="34" charset="-122"/>
                 <a:ea typeface="微软雅黑" pitchFamily="34" charset="-122"/>
               </a:rPr>
               <a:t>SW</a:t>
             </a:r>
-            <a:endParaRPr lang="en-US" altLang="zh-CN" sz="1100" dirty="0">
-              <a:latin typeface="微软雅黑" pitchFamily="34" charset="-122"/>
-              <a:ea typeface="微软雅黑" pitchFamily="34" charset="-122"/>
-            </a:endParaRPr>
           </a:p>
         </p:txBody>
       </p:sp>
@@ -24987,16 +24938,12 @@
               <a:buNone/>
             </a:pPr>
             <a:r>
-              <a:rPr lang="en-US" altLang="zh-CN" sz="1100" dirty="0" smtClean="0">
+              <a:rPr lang="en-US" altLang="zh-CN" sz="1100" dirty="0">
                 <a:latin typeface="微软雅黑" pitchFamily="34" charset="-122"/>
                 <a:ea typeface="微软雅黑" pitchFamily="34" charset="-122"/>
               </a:rPr>
               <a:t>FW</a:t>
             </a:r>
-            <a:endParaRPr lang="en-US" altLang="zh-CN" sz="1100" dirty="0">
-              <a:latin typeface="微软雅黑" pitchFamily="34" charset="-122"/>
-              <a:ea typeface="微软雅黑" pitchFamily="34" charset="-122"/>
-            </a:endParaRPr>
           </a:p>
         </p:txBody>
       </p:sp>
@@ -25026,16 +24973,12 @@
               <a:buNone/>
             </a:pPr>
             <a:r>
-              <a:rPr lang="en-US" altLang="zh-CN" sz="1100" dirty="0" smtClean="0">
+              <a:rPr lang="en-US" altLang="zh-CN" sz="1100" dirty="0">
                 <a:latin typeface="微软雅黑" pitchFamily="34" charset="-122"/>
                 <a:ea typeface="微软雅黑" pitchFamily="34" charset="-122"/>
               </a:rPr>
               <a:t>SSL</a:t>
             </a:r>
-            <a:endParaRPr lang="en-US" altLang="zh-CN" sz="1100" dirty="0">
-              <a:latin typeface="微软雅黑" pitchFamily="34" charset="-122"/>
-              <a:ea typeface="微软雅黑" pitchFamily="34" charset="-122"/>
-            </a:endParaRPr>
           </a:p>
         </p:txBody>
       </p:sp>
@@ -25065,16 +25008,12 @@
               <a:buNone/>
             </a:pPr>
             <a:r>
-              <a:rPr lang="en-US" altLang="zh-CN" sz="1100" dirty="0" smtClean="0">
+              <a:rPr lang="en-US" altLang="zh-CN" sz="1100" dirty="0">
                 <a:latin typeface="微软雅黑" pitchFamily="34" charset="-122"/>
                 <a:ea typeface="微软雅黑" pitchFamily="34" charset="-122"/>
               </a:rPr>
               <a:t>WAF</a:t>
             </a:r>
-            <a:endParaRPr lang="en-US" altLang="zh-CN" sz="1100" dirty="0">
-              <a:latin typeface="微软雅黑" pitchFamily="34" charset="-122"/>
-              <a:ea typeface="微软雅黑" pitchFamily="34" charset="-122"/>
-            </a:endParaRPr>
           </a:p>
         </p:txBody>
       </p:sp>
@@ -25104,16 +25043,12 @@
               <a:buNone/>
             </a:pPr>
             <a:r>
-              <a:rPr lang="en-US" altLang="zh-CN" sz="1100" dirty="0" smtClean="0">
+              <a:rPr lang="en-US" altLang="zh-CN" sz="1100" dirty="0">
                 <a:latin typeface="微软雅黑" pitchFamily="34" charset="-122"/>
                 <a:ea typeface="微软雅黑" pitchFamily="34" charset="-122"/>
               </a:rPr>
               <a:t>SLB</a:t>
             </a:r>
-            <a:endParaRPr lang="en-US" altLang="zh-CN" sz="1100" dirty="0">
-              <a:latin typeface="微软雅黑" pitchFamily="34" charset="-122"/>
-              <a:ea typeface="微软雅黑" pitchFamily="34" charset="-122"/>
-            </a:endParaRPr>
           </a:p>
         </p:txBody>
       </p:sp>
@@ -25158,13 +25093,6 @@
     <a:masterClrMapping/>
   </p:clrMapOvr>
   <p:transition spd="med" advClick="0" advTm="8000"/>
-  <p:timing>
-    <p:tnLst>
-      <p:par>
-        <p:cTn id="1" dur="indefinite" restart="never" nodeType="tmRoot"/>
-      </p:par>
-    </p:tnLst>
-  </p:timing>
 </p:sld>
 </file>
 

--- a/testEnv/NETCLI.pptx
+++ b/testEnv/NETCLI.pptx
@@ -200,7 +200,7 @@
           <a:p>
             <a:fld id="{242D1DAE-8D5D-1F4F-BE0C-363561884B68}" type="datetimeFigureOut">
               <a:rPr kumimoji="1" lang="zh-CN" altLang="en-US" smtClean="0"/>
-              <a:t>2019/10/9</a:t>
+              <a:t>2019/10/10</a:t>
             </a:fld>
             <a:endParaRPr kumimoji="1" lang="zh-CN" altLang="en-US"/>
           </a:p>
@@ -2967,7 +2967,7 @@
           <a:p>
             <a:fld id="{04EBE0E1-1C55-4334-85A3-E2728A37F884}" type="datetimeFigureOut">
               <a:rPr lang="zh-CN" altLang="en-US" smtClean="0"/>
-              <a:t>2019/10/9</a:t>
+              <a:t>2019/10/10</a:t>
             </a:fld>
             <a:endParaRPr lang="zh-CN" altLang="en-US"/>
           </a:p>
@@ -7256,7 +7256,7 @@
           <a:p>
             <a:fld id="{04EBE0E1-1C55-4334-85A3-E2728A37F884}" type="datetimeFigureOut">
               <a:rPr lang="zh-CN" altLang="en-US" smtClean="0"/>
-              <a:t>2019/10/9</a:t>
+              <a:t>2019/10/10</a:t>
             </a:fld>
             <a:endParaRPr lang="zh-CN" altLang="en-US"/>
           </a:p>
@@ -7838,7 +7838,7 @@
           <a:p>
             <a:fld id="{04EBE0E1-1C55-4334-85A3-E2728A37F884}" type="datetimeFigureOut">
               <a:rPr lang="zh-CN" altLang="en-US" smtClean="0"/>
-              <a:t>2019/10/9</a:t>
+              <a:t>2019/10/10</a:t>
             </a:fld>
             <a:endParaRPr lang="zh-CN" altLang="en-US"/>
           </a:p>
@@ -9113,7 +9113,7 @@
           <a:p>
             <a:fld id="{04EBE0E1-1C55-4334-85A3-E2728A37F884}" type="datetimeFigureOut">
               <a:rPr lang="zh-CN" altLang="en-US" smtClean="0"/>
-              <a:t>2019/10/9</a:t>
+              <a:t>2019/10/10</a:t>
             </a:fld>
             <a:endParaRPr lang="zh-CN" altLang="en-US"/>
           </a:p>
@@ -10523,7 +10523,7 @@
           <a:p>
             <a:fld id="{04EBE0E1-1C55-4334-85A3-E2728A37F884}" type="datetimeFigureOut">
               <a:rPr lang="zh-CN" altLang="en-US" smtClean="0"/>
-              <a:t>2019/10/9</a:t>
+              <a:t>2019/10/10</a:t>
             </a:fld>
             <a:endParaRPr lang="zh-CN" altLang="en-US"/>
           </a:p>
@@ -13397,6 +13397,9 @@
             </a:pPr>
             <a:r>
               <a:rPr lang="en-US" altLang="zh-CN" sz="1100" dirty="0">
+                <a:highlight>
+                  <a:srgbClr val="00FF00"/>
+                </a:highlight>
                 <a:latin typeface="微软雅黑" pitchFamily="34" charset="-122"/>
                 <a:ea typeface="微软雅黑" pitchFamily="34" charset="-122"/>
               </a:rPr>
@@ -13409,12 +13412,18 @@
             </a:pPr>
             <a:r>
               <a:rPr lang="en-US" altLang="zh-CN" sz="1100" dirty="0">
+                <a:highlight>
+                  <a:srgbClr val="00FF00"/>
+                </a:highlight>
                 <a:latin typeface="微软雅黑" pitchFamily="34" charset="-122"/>
                 <a:ea typeface="微软雅黑" pitchFamily="34" charset="-122"/>
               </a:rPr>
               <a:t>172.20.13.30</a:t>
             </a:r>
             <a:endParaRPr lang="zh-CN" altLang="en-US" sz="1100" dirty="0">
+              <a:highlight>
+                <a:srgbClr val="00FF00"/>
+              </a:highlight>
               <a:latin typeface="微软雅黑" pitchFamily="34" charset="-122"/>
               <a:ea typeface="微软雅黑" pitchFamily="34" charset="-122"/>
             </a:endParaRPr>
@@ -13448,6 +13457,9 @@
             </a:pPr>
             <a:r>
               <a:rPr lang="en-US" altLang="zh-CN" sz="1100" dirty="0">
+                <a:highlight>
+                  <a:srgbClr val="00FF00"/>
+                </a:highlight>
                 <a:latin typeface="微软雅黑" pitchFamily="34" charset="-122"/>
                 <a:ea typeface="微软雅黑" pitchFamily="34" charset="-122"/>
               </a:rPr>
@@ -13460,6 +13472,9 @@
             </a:pPr>
             <a:r>
               <a:rPr lang="en-US" altLang="zh-CN" sz="1100" dirty="0">
+                <a:highlight>
+                  <a:srgbClr val="00FF00"/>
+                </a:highlight>
                 <a:latin typeface="微软雅黑" pitchFamily="34" charset="-122"/>
                 <a:ea typeface="微软雅黑" pitchFamily="34" charset="-122"/>
               </a:rPr>
@@ -14464,8 +14479,8 @@
         </p:nvSpPr>
         <p:spPr>
           <a:xfrm>
-            <a:off x="4690953" y="1882987"/>
-            <a:ext cx="830740" cy="369332"/>
+            <a:off x="4650443" y="1890206"/>
+            <a:ext cx="595035" cy="261610"/>
           </a:xfrm>
           <a:prstGeom prst="rect">
             <a:avLst/>
@@ -14479,10 +14494,10 @@
           <a:lstStyle/>
           <a:p>
             <a:r>
-              <a:rPr kumimoji="1" lang="en-US" altLang="zh-CN"/>
+              <a:rPr kumimoji="1" lang="en-US" altLang="zh-CN" sz="1100"/>
               <a:t>Trunk</a:t>
             </a:r>
-            <a:endParaRPr kumimoji="1" lang="zh-CN" altLang="en-US"/>
+            <a:endParaRPr kumimoji="1" lang="zh-CN" altLang="en-US" sz="1100"/>
           </a:p>
         </p:txBody>
       </p:sp>
@@ -14494,7 +14509,7 @@
         </p:nvSpPr>
         <p:spPr>
           <a:xfrm>
-            <a:off x="4606670" y="3151082"/>
+            <a:off x="5142422" y="3448038"/>
             <a:ext cx="758541" cy="261610"/>
           </a:xfrm>
           <a:prstGeom prst="rect">
@@ -14524,7 +14539,7 @@
         </p:nvSpPr>
         <p:spPr>
           <a:xfrm>
-            <a:off x="5417399" y="3151082"/>
+            <a:off x="6723140" y="3448038"/>
             <a:ext cx="758541" cy="261610"/>
           </a:xfrm>
           <a:prstGeom prst="rect">
@@ -15365,7 +15380,7 @@
         </p:nvSpPr>
         <p:spPr>
           <a:xfrm>
-            <a:off x="3817571" y="3141563"/>
+            <a:off x="3295834" y="3448038"/>
             <a:ext cx="758541" cy="261610"/>
           </a:xfrm>
           <a:prstGeom prst="rect">
@@ -15952,6 +15967,244 @@
               <a:t>Loopback2:2.2.2.1/32</a:t>
             </a:r>
             <a:endParaRPr kumimoji="1" lang="zh-CN" altLang="en-US" sz="1200"/>
+          </a:p>
+        </p:txBody>
+      </p:sp>
+      <p:sp>
+        <p:nvSpPr>
+          <p:cNvPr id="4" name="文本框 3">
+            <a:extLst>
+              <a:ext uri="{FF2B5EF4-FFF2-40B4-BE49-F238E27FC236}">
+                <a16:creationId xmlns:a16="http://schemas.microsoft.com/office/drawing/2014/main" id="{67153C49-D98C-4A4C-BA6B-E4220B9AE7B0}"/>
+              </a:ext>
+            </a:extLst>
+          </p:cNvPr>
+          <p:cNvSpPr txBox="1"/>
+          <p:nvPr/>
+        </p:nvSpPr>
+        <p:spPr>
+          <a:xfrm>
+            <a:off x="9760329" y="1382382"/>
+            <a:ext cx="2431538" cy="819840"/>
+          </a:xfrm>
+          <a:prstGeom prst="rect">
+            <a:avLst/>
+          </a:prstGeom>
+          <a:noFill/>
+        </p:spPr>
+        <p:txBody>
+          <a:bodyPr wrap="square" rtlCol="0">
+            <a:spAutoFit/>
+          </a:bodyPr>
+          <a:lstStyle/>
+          <a:p>
+            <a:pPr>
+              <a:lnSpc>
+                <a:spcPct val="150000"/>
+              </a:lnSpc>
+            </a:pPr>
+            <a:r>
+              <a:rPr kumimoji="1" lang="en-US" altLang="zh-CN" sz="1100"/>
+              <a:t>OSPF</a:t>
+            </a:r>
+            <a:r>
+              <a:rPr kumimoji="1" lang="zh-CN" altLang="en-US" sz="1100"/>
+              <a:t> </a:t>
+            </a:r>
+            <a:r>
+              <a:rPr kumimoji="1" lang="en-US" altLang="zh-CN" sz="1100"/>
+              <a:t>process:100</a:t>
+            </a:r>
+          </a:p>
+          <a:p>
+            <a:pPr>
+              <a:lnSpc>
+                <a:spcPct val="150000"/>
+              </a:lnSpc>
+            </a:pPr>
+            <a:r>
+              <a:rPr kumimoji="1" lang="en-US" altLang="zh-CN" sz="1100"/>
+              <a:t>BGP</a:t>
+            </a:r>
+            <a:r>
+              <a:rPr kumimoji="1" lang="zh-CN" altLang="en-US" sz="1100"/>
+              <a:t> </a:t>
+            </a:r>
+            <a:r>
+              <a:rPr kumimoji="1" lang="en-US" altLang="zh-CN" sz="1100"/>
+              <a:t>AS_number:65512/65513</a:t>
+            </a:r>
+          </a:p>
+          <a:p>
+            <a:pPr>
+              <a:lnSpc>
+                <a:spcPct val="150000"/>
+              </a:lnSpc>
+            </a:pPr>
+            <a:r>
+              <a:rPr kumimoji="1" lang="en-US" altLang="zh-CN" sz="1100"/>
+              <a:t>Router-id:</a:t>
+            </a:r>
+            <a:r>
+              <a:rPr kumimoji="1" lang="zh-CN" altLang="en-US" sz="1100"/>
+              <a:t> </a:t>
+            </a:r>
+            <a:r>
+              <a:rPr kumimoji="1" lang="en-US" altLang="zh-CN" sz="1100"/>
+              <a:t>loopback0</a:t>
+            </a:r>
+          </a:p>
+        </p:txBody>
+      </p:sp>
+      <p:sp>
+        <p:nvSpPr>
+          <p:cNvPr id="5" name="文本框 4">
+            <a:extLst>
+              <a:ext uri="{FF2B5EF4-FFF2-40B4-BE49-F238E27FC236}">
+                <a16:creationId xmlns:a16="http://schemas.microsoft.com/office/drawing/2014/main" id="{7DFAEFE2-DA23-954E-B425-95C2C2CFB302}"/>
+              </a:ext>
+            </a:extLst>
+          </p:cNvPr>
+          <p:cNvSpPr txBox="1"/>
+          <p:nvPr/>
+        </p:nvSpPr>
+        <p:spPr>
+          <a:xfrm>
+            <a:off x="3124946" y="1906523"/>
+            <a:ext cx="1508362" cy="276999"/>
+          </a:xfrm>
+          <a:prstGeom prst="rect">
+            <a:avLst/>
+          </a:prstGeom>
+          <a:noFill/>
+        </p:spPr>
+        <p:txBody>
+          <a:bodyPr wrap="none" rtlCol="0">
+            <a:spAutoFit/>
+          </a:bodyPr>
+          <a:lstStyle/>
+          <a:p>
+            <a:r>
+              <a:rPr kumimoji="1" lang="en-US" altLang="zh-CN" sz="1200"/>
+              <a:t>Port-channel</a:t>
+            </a:r>
+            <a:r>
+              <a:rPr kumimoji="1" lang="zh-CN" altLang="en-US" sz="1200"/>
+              <a:t> </a:t>
+            </a:r>
+            <a:r>
+              <a:rPr kumimoji="1" lang="en-US" altLang="zh-CN" sz="1200"/>
+              <a:t>100</a:t>
+            </a:r>
+            <a:endParaRPr kumimoji="1" lang="zh-CN" altLang="en-US" sz="1200"/>
+          </a:p>
+        </p:txBody>
+      </p:sp>
+      <p:sp>
+        <p:nvSpPr>
+          <p:cNvPr id="68" name="文本框 67">
+            <a:extLst>
+              <a:ext uri="{FF2B5EF4-FFF2-40B4-BE49-F238E27FC236}">
+                <a16:creationId xmlns:a16="http://schemas.microsoft.com/office/drawing/2014/main" id="{2E977B70-D1F1-B34C-85C6-12473FA36D8B}"/>
+              </a:ext>
+            </a:extLst>
+          </p:cNvPr>
+          <p:cNvSpPr txBox="1"/>
+          <p:nvPr/>
+        </p:nvSpPr>
+        <p:spPr>
+          <a:xfrm>
+            <a:off x="3892664" y="3145290"/>
+            <a:ext cx="595035" cy="261610"/>
+          </a:xfrm>
+          <a:prstGeom prst="rect">
+            <a:avLst/>
+          </a:prstGeom>
+          <a:noFill/>
+        </p:spPr>
+        <p:txBody>
+          <a:bodyPr wrap="none" rtlCol="0">
+            <a:spAutoFit/>
+          </a:bodyPr>
+          <a:lstStyle/>
+          <a:p>
+            <a:r>
+              <a:rPr kumimoji="1" lang="en-US" altLang="zh-CN" sz="1100"/>
+              <a:t>Trunk</a:t>
+            </a:r>
+            <a:endParaRPr kumimoji="1" lang="zh-CN" altLang="en-US" sz="1100"/>
+          </a:p>
+        </p:txBody>
+      </p:sp>
+      <p:sp>
+        <p:nvSpPr>
+          <p:cNvPr id="75" name="文本框 74">
+            <a:extLst>
+              <a:ext uri="{FF2B5EF4-FFF2-40B4-BE49-F238E27FC236}">
+                <a16:creationId xmlns:a16="http://schemas.microsoft.com/office/drawing/2014/main" id="{DE715C24-2F73-1247-8D74-D192CDAFB592}"/>
+              </a:ext>
+            </a:extLst>
+          </p:cNvPr>
+          <p:cNvSpPr txBox="1"/>
+          <p:nvPr/>
+        </p:nvSpPr>
+        <p:spPr>
+          <a:xfrm>
+            <a:off x="4831967" y="3145290"/>
+            <a:ext cx="595035" cy="261610"/>
+          </a:xfrm>
+          <a:prstGeom prst="rect">
+            <a:avLst/>
+          </a:prstGeom>
+          <a:noFill/>
+        </p:spPr>
+        <p:txBody>
+          <a:bodyPr wrap="none" rtlCol="0">
+            <a:spAutoFit/>
+          </a:bodyPr>
+          <a:lstStyle/>
+          <a:p>
+            <a:r>
+              <a:rPr kumimoji="1" lang="en-US" altLang="zh-CN" sz="1100"/>
+              <a:t>Trunk</a:t>
+            </a:r>
+            <a:endParaRPr kumimoji="1" lang="zh-CN" altLang="en-US" sz="1100"/>
+          </a:p>
+        </p:txBody>
+      </p:sp>
+      <p:sp>
+        <p:nvSpPr>
+          <p:cNvPr id="82" name="文本框 81">
+            <a:extLst>
+              <a:ext uri="{FF2B5EF4-FFF2-40B4-BE49-F238E27FC236}">
+                <a16:creationId xmlns:a16="http://schemas.microsoft.com/office/drawing/2014/main" id="{6465CF76-F597-DE45-845C-E7E650719AB6}"/>
+              </a:ext>
+            </a:extLst>
+          </p:cNvPr>
+          <p:cNvSpPr txBox="1"/>
+          <p:nvPr/>
+        </p:nvSpPr>
+        <p:spPr>
+          <a:xfrm>
+            <a:off x="5702687" y="3145290"/>
+            <a:ext cx="595035" cy="261610"/>
+          </a:xfrm>
+          <a:prstGeom prst="rect">
+            <a:avLst/>
+          </a:prstGeom>
+          <a:noFill/>
+        </p:spPr>
+        <p:txBody>
+          <a:bodyPr wrap="none" rtlCol="0">
+            <a:spAutoFit/>
+          </a:bodyPr>
+          <a:lstStyle/>
+          <a:p>
+            <a:r>
+              <a:rPr kumimoji="1" lang="en-US" altLang="zh-CN" sz="1100"/>
+              <a:t>Trunk</a:t>
+            </a:r>
+            <a:endParaRPr kumimoji="1" lang="zh-CN" altLang="en-US" sz="1100"/>
           </a:p>
         </p:txBody>
       </p:sp>
